--- a/slides/CINNUG-Patterns-20150428.pptx
+++ b/slides/CINNUG-Patterns-20150428.pptx
@@ -5,65 +5,66 @@
     <p:sldMasterId id="2147483768" r:id="rId1"/>
   </p:sldMasterIdLst>
   <p:notesMasterIdLst>
-    <p:notesMasterId r:id="rId58"/>
+    <p:notesMasterId r:id="rId59"/>
   </p:notesMasterIdLst>
   <p:sldIdLst>
     <p:sldId id="256" r:id="rId2"/>
     <p:sldId id="257" r:id="rId3"/>
-    <p:sldId id="328" r:id="rId4"/>
-    <p:sldId id="325" r:id="rId5"/>
-    <p:sldId id="296" r:id="rId6"/>
-    <p:sldId id="260" r:id="rId7"/>
-    <p:sldId id="297" r:id="rId8"/>
-    <p:sldId id="299" r:id="rId9"/>
-    <p:sldId id="298" r:id="rId10"/>
-    <p:sldId id="300" r:id="rId11"/>
-    <p:sldId id="301" r:id="rId12"/>
-    <p:sldId id="264" r:id="rId13"/>
-    <p:sldId id="321" r:id="rId14"/>
-    <p:sldId id="265" r:id="rId15"/>
-    <p:sldId id="266" r:id="rId16"/>
-    <p:sldId id="323" r:id="rId17"/>
-    <p:sldId id="267" r:id="rId18"/>
-    <p:sldId id="270" r:id="rId19"/>
-    <p:sldId id="303" r:id="rId20"/>
-    <p:sldId id="302" r:id="rId21"/>
-    <p:sldId id="271" r:id="rId22"/>
-    <p:sldId id="304" r:id="rId23"/>
-    <p:sldId id="272" r:id="rId24"/>
-    <p:sldId id="273" r:id="rId25"/>
-    <p:sldId id="274" r:id="rId26"/>
-    <p:sldId id="305" r:id="rId27"/>
-    <p:sldId id="306" r:id="rId28"/>
-    <p:sldId id="279" r:id="rId29"/>
-    <p:sldId id="277" r:id="rId30"/>
-    <p:sldId id="280" r:id="rId31"/>
-    <p:sldId id="269" r:id="rId32"/>
-    <p:sldId id="307" r:id="rId33"/>
-    <p:sldId id="327" r:id="rId34"/>
-    <p:sldId id="283" r:id="rId35"/>
-    <p:sldId id="308" r:id="rId36"/>
-    <p:sldId id="281" r:id="rId37"/>
-    <p:sldId id="316" r:id="rId38"/>
-    <p:sldId id="314" r:id="rId39"/>
-    <p:sldId id="319" r:id="rId40"/>
-    <p:sldId id="320" r:id="rId41"/>
-    <p:sldId id="286" r:id="rId42"/>
-    <p:sldId id="282" r:id="rId43"/>
-    <p:sldId id="310" r:id="rId44"/>
-    <p:sldId id="313" r:id="rId45"/>
-    <p:sldId id="311" r:id="rId46"/>
-    <p:sldId id="317" r:id="rId47"/>
-    <p:sldId id="284" r:id="rId48"/>
-    <p:sldId id="318" r:id="rId49"/>
-    <p:sldId id="293" r:id="rId50"/>
-    <p:sldId id="294" r:id="rId51"/>
-    <p:sldId id="326" r:id="rId52"/>
-    <p:sldId id="322" r:id="rId53"/>
-    <p:sldId id="295" r:id="rId54"/>
-    <p:sldId id="329" r:id="rId55"/>
-    <p:sldId id="289" r:id="rId56"/>
-    <p:sldId id="258" r:id="rId57"/>
+    <p:sldId id="331" r:id="rId4"/>
+    <p:sldId id="328" r:id="rId5"/>
+    <p:sldId id="325" r:id="rId6"/>
+    <p:sldId id="296" r:id="rId7"/>
+    <p:sldId id="260" r:id="rId8"/>
+    <p:sldId id="297" r:id="rId9"/>
+    <p:sldId id="299" r:id="rId10"/>
+    <p:sldId id="298" r:id="rId11"/>
+    <p:sldId id="300" r:id="rId12"/>
+    <p:sldId id="301" r:id="rId13"/>
+    <p:sldId id="264" r:id="rId14"/>
+    <p:sldId id="321" r:id="rId15"/>
+    <p:sldId id="265" r:id="rId16"/>
+    <p:sldId id="266" r:id="rId17"/>
+    <p:sldId id="323" r:id="rId18"/>
+    <p:sldId id="267" r:id="rId19"/>
+    <p:sldId id="270" r:id="rId20"/>
+    <p:sldId id="303" r:id="rId21"/>
+    <p:sldId id="302" r:id="rId22"/>
+    <p:sldId id="271" r:id="rId23"/>
+    <p:sldId id="304" r:id="rId24"/>
+    <p:sldId id="272" r:id="rId25"/>
+    <p:sldId id="273" r:id="rId26"/>
+    <p:sldId id="274" r:id="rId27"/>
+    <p:sldId id="305" r:id="rId28"/>
+    <p:sldId id="306" r:id="rId29"/>
+    <p:sldId id="279" r:id="rId30"/>
+    <p:sldId id="277" r:id="rId31"/>
+    <p:sldId id="280" r:id="rId32"/>
+    <p:sldId id="269" r:id="rId33"/>
+    <p:sldId id="307" r:id="rId34"/>
+    <p:sldId id="327" r:id="rId35"/>
+    <p:sldId id="283" r:id="rId36"/>
+    <p:sldId id="308" r:id="rId37"/>
+    <p:sldId id="281" r:id="rId38"/>
+    <p:sldId id="316" r:id="rId39"/>
+    <p:sldId id="314" r:id="rId40"/>
+    <p:sldId id="319" r:id="rId41"/>
+    <p:sldId id="320" r:id="rId42"/>
+    <p:sldId id="286" r:id="rId43"/>
+    <p:sldId id="282" r:id="rId44"/>
+    <p:sldId id="310" r:id="rId45"/>
+    <p:sldId id="313" r:id="rId46"/>
+    <p:sldId id="311" r:id="rId47"/>
+    <p:sldId id="317" r:id="rId48"/>
+    <p:sldId id="284" r:id="rId49"/>
+    <p:sldId id="318" r:id="rId50"/>
+    <p:sldId id="293" r:id="rId51"/>
+    <p:sldId id="294" r:id="rId52"/>
+    <p:sldId id="326" r:id="rId53"/>
+    <p:sldId id="322" r:id="rId54"/>
+    <p:sldId id="295" r:id="rId55"/>
+    <p:sldId id="329" r:id="rId56"/>
+    <p:sldId id="289" r:id="rId57"/>
+    <p:sldId id="258" r:id="rId58"/>
   </p:sldIdLst>
   <p:sldSz cx="12192000" cy="6858000"/>
   <p:notesSz cx="6858000" cy="9144000"/>
@@ -255,7 +256,7 @@
           <a:p>
             <a:fld id="{07DC3572-6C0C-4AEA-8685-A3EA8C3B3CA0}" type="datetimeFigureOut">
               <a:rPr lang="en-US" smtClean="0"/>
-              <a:t>4/27/2015</a:t>
+              <a:t>4/28/2015</a:t>
             </a:fld>
             <a:endParaRPr lang="en-US"/>
           </a:p>
@@ -684,7 +685,7 @@
           <a:p>
             <a:fld id="{AE28AEAF-8AED-4B17-803F-0A6D30FEC6E7}" type="slidenum">
               <a:rPr lang="en-US" smtClean="0"/>
-              <a:t>12</a:t>
+              <a:t>13</a:t>
             </a:fld>
             <a:endParaRPr lang="en-US"/>
           </a:p>
@@ -782,7 +783,7 @@
           <a:p>
             <a:fld id="{AE28AEAF-8AED-4B17-803F-0A6D30FEC6E7}" type="slidenum">
               <a:rPr lang="en-US" smtClean="0"/>
-              <a:t>13</a:t>
+              <a:t>14</a:t>
             </a:fld>
             <a:endParaRPr lang="en-US"/>
           </a:p>
@@ -887,7 +888,7 @@
           <a:p>
             <a:fld id="{AE28AEAF-8AED-4B17-803F-0A6D30FEC6E7}" type="slidenum">
               <a:rPr lang="en-US" smtClean="0"/>
-              <a:t>14</a:t>
+              <a:t>15</a:t>
             </a:fld>
             <a:endParaRPr lang="en-US"/>
           </a:p>
@@ -971,7 +972,7 @@
           <a:p>
             <a:fld id="{AE28AEAF-8AED-4B17-803F-0A6D30FEC6E7}" type="slidenum">
               <a:rPr lang="en-US" smtClean="0"/>
-              <a:t>15</a:t>
+              <a:t>16</a:t>
             </a:fld>
             <a:endParaRPr lang="en-US"/>
           </a:p>
@@ -1055,7 +1056,7 @@
           <a:p>
             <a:fld id="{AE28AEAF-8AED-4B17-803F-0A6D30FEC6E7}" type="slidenum">
               <a:rPr lang="en-US" smtClean="0"/>
-              <a:t>16</a:t>
+              <a:t>17</a:t>
             </a:fld>
             <a:endParaRPr lang="en-US"/>
           </a:p>
@@ -1139,7 +1140,7 @@
           <a:p>
             <a:fld id="{AE28AEAF-8AED-4B17-803F-0A6D30FEC6E7}" type="slidenum">
               <a:rPr lang="en-US" smtClean="0"/>
-              <a:t>17</a:t>
+              <a:t>18</a:t>
             </a:fld>
             <a:endParaRPr lang="en-US"/>
           </a:p>
@@ -1223,7 +1224,7 @@
           <a:p>
             <a:fld id="{AE28AEAF-8AED-4B17-803F-0A6D30FEC6E7}" type="slidenum">
               <a:rPr lang="en-US" smtClean="0"/>
-              <a:t>18</a:t>
+              <a:t>19</a:t>
             </a:fld>
             <a:endParaRPr lang="en-US"/>
           </a:p>
@@ -1307,7 +1308,7 @@
           <a:p>
             <a:fld id="{AE28AEAF-8AED-4B17-803F-0A6D30FEC6E7}" type="slidenum">
               <a:rPr lang="en-US" smtClean="0"/>
-              <a:t>19</a:t>
+              <a:t>20</a:t>
             </a:fld>
             <a:endParaRPr lang="en-US"/>
           </a:p>
@@ -1399,7 +1400,7 @@
           <a:p>
             <a:fld id="{AE28AEAF-8AED-4B17-803F-0A6D30FEC6E7}" type="slidenum">
               <a:rPr lang="en-US" smtClean="0"/>
-              <a:t>20</a:t>
+              <a:t>21</a:t>
             </a:fld>
             <a:endParaRPr lang="en-US"/>
           </a:p>
@@ -1483,7 +1484,7 @@
           <a:p>
             <a:fld id="{AE28AEAF-8AED-4B17-803F-0A6D30FEC6E7}" type="slidenum">
               <a:rPr lang="en-US" smtClean="0"/>
-              <a:t>21</a:t>
+              <a:t>22</a:t>
             </a:fld>
             <a:endParaRPr lang="en-US"/>
           </a:p>
@@ -1662,7 +1663,7 @@
           <a:p>
             <a:fld id="{AE28AEAF-8AED-4B17-803F-0A6D30FEC6E7}" type="slidenum">
               <a:rPr lang="en-US" smtClean="0"/>
-              <a:t>22</a:t>
+              <a:t>23</a:t>
             </a:fld>
             <a:endParaRPr lang="en-US"/>
           </a:p>
@@ -1872,7 +1873,7 @@
           <a:p>
             <a:fld id="{AE28AEAF-8AED-4B17-803F-0A6D30FEC6E7}" type="slidenum">
               <a:rPr lang="en-US" smtClean="0"/>
-              <a:t>23</a:t>
+              <a:t>24</a:t>
             </a:fld>
             <a:endParaRPr lang="en-US"/>
           </a:p>
@@ -1956,7 +1957,7 @@
           <a:p>
             <a:fld id="{AE28AEAF-8AED-4B17-803F-0A6D30FEC6E7}" type="slidenum">
               <a:rPr lang="en-US" smtClean="0"/>
-              <a:t>24</a:t>
+              <a:t>25</a:t>
             </a:fld>
             <a:endParaRPr lang="en-US"/>
           </a:p>
@@ -2060,7 +2061,7 @@
           <a:p>
             <a:fld id="{AE28AEAF-8AED-4B17-803F-0A6D30FEC6E7}" type="slidenum">
               <a:rPr lang="en-US" smtClean="0"/>
-              <a:t>25</a:t>
+              <a:t>26</a:t>
             </a:fld>
             <a:endParaRPr lang="en-US"/>
           </a:p>
@@ -2144,7 +2145,7 @@
           <a:p>
             <a:fld id="{AE28AEAF-8AED-4B17-803F-0A6D30FEC6E7}" type="slidenum">
               <a:rPr lang="en-US" smtClean="0"/>
-              <a:t>26</a:t>
+              <a:t>27</a:t>
             </a:fld>
             <a:endParaRPr lang="en-US"/>
           </a:p>
@@ -2228,7 +2229,7 @@
           <a:p>
             <a:fld id="{AE28AEAF-8AED-4B17-803F-0A6D30FEC6E7}" type="slidenum">
               <a:rPr lang="en-US" smtClean="0"/>
-              <a:t>27</a:t>
+              <a:t>28</a:t>
             </a:fld>
             <a:endParaRPr lang="en-US"/>
           </a:p>
@@ -2537,7 +2538,7 @@
           <a:p>
             <a:fld id="{AE28AEAF-8AED-4B17-803F-0A6D30FEC6E7}" type="slidenum">
               <a:rPr lang="en-US" smtClean="0"/>
-              <a:t>28</a:t>
+              <a:t>29</a:t>
             </a:fld>
             <a:endParaRPr lang="en-US"/>
           </a:p>
@@ -2727,7 +2728,7 @@
           <a:p>
             <a:fld id="{AE28AEAF-8AED-4B17-803F-0A6D30FEC6E7}" type="slidenum">
               <a:rPr lang="en-US" smtClean="0"/>
-              <a:t>29</a:t>
+              <a:t>30</a:t>
             </a:fld>
             <a:endParaRPr lang="en-US"/>
           </a:p>
@@ -2811,7 +2812,7 @@
           <a:p>
             <a:fld id="{AE28AEAF-8AED-4B17-803F-0A6D30FEC6E7}" type="slidenum">
               <a:rPr lang="en-US" smtClean="0"/>
-              <a:t>30</a:t>
+              <a:t>31</a:t>
             </a:fld>
             <a:endParaRPr lang="en-US"/>
           </a:p>
@@ -2895,7 +2896,7 @@
           <a:p>
             <a:fld id="{AE28AEAF-8AED-4B17-803F-0A6D30FEC6E7}" type="slidenum">
               <a:rPr lang="en-US" smtClean="0"/>
-              <a:t>31</a:t>
+              <a:t>32</a:t>
             </a:fld>
             <a:endParaRPr lang="en-US"/>
           </a:p>
@@ -2993,7 +2994,7 @@
           <a:p>
             <a:fld id="{AE28AEAF-8AED-4B17-803F-0A6D30FEC6E7}" type="slidenum">
               <a:rPr lang="en-US" smtClean="0"/>
-              <a:t>5</a:t>
+              <a:t>6</a:t>
             </a:fld>
             <a:endParaRPr lang="en-US"/>
           </a:p>
@@ -3077,7 +3078,7 @@
           <a:p>
             <a:fld id="{AE28AEAF-8AED-4B17-803F-0A6D30FEC6E7}" type="slidenum">
               <a:rPr lang="en-US" smtClean="0"/>
-              <a:t>32</a:t>
+              <a:t>33</a:t>
             </a:fld>
             <a:endParaRPr lang="en-US"/>
           </a:p>
@@ -3161,7 +3162,7 @@
           <a:p>
             <a:fld id="{AE28AEAF-8AED-4B17-803F-0A6D30FEC6E7}" type="slidenum">
               <a:rPr lang="en-US" smtClean="0"/>
-              <a:t>34</a:t>
+              <a:t>35</a:t>
             </a:fld>
             <a:endParaRPr lang="en-US"/>
           </a:p>
@@ -3282,7 +3283,7 @@
           <a:p>
             <a:fld id="{AE28AEAF-8AED-4B17-803F-0A6D30FEC6E7}" type="slidenum">
               <a:rPr lang="en-US" smtClean="0"/>
-              <a:t>35</a:t>
+              <a:t>36</a:t>
             </a:fld>
             <a:endParaRPr lang="en-US"/>
           </a:p>
@@ -3366,7 +3367,7 @@
           <a:p>
             <a:fld id="{AE28AEAF-8AED-4B17-803F-0A6D30FEC6E7}" type="slidenum">
               <a:rPr lang="en-US" smtClean="0"/>
-              <a:t>36</a:t>
+              <a:t>37</a:t>
             </a:fld>
             <a:endParaRPr lang="en-US"/>
           </a:p>
@@ -3450,7 +3451,7 @@
           <a:p>
             <a:fld id="{AE28AEAF-8AED-4B17-803F-0A6D30FEC6E7}" type="slidenum">
               <a:rPr lang="en-US" smtClean="0"/>
-              <a:t>37</a:t>
+              <a:t>38</a:t>
             </a:fld>
             <a:endParaRPr lang="en-US"/>
           </a:p>
@@ -3534,7 +3535,7 @@
           <a:p>
             <a:fld id="{AE28AEAF-8AED-4B17-803F-0A6D30FEC6E7}" type="slidenum">
               <a:rPr lang="en-US" smtClean="0"/>
-              <a:t>38</a:t>
+              <a:t>39</a:t>
             </a:fld>
             <a:endParaRPr lang="en-US"/>
           </a:p>
@@ -3618,7 +3619,7 @@
           <a:p>
             <a:fld id="{AE28AEAF-8AED-4B17-803F-0A6D30FEC6E7}" type="slidenum">
               <a:rPr lang="en-US" smtClean="0"/>
-              <a:t>39</a:t>
+              <a:t>40</a:t>
             </a:fld>
             <a:endParaRPr lang="en-US"/>
           </a:p>
@@ -3702,7 +3703,7 @@
           <a:p>
             <a:fld id="{AE28AEAF-8AED-4B17-803F-0A6D30FEC6E7}" type="slidenum">
               <a:rPr lang="en-US" smtClean="0"/>
-              <a:t>40</a:t>
+              <a:t>41</a:t>
             </a:fld>
             <a:endParaRPr lang="en-US"/>
           </a:p>
@@ -3869,7 +3870,7 @@
           <a:p>
             <a:fld id="{AE28AEAF-8AED-4B17-803F-0A6D30FEC6E7}" type="slidenum">
               <a:rPr lang="en-US" smtClean="0"/>
-              <a:t>41</a:t>
+              <a:t>42</a:t>
             </a:fld>
             <a:endParaRPr lang="en-US"/>
           </a:p>
@@ -4607,7 +4608,7 @@
           <a:p>
             <a:fld id="{AE28AEAF-8AED-4B17-803F-0A6D30FEC6E7}" type="slidenum">
               <a:rPr lang="en-US" smtClean="0"/>
-              <a:t>42</a:t>
+              <a:t>43</a:t>
             </a:fld>
             <a:endParaRPr lang="en-US"/>
           </a:p>
@@ -4691,7 +4692,7 @@
           <a:p>
             <a:fld id="{AE28AEAF-8AED-4B17-803F-0A6D30FEC6E7}" type="slidenum">
               <a:rPr lang="en-US" smtClean="0"/>
-              <a:t>6</a:t>
+              <a:t>7</a:t>
             </a:fld>
             <a:endParaRPr lang="en-US"/>
           </a:p>
@@ -4775,7 +4776,7 @@
           <a:p>
             <a:fld id="{AE28AEAF-8AED-4B17-803F-0A6D30FEC6E7}" type="slidenum">
               <a:rPr lang="en-US" smtClean="0"/>
-              <a:t>43</a:t>
+              <a:t>44</a:t>
             </a:fld>
             <a:endParaRPr lang="en-US"/>
           </a:p>
@@ -4859,7 +4860,7 @@
           <a:p>
             <a:fld id="{AE28AEAF-8AED-4B17-803F-0A6D30FEC6E7}" type="slidenum">
               <a:rPr lang="en-US" smtClean="0"/>
-              <a:t>44</a:t>
+              <a:t>45</a:t>
             </a:fld>
             <a:endParaRPr lang="en-US"/>
           </a:p>
@@ -4943,7 +4944,7 @@
           <a:p>
             <a:fld id="{AE28AEAF-8AED-4B17-803F-0A6D30FEC6E7}" type="slidenum">
               <a:rPr lang="en-US" smtClean="0"/>
-              <a:t>45</a:t>
+              <a:t>46</a:t>
             </a:fld>
             <a:endParaRPr lang="en-US"/>
           </a:p>
@@ -5027,7 +5028,7 @@
           <a:p>
             <a:fld id="{AE28AEAF-8AED-4B17-803F-0A6D30FEC6E7}" type="slidenum">
               <a:rPr lang="en-US" smtClean="0"/>
-              <a:t>56</a:t>
+              <a:t>57</a:t>
             </a:fld>
             <a:endParaRPr lang="en-US"/>
           </a:p>
@@ -5111,7 +5112,7 @@
           <a:p>
             <a:fld id="{AE28AEAF-8AED-4B17-803F-0A6D30FEC6E7}" type="slidenum">
               <a:rPr lang="en-US" smtClean="0"/>
-              <a:t>7</a:t>
+              <a:t>8</a:t>
             </a:fld>
             <a:endParaRPr lang="en-US"/>
           </a:p>
@@ -5211,7 +5212,7 @@
           <a:p>
             <a:fld id="{AE28AEAF-8AED-4B17-803F-0A6D30FEC6E7}" type="slidenum">
               <a:rPr lang="en-US" smtClean="0"/>
-              <a:t>8</a:t>
+              <a:t>9</a:t>
             </a:fld>
             <a:endParaRPr lang="en-US"/>
           </a:p>
@@ -5339,7 +5340,7 @@
           <a:p>
             <a:fld id="{AE28AEAF-8AED-4B17-803F-0A6D30FEC6E7}" type="slidenum">
               <a:rPr lang="en-US" smtClean="0"/>
-              <a:t>9</a:t>
+              <a:t>10</a:t>
             </a:fld>
             <a:endParaRPr lang="en-US"/>
           </a:p>
@@ -5423,7 +5424,7 @@
           <a:p>
             <a:fld id="{AE28AEAF-8AED-4B17-803F-0A6D30FEC6E7}" type="slidenum">
               <a:rPr lang="en-US" smtClean="0"/>
-              <a:t>10</a:t>
+              <a:t>11</a:t>
             </a:fld>
             <a:endParaRPr lang="en-US"/>
           </a:p>
@@ -5507,7 +5508,7 @@
           <a:p>
             <a:fld id="{AE28AEAF-8AED-4B17-803F-0A6D30FEC6E7}" type="slidenum">
               <a:rPr lang="en-US" smtClean="0"/>
-              <a:t>11</a:t>
+              <a:t>12</a:t>
             </a:fld>
             <a:endParaRPr lang="en-US"/>
           </a:p>
@@ -5754,7 +5755,7 @@
           <a:p>
             <a:fld id="{C2582036-1589-42CA-A0FA-9FDA28D72B3E}" type="datetimeFigureOut">
               <a:rPr lang="en-US" smtClean="0"/>
-              <a:t>4/27/2015</a:t>
+              <a:t>4/28/2015</a:t>
             </a:fld>
             <a:endParaRPr lang="en-US"/>
           </a:p>
@@ -5962,7 +5963,7 @@
           <a:p>
             <a:fld id="{C2582036-1589-42CA-A0FA-9FDA28D72B3E}" type="datetimeFigureOut">
               <a:rPr lang="en-US" smtClean="0"/>
-              <a:t>4/27/2015</a:t>
+              <a:t>4/28/2015</a:t>
             </a:fld>
             <a:endParaRPr lang="en-US"/>
           </a:p>
@@ -6220,7 +6221,7 @@
           <a:p>
             <a:fld id="{C2582036-1589-42CA-A0FA-9FDA28D72B3E}" type="datetimeFigureOut">
               <a:rPr lang="en-US" smtClean="0"/>
-              <a:t>4/27/2015</a:t>
+              <a:t>4/28/2015</a:t>
             </a:fld>
             <a:endParaRPr lang="en-US"/>
           </a:p>
@@ -6390,7 +6391,7 @@
           <a:p>
             <a:fld id="{C2582036-1589-42CA-A0FA-9FDA28D72B3E}" type="datetimeFigureOut">
               <a:rPr lang="en-US" smtClean="0"/>
-              <a:t>4/27/2015</a:t>
+              <a:t>4/28/2015</a:t>
             </a:fld>
             <a:endParaRPr lang="en-US"/>
           </a:p>
@@ -6727,7 +6728,7 @@
           <a:p>
             <a:fld id="{C2582036-1589-42CA-A0FA-9FDA28D72B3E}" type="datetimeFigureOut">
               <a:rPr lang="en-US" smtClean="0"/>
-              <a:t>4/27/2015</a:t>
+              <a:t>4/28/2015</a:t>
             </a:fld>
             <a:endParaRPr lang="en-US"/>
           </a:p>
@@ -7002,7 +7003,7 @@
           <a:p>
             <a:fld id="{C2582036-1589-42CA-A0FA-9FDA28D72B3E}" type="datetimeFigureOut">
               <a:rPr lang="en-US" smtClean="0"/>
-              <a:t>4/27/2015</a:t>
+              <a:t>4/28/2015</a:t>
             </a:fld>
             <a:endParaRPr lang="en-US"/>
           </a:p>
@@ -7385,7 +7386,7 @@
           <a:p>
             <a:fld id="{C2582036-1589-42CA-A0FA-9FDA28D72B3E}" type="datetimeFigureOut">
               <a:rPr lang="en-US" smtClean="0"/>
-              <a:t>4/27/2015</a:t>
+              <a:t>4/28/2015</a:t>
             </a:fld>
             <a:endParaRPr lang="en-US"/>
           </a:p>
@@ -7503,7 +7504,7 @@
           <a:p>
             <a:fld id="{C2582036-1589-42CA-A0FA-9FDA28D72B3E}" type="datetimeFigureOut">
               <a:rPr lang="en-US" smtClean="0"/>
-              <a:t>4/27/2015</a:t>
+              <a:t>4/28/2015</a:t>
             </a:fld>
             <a:endParaRPr lang="en-US"/>
           </a:p>
@@ -7676,7 +7677,7 @@
           <a:p>
             <a:fld id="{C2582036-1589-42CA-A0FA-9FDA28D72B3E}" type="datetimeFigureOut">
               <a:rPr lang="en-US" smtClean="0"/>
-              <a:t>4/27/2015</a:t>
+              <a:t>4/28/2015</a:t>
             </a:fld>
             <a:endParaRPr lang="en-US"/>
           </a:p>
@@ -8032,7 +8033,7 @@
           <a:p>
             <a:fld id="{C2582036-1589-42CA-A0FA-9FDA28D72B3E}" type="datetimeFigureOut">
               <a:rPr lang="en-US" smtClean="0"/>
-              <a:t>4/27/2015</a:t>
+              <a:t>4/28/2015</a:t>
             </a:fld>
             <a:endParaRPr lang="en-US"/>
           </a:p>
@@ -8380,7 +8381,7 @@
           <a:p>
             <a:fld id="{C2582036-1589-42CA-A0FA-9FDA28D72B3E}" type="datetimeFigureOut">
               <a:rPr lang="en-US" smtClean="0"/>
-              <a:t>4/27/2015</a:t>
+              <a:t>4/28/2015</a:t>
             </a:fld>
             <a:endParaRPr lang="en-US"/>
           </a:p>
@@ -8691,7 +8692,7 @@
           <a:p>
             <a:fld id="{C2582036-1589-42CA-A0FA-9FDA28D72B3E}" type="datetimeFigureOut">
               <a:rPr lang="en-US" smtClean="0"/>
-              <a:t>4/27/2015</a:t>
+              <a:t>4/28/2015</a:t>
             </a:fld>
             <a:endParaRPr lang="en-US"/>
           </a:p>
@@ -9302,122 +9303,60 @@
       </p:grpSpPr>
       <p:sp>
         <p:nvSpPr>
-          <p:cNvPr id="3" name="Content Placeholder 2"/>
-          <p:cNvSpPr>
-            <a:spLocks noGrp="1"/>
-          </p:cNvSpPr>
+          <p:cNvPr id="2" name="Title 1"/>
+          <p:cNvSpPr>
+            <a:spLocks noGrp="1"/>
+          </p:cNvSpPr>
+          <p:nvPr>
+            <p:ph type="title"/>
+          </p:nvPr>
+        </p:nvSpPr>
+        <p:spPr/>
+        <p:txBody>
+          <a:bodyPr/>
+          <a:lstStyle/>
+          <a:p>
+            <a:r>
+              <a:rPr lang="en-US" dirty="0" smtClean="0"/>
+              <a:t>Gang of Four</a:t>
+            </a:r>
+            <a:endParaRPr lang="en-US" dirty="0"/>
+          </a:p>
+        </p:txBody>
+      </p:sp>
+      <p:pic>
+        <p:nvPicPr>
+          <p:cNvPr id="4" name="Content Placeholder 3"/>
+          <p:cNvPicPr>
+            <a:picLocks noGrp="1" noChangeAspect="1"/>
+          </p:cNvPicPr>
           <p:nvPr>
             <p:ph idx="1"/>
           </p:nvPr>
-        </p:nvSpPr>
+        </p:nvPicPr>
+        <p:blipFill>
+          <a:blip r:embed="rId3" cstate="print">
+            <a:extLst>
+              <a:ext uri="{28A0092B-C50C-407E-A947-70E740481C1C}">
+                <a14:useLocalDpi xmlns:a14="http://schemas.microsoft.com/office/drawing/2010/main" val="0"/>
+              </a:ext>
+            </a:extLst>
+          </a:blip>
+          <a:stretch>
+            <a:fillRect/>
+          </a:stretch>
+        </p:blipFill>
         <p:spPr>
           <a:xfrm>
-            <a:off x="1097280" y="1863969"/>
-            <a:ext cx="10058400" cy="4005125"/>
+            <a:off x="6482861" y="389103"/>
+            <a:ext cx="4384431" cy="5459856"/>
           </a:xfrm>
         </p:spPr>
-        <p:txBody>
-          <a:bodyPr>
-            <a:normAutofit/>
-          </a:bodyPr>
-          <a:lstStyle/>
-          <a:p>
-            <a:r>
-              <a:rPr lang="en-US" sz="2800" dirty="0" smtClean="0"/>
-              <a:t>“Each pattern describes a problem which occurs over and over again in our environment, and then describes the core of the solution to that problem, in such a way that you can use this solution a million times over, without ever doing it the same way twice.”   </a:t>
-            </a:r>
-            <a:r>
-              <a:rPr lang="en-US" sz="2600" i="1" dirty="0" smtClean="0"/>
-              <a:t>                                     </a:t>
-            </a:r>
-          </a:p>
-          <a:p>
-            <a:pPr marL="201168" lvl="1" indent="0">
-              <a:buNone/>
-            </a:pPr>
-            <a:r>
-              <a:rPr lang="en-US" sz="2600" i="1" dirty="0" smtClean="0"/>
-              <a:t>     A Pattern Language</a:t>
-            </a:r>
-            <a:r>
-              <a:rPr lang="en-US" sz="2600" dirty="0" smtClean="0"/>
-              <a:t>, Christopher Alexander, et. </a:t>
-            </a:r>
-            <a:r>
-              <a:rPr lang="en-US" sz="2600" dirty="0"/>
-              <a:t>a</a:t>
-            </a:r>
-            <a:r>
-              <a:rPr lang="en-US" sz="2600" dirty="0" smtClean="0"/>
-              <a:t>l., quoted in GOF, p. </a:t>
-            </a:r>
-            <a:r>
-              <a:rPr lang="en-US" sz="2600" dirty="0"/>
-              <a:t>2</a:t>
-            </a:r>
-            <a:endParaRPr lang="en-US" sz="2600" dirty="0" smtClean="0"/>
-          </a:p>
-          <a:p>
-            <a:pPr marL="201168" lvl="1" indent="0">
-              <a:buNone/>
-            </a:pPr>
-            <a:r>
-              <a:rPr lang="en-US" sz="2800" dirty="0" smtClean="0"/>
-              <a:t/>
-            </a:r>
-            <a:br>
-              <a:rPr lang="en-US" sz="2800" dirty="0" smtClean="0"/>
-            </a:br>
-            <a:r>
-              <a:rPr lang="en-US" sz="2800" dirty="0" smtClean="0"/>
-              <a:t>“…descriptions of communicating objects and classes that are customized to solve a general design problem in a particular context.”    </a:t>
-            </a:r>
-            <a:r>
-              <a:rPr lang="en-US" sz="2600" dirty="0" smtClean="0"/>
-              <a:t>GOF, p. 3</a:t>
-            </a:r>
-            <a:endParaRPr lang="en-US" sz="2600" dirty="0"/>
-          </a:p>
-          <a:p>
-            <a:pPr marL="201168" lvl="1" indent="0">
-              <a:buNone/>
-            </a:pPr>
-            <a:endParaRPr lang="en-US" sz="2600" dirty="0"/>
-          </a:p>
-        </p:txBody>
-      </p:sp>
-      <p:sp>
-        <p:nvSpPr>
-          <p:cNvPr id="6" name="Title 1"/>
-          <p:cNvSpPr>
-            <a:spLocks noGrp="1"/>
-          </p:cNvSpPr>
-          <p:nvPr>
-            <p:ph type="title"/>
-          </p:nvPr>
-        </p:nvSpPr>
-        <p:spPr>
-          <a:xfrm>
-            <a:off x="1097280" y="286603"/>
-            <a:ext cx="10058400" cy="1450757"/>
-          </a:xfrm>
-        </p:spPr>
-        <p:txBody>
-          <a:bodyPr/>
-          <a:lstStyle/>
-          <a:p>
-            <a:r>
-              <a:rPr lang="en-US" dirty="0" smtClean="0"/>
-              <a:t>What is a Design Pattern?</a:t>
-            </a:r>
-            <a:endParaRPr lang="en-US" dirty="0"/>
-          </a:p>
-        </p:txBody>
-      </p:sp>
+      </p:pic>
     </p:spTree>
     <p:extLst>
       <p:ext uri="{BB962C8B-B14F-4D97-AF65-F5344CB8AC3E}">
-        <p14:creationId xmlns:p14="http://schemas.microsoft.com/office/powerpoint/2010/main" val="3068812664"/>
+        <p14:creationId xmlns:p14="http://schemas.microsoft.com/office/powerpoint/2010/main" val="3273657973"/>
       </p:ext>
     </p:extLst>
   </p:cSld>
@@ -9453,7 +9392,93 @@
       </p:grpSpPr>
       <p:sp>
         <p:nvSpPr>
-          <p:cNvPr id="2" name="Title 1"/>
+          <p:cNvPr id="3" name="Content Placeholder 2"/>
+          <p:cNvSpPr>
+            <a:spLocks noGrp="1"/>
+          </p:cNvSpPr>
+          <p:nvPr>
+            <p:ph idx="1"/>
+          </p:nvPr>
+        </p:nvSpPr>
+        <p:spPr>
+          <a:xfrm>
+            <a:off x="1097280" y="1863969"/>
+            <a:ext cx="10058400" cy="4005125"/>
+          </a:xfrm>
+        </p:spPr>
+        <p:txBody>
+          <a:bodyPr>
+            <a:normAutofit/>
+          </a:bodyPr>
+          <a:lstStyle/>
+          <a:p>
+            <a:r>
+              <a:rPr lang="en-US" sz="2800" dirty="0" smtClean="0"/>
+              <a:t>“Each pattern describes a problem which occurs over and over again in our environment, and then describes the core of the solution to that problem, in such a way that you can use this solution a million times over, without ever doing it the same way twice.”   </a:t>
+            </a:r>
+            <a:r>
+              <a:rPr lang="en-US" sz="2600" i="1" dirty="0" smtClean="0"/>
+              <a:t>                                     </a:t>
+            </a:r>
+          </a:p>
+          <a:p>
+            <a:pPr marL="201168" lvl="1" indent="0">
+              <a:buNone/>
+            </a:pPr>
+            <a:r>
+              <a:rPr lang="en-US" sz="2600" i="1" dirty="0" smtClean="0"/>
+              <a:t>     A Pattern Language</a:t>
+            </a:r>
+            <a:r>
+              <a:rPr lang="en-US" sz="2600" dirty="0" smtClean="0"/>
+              <a:t>, Christopher Alexander, et. </a:t>
+            </a:r>
+            <a:r>
+              <a:rPr lang="en-US" sz="2600" dirty="0"/>
+              <a:t>a</a:t>
+            </a:r>
+            <a:r>
+              <a:rPr lang="en-US" sz="2600" dirty="0" smtClean="0"/>
+              <a:t>l., quoted in GOF, p. </a:t>
+            </a:r>
+            <a:r>
+              <a:rPr lang="en-US" sz="2600" dirty="0"/>
+              <a:t>2</a:t>
+            </a:r>
+            <a:endParaRPr lang="en-US" sz="2600" dirty="0" smtClean="0"/>
+          </a:p>
+          <a:p>
+            <a:pPr marL="201168" lvl="1" indent="0">
+              <a:buNone/>
+            </a:pPr>
+            <a:r>
+              <a:rPr lang="en-US" sz="2800" dirty="0" smtClean="0"/>
+              <a:t/>
+            </a:r>
+            <a:br>
+              <a:rPr lang="en-US" sz="2800" dirty="0" smtClean="0"/>
+            </a:br>
+            <a:r>
+              <a:rPr lang="en-US" sz="2800" dirty="0" smtClean="0"/>
+              <a:t>“…descriptions of communicating objects and classes that are customized to solve a general design problem in a particular context.”    </a:t>
+            </a:r>
+            <a:r>
+              <a:rPr lang="en-US" sz="2600" dirty="0" smtClean="0"/>
+              <a:t>GOF, p. 3</a:t>
+            </a:r>
+            <a:endParaRPr lang="en-US" sz="2600" dirty="0"/>
+          </a:p>
+          <a:p>
+            <a:pPr marL="201168" lvl="1" indent="0">
+              <a:buNone/>
+            </a:pPr>
+            <a:endParaRPr lang="en-US" sz="2600" dirty="0"/>
+          </a:p>
+        </p:txBody>
+      </p:sp>
+      <p:sp>
+        <p:nvSpPr>
+          <p:cNvPr id="6" name="Title 1"/>
           <p:cNvSpPr>
             <a:spLocks noGrp="1"/>
           </p:cNvSpPr>
@@ -9461,67 +9486,28 @@
             <p:ph type="title"/>
           </p:nvPr>
         </p:nvSpPr>
-        <p:spPr/>
+        <p:spPr>
+          <a:xfrm>
+            <a:off x="1097280" y="286603"/>
+            <a:ext cx="10058400" cy="1450757"/>
+          </a:xfrm>
+        </p:spPr>
         <p:txBody>
           <a:bodyPr/>
           <a:lstStyle/>
           <a:p>
             <a:r>
               <a:rPr lang="en-US" dirty="0" smtClean="0"/>
-              <a:t>What a Design Pattern Isn’t</a:t>
+              <a:t>What is a Design Pattern?</a:t>
             </a:r>
             <a:endParaRPr lang="en-US" dirty="0"/>
-          </a:p>
-        </p:txBody>
-      </p:sp>
-      <p:sp>
-        <p:nvSpPr>
-          <p:cNvPr id="3" name="Content Placeholder 2"/>
-          <p:cNvSpPr>
-            <a:spLocks noGrp="1"/>
-          </p:cNvSpPr>
-          <p:nvPr>
-            <p:ph idx="1"/>
-          </p:nvPr>
-        </p:nvSpPr>
-        <p:spPr/>
-        <p:txBody>
-          <a:bodyPr/>
-          <a:lstStyle/>
-          <a:p>
-            <a:endParaRPr lang="en-US" dirty="0" smtClean="0"/>
-          </a:p>
-          <a:p>
-            <a:r>
-              <a:rPr lang="en-US" sz="3200" dirty="0" smtClean="0"/>
-              <a:t>A cookbook recipe</a:t>
-            </a:r>
-          </a:p>
-          <a:p>
-            <a:r>
-              <a:rPr lang="en-US" sz="3200" dirty="0" smtClean="0"/>
-              <a:t>A one-size fits all solution</a:t>
-            </a:r>
-          </a:p>
-          <a:p>
-            <a:r>
-              <a:rPr lang="en-US" sz="3200" dirty="0" smtClean="0"/>
-              <a:t>A callable library</a:t>
-            </a:r>
-          </a:p>
-          <a:p>
-            <a:r>
-              <a:rPr lang="en-US" sz="3200" dirty="0" smtClean="0"/>
-              <a:t>An excuse to suspend critical thought</a:t>
-            </a:r>
-            <a:endParaRPr lang="en-US" sz="3200" dirty="0"/>
           </a:p>
         </p:txBody>
       </p:sp>
     </p:spTree>
     <p:extLst>
       <p:ext uri="{BB962C8B-B14F-4D97-AF65-F5344CB8AC3E}">
-        <p14:creationId xmlns:p14="http://schemas.microsoft.com/office/powerpoint/2010/main" val="1588879728"/>
+        <p14:creationId xmlns:p14="http://schemas.microsoft.com/office/powerpoint/2010/main" val="3068812664"/>
       </p:ext>
     </p:extLst>
   </p:cSld>
@@ -9565,483 +9551,67 @@
             <p:ph type="title"/>
           </p:nvPr>
         </p:nvSpPr>
-        <p:spPr>
-          <a:xfrm>
-            <a:off x="1097280" y="286603"/>
-            <a:ext cx="3298874" cy="1450757"/>
-          </a:xfrm>
-        </p:spPr>
-        <p:txBody>
-          <a:bodyPr>
-            <a:normAutofit/>
-          </a:bodyPr>
-          <a:lstStyle/>
-          <a:p>
-            <a:r>
-              <a:rPr lang="en-US" sz="9600" dirty="0" smtClean="0"/>
-              <a:t>WHY?</a:t>
-            </a:r>
-            <a:endParaRPr lang="en-US" sz="9600" dirty="0"/>
-          </a:p>
-        </p:txBody>
-      </p:sp>
-      <p:sp>
-        <p:nvSpPr>
-          <p:cNvPr id="4" name="Title 1"/>
-          <p:cNvSpPr txBox="1">
-            <a:spLocks/>
-          </p:cNvSpPr>
-          <p:nvPr/>
-        </p:nvSpPr>
-        <p:spPr>
-          <a:xfrm>
-            <a:off x="7580141" y="286603"/>
-            <a:ext cx="3298874" cy="1450757"/>
-          </a:xfrm>
-          <a:prstGeom prst="rect">
-            <a:avLst/>
-          </a:prstGeom>
-        </p:spPr>
-        <p:txBody>
-          <a:bodyPr vert="horz" lIns="91440" tIns="45720" rIns="91440" bIns="45720" rtlCol="0" anchor="b">
-            <a:normAutofit/>
-          </a:bodyPr>
-          <a:lstStyle>
-            <a:lvl1pPr algn="l" defTabSz="914400" rtl="0" eaLnBrk="1" latinLnBrk="0" hangingPunct="1">
-              <a:lnSpc>
-                <a:spcPct val="85000"/>
-              </a:lnSpc>
-              <a:spcBef>
-                <a:spcPct val="0"/>
-              </a:spcBef>
-              <a:buNone/>
-              <a:defRPr sz="4800" kern="1200" spc="-50" baseline="0">
-                <a:solidFill>
-                  <a:schemeClr val="tx1">
-                    <a:lumMod val="75000"/>
-                    <a:lumOff val="25000"/>
-                  </a:schemeClr>
-                </a:solidFill>
-                <a:latin typeface="+mj-lt"/>
-                <a:ea typeface="+mj-ea"/>
-                <a:cs typeface="+mj-cs"/>
-              </a:defRPr>
-            </a:lvl1pPr>
-          </a:lstStyle>
-          <a:p>
-            <a:r>
-              <a:rPr lang="en-US" sz="9600" smtClean="0"/>
-              <a:t>WHY?</a:t>
-            </a:r>
-            <a:endParaRPr lang="en-US" sz="9600" dirty="0"/>
-          </a:p>
-        </p:txBody>
-      </p:sp>
-      <p:sp>
-        <p:nvSpPr>
-          <p:cNvPr id="5" name="Title 1"/>
-          <p:cNvSpPr txBox="1">
-            <a:spLocks/>
-          </p:cNvSpPr>
-          <p:nvPr/>
-        </p:nvSpPr>
-        <p:spPr>
-          <a:xfrm>
-            <a:off x="4281267" y="2537433"/>
-            <a:ext cx="3298874" cy="1450757"/>
-          </a:xfrm>
-          <a:prstGeom prst="rect">
-            <a:avLst/>
-          </a:prstGeom>
-        </p:spPr>
-        <p:txBody>
-          <a:bodyPr vert="horz" lIns="91440" tIns="45720" rIns="91440" bIns="45720" rtlCol="0" anchor="b">
-            <a:normAutofit/>
-          </a:bodyPr>
-          <a:lstStyle>
-            <a:lvl1pPr algn="l" defTabSz="914400" rtl="0" eaLnBrk="1" latinLnBrk="0" hangingPunct="1">
-              <a:lnSpc>
-                <a:spcPct val="85000"/>
-              </a:lnSpc>
-              <a:spcBef>
-                <a:spcPct val="0"/>
-              </a:spcBef>
-              <a:buNone/>
-              <a:defRPr sz="4800" kern="1200" spc="-50" baseline="0">
-                <a:solidFill>
-                  <a:schemeClr val="tx1">
-                    <a:lumMod val="75000"/>
-                    <a:lumOff val="25000"/>
-                  </a:schemeClr>
-                </a:solidFill>
-                <a:latin typeface="+mj-lt"/>
-                <a:ea typeface="+mj-ea"/>
-                <a:cs typeface="+mj-cs"/>
-              </a:defRPr>
-            </a:lvl1pPr>
-          </a:lstStyle>
-          <a:p>
-            <a:r>
-              <a:rPr lang="en-US" sz="9600" dirty="0" smtClean="0"/>
-              <a:t>WHY?</a:t>
-            </a:r>
-            <a:endParaRPr lang="en-US" sz="9600" dirty="0"/>
-          </a:p>
-        </p:txBody>
-      </p:sp>
-      <p:sp>
-        <p:nvSpPr>
-          <p:cNvPr id="6" name="Title 1"/>
-          <p:cNvSpPr txBox="1">
-            <a:spLocks/>
-          </p:cNvSpPr>
-          <p:nvPr/>
-        </p:nvSpPr>
-        <p:spPr>
-          <a:xfrm>
-            <a:off x="1097280" y="4526711"/>
-            <a:ext cx="3298874" cy="1450757"/>
-          </a:xfrm>
-          <a:prstGeom prst="rect">
-            <a:avLst/>
-          </a:prstGeom>
-        </p:spPr>
-        <p:txBody>
-          <a:bodyPr vert="horz" lIns="91440" tIns="45720" rIns="91440" bIns="45720" rtlCol="0" anchor="b">
-            <a:normAutofit/>
-          </a:bodyPr>
-          <a:lstStyle>
-            <a:lvl1pPr algn="l" defTabSz="914400" rtl="0" eaLnBrk="1" latinLnBrk="0" hangingPunct="1">
-              <a:lnSpc>
-                <a:spcPct val="85000"/>
-              </a:lnSpc>
-              <a:spcBef>
-                <a:spcPct val="0"/>
-              </a:spcBef>
-              <a:buNone/>
-              <a:defRPr sz="4800" kern="1200" spc="-50" baseline="0">
-                <a:solidFill>
-                  <a:schemeClr val="tx1">
-                    <a:lumMod val="75000"/>
-                    <a:lumOff val="25000"/>
-                  </a:schemeClr>
-                </a:solidFill>
-                <a:latin typeface="+mj-lt"/>
-                <a:ea typeface="+mj-ea"/>
-                <a:cs typeface="+mj-cs"/>
-              </a:defRPr>
-            </a:lvl1pPr>
-          </a:lstStyle>
-          <a:p>
-            <a:r>
-              <a:rPr lang="en-US" sz="9600" smtClean="0"/>
-              <a:t>WHY?</a:t>
-            </a:r>
-            <a:endParaRPr lang="en-US" sz="9600" dirty="0"/>
-          </a:p>
-        </p:txBody>
-      </p:sp>
-      <p:sp>
-        <p:nvSpPr>
-          <p:cNvPr id="7" name="Title 1"/>
-          <p:cNvSpPr txBox="1">
-            <a:spLocks/>
-          </p:cNvSpPr>
-          <p:nvPr/>
-        </p:nvSpPr>
-        <p:spPr>
-          <a:xfrm>
-            <a:off x="8049065" y="4202110"/>
-            <a:ext cx="3298874" cy="1450757"/>
-          </a:xfrm>
-          <a:prstGeom prst="rect">
-            <a:avLst/>
-          </a:prstGeom>
-        </p:spPr>
-        <p:txBody>
-          <a:bodyPr vert="horz" lIns="91440" tIns="45720" rIns="91440" bIns="45720" rtlCol="0" anchor="b">
-            <a:normAutofit/>
-          </a:bodyPr>
-          <a:lstStyle>
-            <a:lvl1pPr algn="l" defTabSz="914400" rtl="0" eaLnBrk="1" latinLnBrk="0" hangingPunct="1">
-              <a:lnSpc>
-                <a:spcPct val="85000"/>
-              </a:lnSpc>
-              <a:spcBef>
-                <a:spcPct val="0"/>
-              </a:spcBef>
-              <a:buNone/>
-              <a:defRPr sz="4800" kern="1200" spc="-50" baseline="0">
-                <a:solidFill>
-                  <a:schemeClr val="tx1">
-                    <a:lumMod val="75000"/>
-                    <a:lumOff val="25000"/>
-                  </a:schemeClr>
-                </a:solidFill>
-                <a:latin typeface="+mj-lt"/>
-                <a:ea typeface="+mj-ea"/>
-                <a:cs typeface="+mj-cs"/>
-              </a:defRPr>
-            </a:lvl1pPr>
-          </a:lstStyle>
-          <a:p>
-            <a:r>
-              <a:rPr lang="en-US" sz="9600" smtClean="0"/>
-              <a:t>WHY?</a:t>
-            </a:r>
-            <a:endParaRPr lang="en-US" sz="9600" dirty="0"/>
-          </a:p>
-        </p:txBody>
-      </p:sp>
-      <p:sp>
-        <p:nvSpPr>
-          <p:cNvPr id="8" name="Title 1"/>
-          <p:cNvSpPr txBox="1">
-            <a:spLocks/>
-          </p:cNvSpPr>
-          <p:nvPr/>
-        </p:nvSpPr>
-        <p:spPr>
-          <a:xfrm>
-            <a:off x="8553157" y="2298544"/>
-            <a:ext cx="3298874" cy="1450757"/>
-          </a:xfrm>
-          <a:prstGeom prst="rect">
-            <a:avLst/>
-          </a:prstGeom>
-        </p:spPr>
-        <p:txBody>
-          <a:bodyPr vert="horz" lIns="91440" tIns="45720" rIns="91440" bIns="45720" rtlCol="0" anchor="b">
-            <a:normAutofit/>
-          </a:bodyPr>
-          <a:lstStyle>
-            <a:lvl1pPr algn="l" defTabSz="914400" rtl="0" eaLnBrk="1" latinLnBrk="0" hangingPunct="1">
-              <a:lnSpc>
-                <a:spcPct val="85000"/>
-              </a:lnSpc>
-              <a:spcBef>
-                <a:spcPct val="0"/>
-              </a:spcBef>
-              <a:buNone/>
-              <a:defRPr sz="4800" kern="1200" spc="-50" baseline="0">
-                <a:solidFill>
-                  <a:schemeClr val="tx1">
-                    <a:lumMod val="75000"/>
-                    <a:lumOff val="25000"/>
-                  </a:schemeClr>
-                </a:solidFill>
-                <a:latin typeface="+mj-lt"/>
-                <a:ea typeface="+mj-ea"/>
-                <a:cs typeface="+mj-cs"/>
-              </a:defRPr>
-            </a:lvl1pPr>
-          </a:lstStyle>
-          <a:p>
-            <a:r>
-              <a:rPr lang="en-US" sz="9600" smtClean="0"/>
-              <a:t>WHY?</a:t>
-            </a:r>
-            <a:endParaRPr lang="en-US" sz="9600" dirty="0"/>
-          </a:p>
-        </p:txBody>
-      </p:sp>
-      <p:sp>
-        <p:nvSpPr>
-          <p:cNvPr id="9" name="Title 1"/>
-          <p:cNvSpPr txBox="1">
-            <a:spLocks/>
-          </p:cNvSpPr>
-          <p:nvPr/>
-        </p:nvSpPr>
-        <p:spPr>
-          <a:xfrm>
-            <a:off x="381000" y="2325416"/>
-            <a:ext cx="3298874" cy="1450757"/>
-          </a:xfrm>
-          <a:prstGeom prst="rect">
-            <a:avLst/>
-          </a:prstGeom>
-        </p:spPr>
-        <p:txBody>
-          <a:bodyPr vert="horz" lIns="91440" tIns="45720" rIns="91440" bIns="45720" rtlCol="0" anchor="b">
-            <a:normAutofit/>
-          </a:bodyPr>
-          <a:lstStyle>
-            <a:lvl1pPr algn="l" defTabSz="914400" rtl="0" eaLnBrk="1" latinLnBrk="0" hangingPunct="1">
-              <a:lnSpc>
-                <a:spcPct val="85000"/>
-              </a:lnSpc>
-              <a:spcBef>
-                <a:spcPct val="0"/>
-              </a:spcBef>
-              <a:buNone/>
-              <a:defRPr sz="4800" kern="1200" spc="-50" baseline="0">
-                <a:solidFill>
-                  <a:schemeClr val="tx1">
-                    <a:lumMod val="75000"/>
-                    <a:lumOff val="25000"/>
-                  </a:schemeClr>
-                </a:solidFill>
-                <a:latin typeface="+mj-lt"/>
-                <a:ea typeface="+mj-ea"/>
-                <a:cs typeface="+mj-cs"/>
-              </a:defRPr>
-            </a:lvl1pPr>
-          </a:lstStyle>
-          <a:p>
-            <a:r>
-              <a:rPr lang="en-US" sz="9600" smtClean="0"/>
-              <a:t>WHY?</a:t>
-            </a:r>
-            <a:endParaRPr lang="en-US" sz="9600" dirty="0"/>
-          </a:p>
-        </p:txBody>
-      </p:sp>
-      <p:sp>
-        <p:nvSpPr>
-          <p:cNvPr id="10" name="Title 1"/>
-          <p:cNvSpPr txBox="1">
-            <a:spLocks/>
-          </p:cNvSpPr>
-          <p:nvPr/>
-        </p:nvSpPr>
-        <p:spPr>
-          <a:xfrm>
-            <a:off x="4412566" y="-35170"/>
-            <a:ext cx="3298874" cy="1450757"/>
-          </a:xfrm>
-          <a:prstGeom prst="rect">
-            <a:avLst/>
-          </a:prstGeom>
-        </p:spPr>
-        <p:txBody>
-          <a:bodyPr vert="horz" lIns="91440" tIns="45720" rIns="91440" bIns="45720" rtlCol="0" anchor="b">
-            <a:normAutofit/>
-          </a:bodyPr>
-          <a:lstStyle>
-            <a:lvl1pPr algn="l" defTabSz="914400" rtl="0" eaLnBrk="1" latinLnBrk="0" hangingPunct="1">
-              <a:lnSpc>
-                <a:spcPct val="85000"/>
-              </a:lnSpc>
-              <a:spcBef>
-                <a:spcPct val="0"/>
-              </a:spcBef>
-              <a:buNone/>
-              <a:defRPr sz="4800" kern="1200" spc="-50" baseline="0">
-                <a:solidFill>
-                  <a:schemeClr val="tx1">
-                    <a:lumMod val="75000"/>
-                    <a:lumOff val="25000"/>
-                  </a:schemeClr>
-                </a:solidFill>
-                <a:latin typeface="+mj-lt"/>
-                <a:ea typeface="+mj-ea"/>
-                <a:cs typeface="+mj-cs"/>
-              </a:defRPr>
-            </a:lvl1pPr>
-          </a:lstStyle>
-          <a:p>
-            <a:r>
-              <a:rPr lang="en-US" sz="9600" dirty="0" smtClean="0"/>
-              <a:t>WHY?</a:t>
-            </a:r>
-            <a:endParaRPr lang="en-US" sz="9600" dirty="0"/>
-          </a:p>
-        </p:txBody>
-      </p:sp>
-      <p:sp>
-        <p:nvSpPr>
-          <p:cNvPr id="11" name="Title 1"/>
-          <p:cNvSpPr txBox="1">
-            <a:spLocks/>
-          </p:cNvSpPr>
-          <p:nvPr/>
-        </p:nvSpPr>
-        <p:spPr>
-          <a:xfrm>
-            <a:off x="4281267" y="4956858"/>
-            <a:ext cx="3298874" cy="1450757"/>
-          </a:xfrm>
-          <a:prstGeom prst="rect">
-            <a:avLst/>
-          </a:prstGeom>
-        </p:spPr>
-        <p:txBody>
-          <a:bodyPr vert="horz" lIns="91440" tIns="45720" rIns="91440" bIns="45720" rtlCol="0" anchor="b">
-            <a:normAutofit/>
-          </a:bodyPr>
-          <a:lstStyle>
-            <a:lvl1pPr algn="l" defTabSz="914400" rtl="0" eaLnBrk="1" latinLnBrk="0" hangingPunct="1">
-              <a:lnSpc>
-                <a:spcPct val="85000"/>
-              </a:lnSpc>
-              <a:spcBef>
-                <a:spcPct val="0"/>
-              </a:spcBef>
-              <a:buNone/>
-              <a:defRPr sz="4800" kern="1200" spc="-50" baseline="0">
-                <a:solidFill>
-                  <a:schemeClr val="tx1">
-                    <a:lumMod val="75000"/>
-                    <a:lumOff val="25000"/>
-                  </a:schemeClr>
-                </a:solidFill>
-                <a:latin typeface="+mj-lt"/>
-                <a:ea typeface="+mj-ea"/>
-                <a:cs typeface="+mj-cs"/>
-              </a:defRPr>
-            </a:lvl1pPr>
-          </a:lstStyle>
-          <a:p>
-            <a:r>
-              <a:rPr lang="en-US" sz="9600" smtClean="0"/>
-              <a:t>WHY?</a:t>
-            </a:r>
-            <a:endParaRPr lang="en-US" sz="9600" dirty="0"/>
-          </a:p>
-        </p:txBody>
-      </p:sp>
-      <p:sp useBgFill="1">
-        <p:nvSpPr>
-          <p:cNvPr id="13" name="TextBox 12"/>
-          <p:cNvSpPr txBox="1"/>
-          <p:nvPr/>
-        </p:nvSpPr>
-        <p:spPr>
-          <a:xfrm>
-            <a:off x="987410" y="1629580"/>
-            <a:ext cx="10320454" cy="369332"/>
-          </a:xfrm>
-          <a:prstGeom prst="rect">
-            <a:avLst/>
-          </a:prstGeom>
-        </p:spPr>
-        <p:txBody>
-          <a:bodyPr wrap="none" rtlCol="0">
-            <a:spAutoFit/>
-          </a:bodyPr>
-          <a:lstStyle/>
-          <a:p>
-            <a:r>
-              <a:rPr lang="en-US" dirty="0" smtClean="0">
-                <a:solidFill>
-                  <a:srgbClr val="404040"/>
-                </a:solidFill>
-              </a:rPr>
-              <a:t>A                                                                                                                                                                                           a</a:t>
-            </a:r>
-            <a:endParaRPr lang="en-US" dirty="0">
-              <a:solidFill>
-                <a:srgbClr val="404040"/>
-              </a:solidFill>
-            </a:endParaRPr>
+        <p:spPr/>
+        <p:txBody>
+          <a:bodyPr/>
+          <a:lstStyle/>
+          <a:p>
+            <a:r>
+              <a:rPr lang="en-US" dirty="0" smtClean="0"/>
+              <a:t>What a Design Pattern Isn’t</a:t>
+            </a:r>
+            <a:endParaRPr lang="en-US" dirty="0"/>
+          </a:p>
+        </p:txBody>
+      </p:sp>
+      <p:sp>
+        <p:nvSpPr>
+          <p:cNvPr id="3" name="Content Placeholder 2"/>
+          <p:cNvSpPr>
+            <a:spLocks noGrp="1"/>
+          </p:cNvSpPr>
+          <p:nvPr>
+            <p:ph idx="1"/>
+          </p:nvPr>
+        </p:nvSpPr>
+        <p:spPr/>
+        <p:txBody>
+          <a:bodyPr/>
+          <a:lstStyle/>
+          <a:p>
+            <a:endParaRPr lang="en-US" dirty="0" smtClean="0"/>
+          </a:p>
+          <a:p>
+            <a:r>
+              <a:rPr lang="en-US" sz="3200" dirty="0" smtClean="0"/>
+              <a:t>A cookbook recipe</a:t>
+            </a:r>
+          </a:p>
+          <a:p>
+            <a:r>
+              <a:rPr lang="en-US" sz="3200" dirty="0" smtClean="0"/>
+              <a:t>A one-size fits all solution</a:t>
+            </a:r>
+          </a:p>
+          <a:p>
+            <a:r>
+              <a:rPr lang="en-US" sz="3200" dirty="0" smtClean="0"/>
+              <a:t>A callable library</a:t>
+            </a:r>
+          </a:p>
+          <a:p>
+            <a:r>
+              <a:rPr lang="en-US" sz="3200" dirty="0" smtClean="0"/>
+              <a:t>An excuse to suspend critical thought</a:t>
+            </a:r>
+            <a:endParaRPr lang="en-US" sz="3200" dirty="0"/>
           </a:p>
         </p:txBody>
       </p:sp>
     </p:spTree>
     <p:extLst>
       <p:ext uri="{BB962C8B-B14F-4D97-AF65-F5344CB8AC3E}">
-        <p14:creationId xmlns:p14="http://schemas.microsoft.com/office/powerpoint/2010/main" val="4124664067"/>
+        <p14:creationId xmlns:p14="http://schemas.microsoft.com/office/powerpoint/2010/main" val="1588879728"/>
       </p:ext>
     </p:extLst>
   </p:cSld>
@@ -10085,48 +9655,483 @@
             <p:ph type="title"/>
           </p:nvPr>
         </p:nvSpPr>
-        <p:spPr/>
-        <p:txBody>
-          <a:bodyPr/>
-          <a:lstStyle/>
-          <a:p>
-            <a:r>
-              <a:rPr lang="en-US" dirty="0" smtClean="0"/>
-              <a:t>Why Use Patterns?</a:t>
-            </a:r>
-            <a:endParaRPr lang="en-US" dirty="0"/>
-          </a:p>
-        </p:txBody>
-      </p:sp>
-      <p:sp>
-        <p:nvSpPr>
-          <p:cNvPr id="3" name="Content Placeholder 2"/>
-          <p:cNvSpPr>
-            <a:spLocks noGrp="1"/>
-          </p:cNvSpPr>
-          <p:nvPr>
-            <p:ph idx="1"/>
-          </p:nvPr>
-        </p:nvSpPr>
-        <p:spPr/>
-        <p:txBody>
-          <a:bodyPr/>
-          <a:lstStyle/>
-          <a:p>
-            <a:r>
-              <a:rPr lang="en-US" sz="4000" dirty="0" smtClean="0"/>
-              <a:t>Use of patterns guarantees that your code will be readable, maintainable, extensible, indestructible, indefatigable, indomitable, formidable, unbreakable, inestimable, unimpeachable…you get the idea.</a:t>
-            </a:r>
-          </a:p>
-          <a:p>
-            <a:endParaRPr lang="en-US" dirty="0"/>
+        <p:spPr>
+          <a:xfrm>
+            <a:off x="1097280" y="286603"/>
+            <a:ext cx="3298874" cy="1450757"/>
+          </a:xfrm>
+        </p:spPr>
+        <p:txBody>
+          <a:bodyPr>
+            <a:normAutofit/>
+          </a:bodyPr>
+          <a:lstStyle/>
+          <a:p>
+            <a:r>
+              <a:rPr lang="en-US" sz="9600" dirty="0" smtClean="0"/>
+              <a:t>WHY?</a:t>
+            </a:r>
+            <a:endParaRPr lang="en-US" sz="9600" dirty="0"/>
+          </a:p>
+        </p:txBody>
+      </p:sp>
+      <p:sp>
+        <p:nvSpPr>
+          <p:cNvPr id="4" name="Title 1"/>
+          <p:cNvSpPr txBox="1">
+            <a:spLocks/>
+          </p:cNvSpPr>
+          <p:nvPr/>
+        </p:nvSpPr>
+        <p:spPr>
+          <a:xfrm>
+            <a:off x="7580141" y="286603"/>
+            <a:ext cx="3298874" cy="1450757"/>
+          </a:xfrm>
+          <a:prstGeom prst="rect">
+            <a:avLst/>
+          </a:prstGeom>
+        </p:spPr>
+        <p:txBody>
+          <a:bodyPr vert="horz" lIns="91440" tIns="45720" rIns="91440" bIns="45720" rtlCol="0" anchor="b">
+            <a:normAutofit/>
+          </a:bodyPr>
+          <a:lstStyle>
+            <a:lvl1pPr algn="l" defTabSz="914400" rtl="0" eaLnBrk="1" latinLnBrk="0" hangingPunct="1">
+              <a:lnSpc>
+                <a:spcPct val="85000"/>
+              </a:lnSpc>
+              <a:spcBef>
+                <a:spcPct val="0"/>
+              </a:spcBef>
+              <a:buNone/>
+              <a:defRPr sz="4800" kern="1200" spc="-50" baseline="0">
+                <a:solidFill>
+                  <a:schemeClr val="tx1">
+                    <a:lumMod val="75000"/>
+                    <a:lumOff val="25000"/>
+                  </a:schemeClr>
+                </a:solidFill>
+                <a:latin typeface="+mj-lt"/>
+                <a:ea typeface="+mj-ea"/>
+                <a:cs typeface="+mj-cs"/>
+              </a:defRPr>
+            </a:lvl1pPr>
+          </a:lstStyle>
+          <a:p>
+            <a:r>
+              <a:rPr lang="en-US" sz="9600" smtClean="0"/>
+              <a:t>WHY?</a:t>
+            </a:r>
+            <a:endParaRPr lang="en-US" sz="9600" dirty="0"/>
+          </a:p>
+        </p:txBody>
+      </p:sp>
+      <p:sp>
+        <p:nvSpPr>
+          <p:cNvPr id="5" name="Title 1"/>
+          <p:cNvSpPr txBox="1">
+            <a:spLocks/>
+          </p:cNvSpPr>
+          <p:nvPr/>
+        </p:nvSpPr>
+        <p:spPr>
+          <a:xfrm>
+            <a:off x="4281267" y="2537433"/>
+            <a:ext cx="3298874" cy="1450757"/>
+          </a:xfrm>
+          <a:prstGeom prst="rect">
+            <a:avLst/>
+          </a:prstGeom>
+        </p:spPr>
+        <p:txBody>
+          <a:bodyPr vert="horz" lIns="91440" tIns="45720" rIns="91440" bIns="45720" rtlCol="0" anchor="b">
+            <a:normAutofit/>
+          </a:bodyPr>
+          <a:lstStyle>
+            <a:lvl1pPr algn="l" defTabSz="914400" rtl="0" eaLnBrk="1" latinLnBrk="0" hangingPunct="1">
+              <a:lnSpc>
+                <a:spcPct val="85000"/>
+              </a:lnSpc>
+              <a:spcBef>
+                <a:spcPct val="0"/>
+              </a:spcBef>
+              <a:buNone/>
+              <a:defRPr sz="4800" kern="1200" spc="-50" baseline="0">
+                <a:solidFill>
+                  <a:schemeClr val="tx1">
+                    <a:lumMod val="75000"/>
+                    <a:lumOff val="25000"/>
+                  </a:schemeClr>
+                </a:solidFill>
+                <a:latin typeface="+mj-lt"/>
+                <a:ea typeface="+mj-ea"/>
+                <a:cs typeface="+mj-cs"/>
+              </a:defRPr>
+            </a:lvl1pPr>
+          </a:lstStyle>
+          <a:p>
+            <a:r>
+              <a:rPr lang="en-US" sz="9600" dirty="0" smtClean="0"/>
+              <a:t>WHY?</a:t>
+            </a:r>
+            <a:endParaRPr lang="en-US" sz="9600" dirty="0"/>
+          </a:p>
+        </p:txBody>
+      </p:sp>
+      <p:sp>
+        <p:nvSpPr>
+          <p:cNvPr id="6" name="Title 1"/>
+          <p:cNvSpPr txBox="1">
+            <a:spLocks/>
+          </p:cNvSpPr>
+          <p:nvPr/>
+        </p:nvSpPr>
+        <p:spPr>
+          <a:xfrm>
+            <a:off x="1097280" y="4526711"/>
+            <a:ext cx="3298874" cy="1450757"/>
+          </a:xfrm>
+          <a:prstGeom prst="rect">
+            <a:avLst/>
+          </a:prstGeom>
+        </p:spPr>
+        <p:txBody>
+          <a:bodyPr vert="horz" lIns="91440" tIns="45720" rIns="91440" bIns="45720" rtlCol="0" anchor="b">
+            <a:normAutofit/>
+          </a:bodyPr>
+          <a:lstStyle>
+            <a:lvl1pPr algn="l" defTabSz="914400" rtl="0" eaLnBrk="1" latinLnBrk="0" hangingPunct="1">
+              <a:lnSpc>
+                <a:spcPct val="85000"/>
+              </a:lnSpc>
+              <a:spcBef>
+                <a:spcPct val="0"/>
+              </a:spcBef>
+              <a:buNone/>
+              <a:defRPr sz="4800" kern="1200" spc="-50" baseline="0">
+                <a:solidFill>
+                  <a:schemeClr val="tx1">
+                    <a:lumMod val="75000"/>
+                    <a:lumOff val="25000"/>
+                  </a:schemeClr>
+                </a:solidFill>
+                <a:latin typeface="+mj-lt"/>
+                <a:ea typeface="+mj-ea"/>
+                <a:cs typeface="+mj-cs"/>
+              </a:defRPr>
+            </a:lvl1pPr>
+          </a:lstStyle>
+          <a:p>
+            <a:r>
+              <a:rPr lang="en-US" sz="9600" smtClean="0"/>
+              <a:t>WHY?</a:t>
+            </a:r>
+            <a:endParaRPr lang="en-US" sz="9600" dirty="0"/>
+          </a:p>
+        </p:txBody>
+      </p:sp>
+      <p:sp>
+        <p:nvSpPr>
+          <p:cNvPr id="7" name="Title 1"/>
+          <p:cNvSpPr txBox="1">
+            <a:spLocks/>
+          </p:cNvSpPr>
+          <p:nvPr/>
+        </p:nvSpPr>
+        <p:spPr>
+          <a:xfrm>
+            <a:off x="8049065" y="4202110"/>
+            <a:ext cx="3298874" cy="1450757"/>
+          </a:xfrm>
+          <a:prstGeom prst="rect">
+            <a:avLst/>
+          </a:prstGeom>
+        </p:spPr>
+        <p:txBody>
+          <a:bodyPr vert="horz" lIns="91440" tIns="45720" rIns="91440" bIns="45720" rtlCol="0" anchor="b">
+            <a:normAutofit/>
+          </a:bodyPr>
+          <a:lstStyle>
+            <a:lvl1pPr algn="l" defTabSz="914400" rtl="0" eaLnBrk="1" latinLnBrk="0" hangingPunct="1">
+              <a:lnSpc>
+                <a:spcPct val="85000"/>
+              </a:lnSpc>
+              <a:spcBef>
+                <a:spcPct val="0"/>
+              </a:spcBef>
+              <a:buNone/>
+              <a:defRPr sz="4800" kern="1200" spc="-50" baseline="0">
+                <a:solidFill>
+                  <a:schemeClr val="tx1">
+                    <a:lumMod val="75000"/>
+                    <a:lumOff val="25000"/>
+                  </a:schemeClr>
+                </a:solidFill>
+                <a:latin typeface="+mj-lt"/>
+                <a:ea typeface="+mj-ea"/>
+                <a:cs typeface="+mj-cs"/>
+              </a:defRPr>
+            </a:lvl1pPr>
+          </a:lstStyle>
+          <a:p>
+            <a:r>
+              <a:rPr lang="en-US" sz="9600" smtClean="0"/>
+              <a:t>WHY?</a:t>
+            </a:r>
+            <a:endParaRPr lang="en-US" sz="9600" dirty="0"/>
+          </a:p>
+        </p:txBody>
+      </p:sp>
+      <p:sp>
+        <p:nvSpPr>
+          <p:cNvPr id="8" name="Title 1"/>
+          <p:cNvSpPr txBox="1">
+            <a:spLocks/>
+          </p:cNvSpPr>
+          <p:nvPr/>
+        </p:nvSpPr>
+        <p:spPr>
+          <a:xfrm>
+            <a:off x="8553157" y="2298544"/>
+            <a:ext cx="3298874" cy="1450757"/>
+          </a:xfrm>
+          <a:prstGeom prst="rect">
+            <a:avLst/>
+          </a:prstGeom>
+        </p:spPr>
+        <p:txBody>
+          <a:bodyPr vert="horz" lIns="91440" tIns="45720" rIns="91440" bIns="45720" rtlCol="0" anchor="b">
+            <a:normAutofit/>
+          </a:bodyPr>
+          <a:lstStyle>
+            <a:lvl1pPr algn="l" defTabSz="914400" rtl="0" eaLnBrk="1" latinLnBrk="0" hangingPunct="1">
+              <a:lnSpc>
+                <a:spcPct val="85000"/>
+              </a:lnSpc>
+              <a:spcBef>
+                <a:spcPct val="0"/>
+              </a:spcBef>
+              <a:buNone/>
+              <a:defRPr sz="4800" kern="1200" spc="-50" baseline="0">
+                <a:solidFill>
+                  <a:schemeClr val="tx1">
+                    <a:lumMod val="75000"/>
+                    <a:lumOff val="25000"/>
+                  </a:schemeClr>
+                </a:solidFill>
+                <a:latin typeface="+mj-lt"/>
+                <a:ea typeface="+mj-ea"/>
+                <a:cs typeface="+mj-cs"/>
+              </a:defRPr>
+            </a:lvl1pPr>
+          </a:lstStyle>
+          <a:p>
+            <a:r>
+              <a:rPr lang="en-US" sz="9600" smtClean="0"/>
+              <a:t>WHY?</a:t>
+            </a:r>
+            <a:endParaRPr lang="en-US" sz="9600" dirty="0"/>
+          </a:p>
+        </p:txBody>
+      </p:sp>
+      <p:sp>
+        <p:nvSpPr>
+          <p:cNvPr id="9" name="Title 1"/>
+          <p:cNvSpPr txBox="1">
+            <a:spLocks/>
+          </p:cNvSpPr>
+          <p:nvPr/>
+        </p:nvSpPr>
+        <p:spPr>
+          <a:xfrm>
+            <a:off x="381000" y="2325416"/>
+            <a:ext cx="3298874" cy="1450757"/>
+          </a:xfrm>
+          <a:prstGeom prst="rect">
+            <a:avLst/>
+          </a:prstGeom>
+        </p:spPr>
+        <p:txBody>
+          <a:bodyPr vert="horz" lIns="91440" tIns="45720" rIns="91440" bIns="45720" rtlCol="0" anchor="b">
+            <a:normAutofit/>
+          </a:bodyPr>
+          <a:lstStyle>
+            <a:lvl1pPr algn="l" defTabSz="914400" rtl="0" eaLnBrk="1" latinLnBrk="0" hangingPunct="1">
+              <a:lnSpc>
+                <a:spcPct val="85000"/>
+              </a:lnSpc>
+              <a:spcBef>
+                <a:spcPct val="0"/>
+              </a:spcBef>
+              <a:buNone/>
+              <a:defRPr sz="4800" kern="1200" spc="-50" baseline="0">
+                <a:solidFill>
+                  <a:schemeClr val="tx1">
+                    <a:lumMod val="75000"/>
+                    <a:lumOff val="25000"/>
+                  </a:schemeClr>
+                </a:solidFill>
+                <a:latin typeface="+mj-lt"/>
+                <a:ea typeface="+mj-ea"/>
+                <a:cs typeface="+mj-cs"/>
+              </a:defRPr>
+            </a:lvl1pPr>
+          </a:lstStyle>
+          <a:p>
+            <a:r>
+              <a:rPr lang="en-US" sz="9600" smtClean="0"/>
+              <a:t>WHY?</a:t>
+            </a:r>
+            <a:endParaRPr lang="en-US" sz="9600" dirty="0"/>
+          </a:p>
+        </p:txBody>
+      </p:sp>
+      <p:sp>
+        <p:nvSpPr>
+          <p:cNvPr id="10" name="Title 1"/>
+          <p:cNvSpPr txBox="1">
+            <a:spLocks/>
+          </p:cNvSpPr>
+          <p:nvPr/>
+        </p:nvSpPr>
+        <p:spPr>
+          <a:xfrm>
+            <a:off x="4412566" y="-35170"/>
+            <a:ext cx="3298874" cy="1450757"/>
+          </a:xfrm>
+          <a:prstGeom prst="rect">
+            <a:avLst/>
+          </a:prstGeom>
+        </p:spPr>
+        <p:txBody>
+          <a:bodyPr vert="horz" lIns="91440" tIns="45720" rIns="91440" bIns="45720" rtlCol="0" anchor="b">
+            <a:normAutofit/>
+          </a:bodyPr>
+          <a:lstStyle>
+            <a:lvl1pPr algn="l" defTabSz="914400" rtl="0" eaLnBrk="1" latinLnBrk="0" hangingPunct="1">
+              <a:lnSpc>
+                <a:spcPct val="85000"/>
+              </a:lnSpc>
+              <a:spcBef>
+                <a:spcPct val="0"/>
+              </a:spcBef>
+              <a:buNone/>
+              <a:defRPr sz="4800" kern="1200" spc="-50" baseline="0">
+                <a:solidFill>
+                  <a:schemeClr val="tx1">
+                    <a:lumMod val="75000"/>
+                    <a:lumOff val="25000"/>
+                  </a:schemeClr>
+                </a:solidFill>
+                <a:latin typeface="+mj-lt"/>
+                <a:ea typeface="+mj-ea"/>
+                <a:cs typeface="+mj-cs"/>
+              </a:defRPr>
+            </a:lvl1pPr>
+          </a:lstStyle>
+          <a:p>
+            <a:r>
+              <a:rPr lang="en-US" sz="9600" dirty="0" smtClean="0"/>
+              <a:t>WHY?</a:t>
+            </a:r>
+            <a:endParaRPr lang="en-US" sz="9600" dirty="0"/>
+          </a:p>
+        </p:txBody>
+      </p:sp>
+      <p:sp>
+        <p:nvSpPr>
+          <p:cNvPr id="11" name="Title 1"/>
+          <p:cNvSpPr txBox="1">
+            <a:spLocks/>
+          </p:cNvSpPr>
+          <p:nvPr/>
+        </p:nvSpPr>
+        <p:spPr>
+          <a:xfrm>
+            <a:off x="4281267" y="4956858"/>
+            <a:ext cx="3298874" cy="1450757"/>
+          </a:xfrm>
+          <a:prstGeom prst="rect">
+            <a:avLst/>
+          </a:prstGeom>
+        </p:spPr>
+        <p:txBody>
+          <a:bodyPr vert="horz" lIns="91440" tIns="45720" rIns="91440" bIns="45720" rtlCol="0" anchor="b">
+            <a:normAutofit/>
+          </a:bodyPr>
+          <a:lstStyle>
+            <a:lvl1pPr algn="l" defTabSz="914400" rtl="0" eaLnBrk="1" latinLnBrk="0" hangingPunct="1">
+              <a:lnSpc>
+                <a:spcPct val="85000"/>
+              </a:lnSpc>
+              <a:spcBef>
+                <a:spcPct val="0"/>
+              </a:spcBef>
+              <a:buNone/>
+              <a:defRPr sz="4800" kern="1200" spc="-50" baseline="0">
+                <a:solidFill>
+                  <a:schemeClr val="tx1">
+                    <a:lumMod val="75000"/>
+                    <a:lumOff val="25000"/>
+                  </a:schemeClr>
+                </a:solidFill>
+                <a:latin typeface="+mj-lt"/>
+                <a:ea typeface="+mj-ea"/>
+                <a:cs typeface="+mj-cs"/>
+              </a:defRPr>
+            </a:lvl1pPr>
+          </a:lstStyle>
+          <a:p>
+            <a:r>
+              <a:rPr lang="en-US" sz="9600" smtClean="0"/>
+              <a:t>WHY?</a:t>
+            </a:r>
+            <a:endParaRPr lang="en-US" sz="9600" dirty="0"/>
+          </a:p>
+        </p:txBody>
+      </p:sp>
+      <p:sp useBgFill="1">
+        <p:nvSpPr>
+          <p:cNvPr id="13" name="TextBox 12"/>
+          <p:cNvSpPr txBox="1"/>
+          <p:nvPr/>
+        </p:nvSpPr>
+        <p:spPr>
+          <a:xfrm>
+            <a:off x="987410" y="1629580"/>
+            <a:ext cx="10320454" cy="369332"/>
+          </a:xfrm>
+          <a:prstGeom prst="rect">
+            <a:avLst/>
+          </a:prstGeom>
+        </p:spPr>
+        <p:txBody>
+          <a:bodyPr wrap="none" rtlCol="0">
+            <a:spAutoFit/>
+          </a:bodyPr>
+          <a:lstStyle/>
+          <a:p>
+            <a:r>
+              <a:rPr lang="en-US" dirty="0" smtClean="0">
+                <a:solidFill>
+                  <a:srgbClr val="404040"/>
+                </a:solidFill>
+              </a:rPr>
+              <a:t>A                                                                                                                                                                                           a</a:t>
+            </a:r>
+            <a:endParaRPr lang="en-US" dirty="0">
+              <a:solidFill>
+                <a:srgbClr val="404040"/>
+              </a:solidFill>
+            </a:endParaRPr>
           </a:p>
         </p:txBody>
       </p:sp>
     </p:spTree>
     <p:extLst>
       <p:ext uri="{BB962C8B-B14F-4D97-AF65-F5344CB8AC3E}">
-        <p14:creationId xmlns:p14="http://schemas.microsoft.com/office/powerpoint/2010/main" val="4020615577"/>
+        <p14:creationId xmlns:p14="http://schemas.microsoft.com/office/powerpoint/2010/main" val="4124664067"/>
       </p:ext>
     </p:extLst>
   </p:cSld>
@@ -10162,6 +10167,29 @@
       </p:grpSpPr>
       <p:sp>
         <p:nvSpPr>
+          <p:cNvPr id="2" name="Title 1"/>
+          <p:cNvSpPr>
+            <a:spLocks noGrp="1"/>
+          </p:cNvSpPr>
+          <p:nvPr>
+            <p:ph type="title"/>
+          </p:nvPr>
+        </p:nvSpPr>
+        <p:spPr/>
+        <p:txBody>
+          <a:bodyPr/>
+          <a:lstStyle/>
+          <a:p>
+            <a:r>
+              <a:rPr lang="en-US" dirty="0" smtClean="0"/>
+              <a:t>Why Use Patterns?</a:t>
+            </a:r>
+            <a:endParaRPr lang="en-US" dirty="0"/>
+          </a:p>
+        </p:txBody>
+      </p:sp>
+      <p:sp>
+        <p:nvSpPr>
           <p:cNvPr id="3" name="Content Placeholder 2"/>
           <p:cNvSpPr>
             <a:spLocks noGrp="1"/>
@@ -10170,81 +10198,25 @@
             <p:ph idx="1"/>
           </p:nvPr>
         </p:nvSpPr>
-        <p:spPr>
-          <a:xfrm>
-            <a:off x="1097280" y="1828800"/>
-            <a:ext cx="10058400" cy="4040294"/>
-          </a:xfrm>
-        </p:spPr>
-        <p:txBody>
-          <a:bodyPr>
-            <a:normAutofit/>
-          </a:bodyPr>
-          <a:lstStyle/>
-          <a:p>
-            <a:r>
-              <a:rPr lang="en-US" sz="4400" dirty="0" smtClean="0"/>
-              <a:t>Leverage your cumulative experience</a:t>
-            </a:r>
-            <a:endParaRPr lang="en-US" sz="4400" dirty="0"/>
-          </a:p>
-          <a:p>
-            <a:r>
-              <a:rPr lang="en-US" sz="4400" dirty="0" smtClean="0"/>
-              <a:t>Minimize reinvention</a:t>
-            </a:r>
-            <a:endParaRPr lang="en-US" sz="4400" dirty="0"/>
-          </a:p>
-          <a:p>
-            <a:r>
-              <a:rPr lang="en-US" sz="4400" dirty="0" smtClean="0"/>
-              <a:t>Shorten development time for complex features</a:t>
-            </a:r>
-            <a:endParaRPr lang="en-US" sz="4400" dirty="0"/>
-          </a:p>
-          <a:p>
-            <a:r>
-              <a:rPr lang="en-US" sz="4400" dirty="0" smtClean="0"/>
-              <a:t>Increase stability of solutions</a:t>
-            </a:r>
-            <a:endParaRPr lang="en-US" sz="4400" dirty="0"/>
-          </a:p>
-        </p:txBody>
-      </p:sp>
-      <p:sp>
-        <p:nvSpPr>
-          <p:cNvPr id="4" name="TextBox 3"/>
-          <p:cNvSpPr txBox="1"/>
-          <p:nvPr/>
-        </p:nvSpPr>
-        <p:spPr>
-          <a:xfrm>
-            <a:off x="1097280" y="633045"/>
-            <a:ext cx="7012945" cy="830997"/>
-          </a:xfrm>
-          <a:prstGeom prst="rect">
-            <a:avLst/>
-          </a:prstGeom>
-          <a:noFill/>
-        </p:spPr>
-        <p:txBody>
-          <a:bodyPr wrap="none" rtlCol="0">
-            <a:spAutoFit/>
-          </a:bodyPr>
-          <a:lstStyle/>
-          <a:p>
-            <a:r>
-              <a:rPr lang="en-US" sz="4800" dirty="0" smtClean="0"/>
-              <a:t>Using design patterns can…</a:t>
-            </a:r>
-            <a:endParaRPr lang="en-US" sz="4800" dirty="0"/>
+        <p:spPr/>
+        <p:txBody>
+          <a:bodyPr/>
+          <a:lstStyle/>
+          <a:p>
+            <a:r>
+              <a:rPr lang="en-US" sz="4000" dirty="0" smtClean="0"/>
+              <a:t>Use of patterns guarantees that your code will be readable, maintainable, extensible, indestructible, indefatigable, indomitable, formidable, unbreakable, inestimable, unimpeachable…you get the idea.</a:t>
+            </a:r>
+          </a:p>
+          <a:p>
+            <a:endParaRPr lang="en-US" dirty="0"/>
           </a:p>
         </p:txBody>
       </p:sp>
     </p:spTree>
     <p:extLst>
       <p:ext uri="{BB962C8B-B14F-4D97-AF65-F5344CB8AC3E}">
-        <p14:creationId xmlns:p14="http://schemas.microsoft.com/office/powerpoint/2010/main" val="1758942184"/>
+        <p14:creationId xmlns:p14="http://schemas.microsoft.com/office/powerpoint/2010/main" val="4020615577"/>
       </p:ext>
     </p:extLst>
   </p:cSld>
@@ -10280,43 +10252,20 @@
       </p:grpSpPr>
       <p:sp>
         <p:nvSpPr>
-          <p:cNvPr id="2" name="Title 1"/>
-          <p:cNvSpPr>
-            <a:spLocks noGrp="1"/>
-          </p:cNvSpPr>
-          <p:nvPr>
-            <p:ph type="title"/>
+          <p:cNvPr id="3" name="Content Placeholder 2"/>
+          <p:cNvSpPr>
+            <a:spLocks noGrp="1"/>
+          </p:cNvSpPr>
+          <p:nvPr>
+            <p:ph idx="1"/>
           </p:nvPr>
         </p:nvSpPr>
         <p:spPr>
           <a:xfrm>
-            <a:off x="1097280" y="286603"/>
-            <a:ext cx="10058400" cy="1378073"/>
+            <a:off x="1097280" y="1828800"/>
+            <a:ext cx="10058400" cy="4040294"/>
           </a:xfrm>
         </p:spPr>
-        <p:txBody>
-          <a:bodyPr/>
-          <a:lstStyle/>
-          <a:p>
-            <a:r>
-              <a:rPr lang="en-US" dirty="0" smtClean="0"/>
-              <a:t>Lesser Known Design Patterns</a:t>
-            </a:r>
-            <a:endParaRPr lang="en-US" dirty="0"/>
-          </a:p>
-        </p:txBody>
-      </p:sp>
-      <p:sp>
-        <p:nvSpPr>
-          <p:cNvPr id="3" name="Content Placeholder 2"/>
-          <p:cNvSpPr>
-            <a:spLocks noGrp="1"/>
-          </p:cNvSpPr>
-          <p:nvPr>
-            <p:ph idx="1"/>
-          </p:nvPr>
-        </p:nvSpPr>
-        <p:spPr/>
         <p:txBody>
           <a:bodyPr>
             <a:normAutofit/>
@@ -10324,66 +10273,68 @@
           <a:lstStyle/>
           <a:p>
             <a:r>
-              <a:rPr lang="en-US" dirty="0" smtClean="0"/>
-              <a:t>Null Object 		“I have nothing to do, and I’m doing it.”</a:t>
-            </a:r>
-          </a:p>
-          <a:p>
-            <a:r>
-              <a:rPr lang="en-US" dirty="0" smtClean="0"/>
-              <a:t>Memento           		“Rule #3 – Never open the package.”</a:t>
-            </a:r>
-          </a:p>
-          <a:p>
-            <a:r>
-              <a:rPr lang="en-US" dirty="0" smtClean="0"/>
-              <a:t>State			“If it moves, tax it. If it keeps moving, regulate it. </a:t>
-            </a:r>
-          </a:p>
-          <a:p>
-            <a:r>
-              <a:rPr lang="en-US" dirty="0"/>
-              <a:t> </a:t>
-            </a:r>
-            <a:r>
-              <a:rPr lang="en-US" dirty="0" smtClean="0"/>
-              <a:t>                                               If it stops, subsidize it.”</a:t>
-            </a:r>
-          </a:p>
-          <a:p>
-            <a:r>
-              <a:rPr lang="en-US" dirty="0" smtClean="0"/>
-              <a:t>Flyweight		“Where’s my stunt double?”</a:t>
-            </a:r>
-          </a:p>
-          <a:p>
-            <a:r>
-              <a:rPr lang="en-US" dirty="0"/>
-              <a:t>Pipes and </a:t>
-            </a:r>
-            <a:r>
-              <a:rPr lang="en-US" dirty="0" smtClean="0"/>
-              <a:t>Filters		“This world is not my home, I’m just a </a:t>
-            </a:r>
-            <a:r>
-              <a:rPr lang="en-US" dirty="0" err="1" smtClean="0"/>
-              <a:t>passin</a:t>
-            </a:r>
-            <a:r>
-              <a:rPr lang="en-US" dirty="0" smtClean="0"/>
-              <a:t>’ through.”	</a:t>
-            </a:r>
-            <a:endParaRPr lang="en-US" dirty="0"/>
-          </a:p>
-          <a:p>
-            <a:endParaRPr lang="en-US" dirty="0" smtClean="0"/>
+              <a:rPr lang="en-US" sz="4400" dirty="0" smtClean="0"/>
+              <a:t>Leverage your cumulative experience</a:t>
+            </a:r>
+            <a:endParaRPr lang="en-US" sz="4400" dirty="0"/>
+          </a:p>
+          <a:p>
+            <a:r>
+              <a:rPr lang="en-US" sz="4400" dirty="0" smtClean="0"/>
+              <a:t>Minimize reinvention</a:t>
+            </a:r>
+            <a:endParaRPr lang="en-US" sz="4400" dirty="0"/>
+          </a:p>
+          <a:p>
+            <a:r>
+              <a:rPr lang="en-US" sz="4400" dirty="0" smtClean="0"/>
+              <a:t>Shorten development time for complex features</a:t>
+            </a:r>
+            <a:endParaRPr lang="en-US" sz="4400" dirty="0"/>
+          </a:p>
+          <a:p>
+            <a:r>
+              <a:rPr lang="en-US" sz="4400" dirty="0" smtClean="0"/>
+              <a:t>Increase stability of solutions</a:t>
+            </a:r>
+            <a:endParaRPr lang="en-US" sz="4400" dirty="0"/>
+          </a:p>
+        </p:txBody>
+      </p:sp>
+      <p:sp>
+        <p:nvSpPr>
+          <p:cNvPr id="4" name="TextBox 3"/>
+          <p:cNvSpPr txBox="1"/>
+          <p:nvPr/>
+        </p:nvSpPr>
+        <p:spPr>
+          <a:xfrm>
+            <a:off x="1097280" y="633045"/>
+            <a:ext cx="7012945" cy="830997"/>
+          </a:xfrm>
+          <a:prstGeom prst="rect">
+            <a:avLst/>
+          </a:prstGeom>
+          <a:noFill/>
+        </p:spPr>
+        <p:txBody>
+          <a:bodyPr wrap="none" rtlCol="0">
+            <a:spAutoFit/>
+          </a:bodyPr>
+          <a:lstStyle/>
+          <a:p>
+            <a:r>
+              <a:rPr lang="en-US" sz="4800" dirty="0" smtClean="0"/>
+              <a:t>Using design patterns can…</a:t>
+            </a:r>
+            <a:endParaRPr lang="en-US" sz="4800" dirty="0"/>
           </a:p>
         </p:txBody>
       </p:sp>
     </p:spTree>
     <p:extLst>
       <p:ext uri="{BB962C8B-B14F-4D97-AF65-F5344CB8AC3E}">
-        <p14:creationId xmlns:p14="http://schemas.microsoft.com/office/powerpoint/2010/main" val="1390991670"/>
+        <p14:creationId xmlns:p14="http://schemas.microsoft.com/office/powerpoint/2010/main" val="1758942184"/>
       </p:ext>
     </p:extLst>
   </p:cSld>
@@ -10427,14 +10378,19 @@
             <p:ph type="title"/>
           </p:nvPr>
         </p:nvSpPr>
-        <p:spPr/>
+        <p:spPr>
+          <a:xfrm>
+            <a:off x="1097280" y="286603"/>
+            <a:ext cx="10058400" cy="1378073"/>
+          </a:xfrm>
+        </p:spPr>
         <p:txBody>
           <a:bodyPr/>
           <a:lstStyle/>
           <a:p>
             <a:r>
               <a:rPr lang="en-US" dirty="0" smtClean="0"/>
-              <a:t>Our Process</a:t>
+              <a:t>Lesser Known Design Patterns</a:t>
             </a:r>
             <a:endParaRPr lang="en-US" dirty="0"/>
           </a:p>
@@ -10452,44 +10408,72 @@
         </p:nvSpPr>
         <p:spPr/>
         <p:txBody>
-          <a:bodyPr/>
-          <a:lstStyle/>
-          <a:p>
-            <a:endParaRPr lang="en-US" sz="1100" dirty="0" smtClean="0"/>
-          </a:p>
-          <a:p>
-            <a:r>
-              <a:rPr lang="en-US" sz="4400" dirty="0" smtClean="0"/>
-              <a:t>The Issue</a:t>
-            </a:r>
-          </a:p>
-          <a:p>
-            <a:r>
-              <a:rPr lang="en-US" sz="4400" dirty="0" smtClean="0"/>
-              <a:t>The Solution – UML</a:t>
-            </a:r>
-          </a:p>
-          <a:p>
-            <a:r>
-              <a:rPr lang="en-US" sz="4400" dirty="0" smtClean="0"/>
-              <a:t>Demo</a:t>
-            </a:r>
-          </a:p>
-          <a:p>
-            <a:r>
-              <a:rPr lang="en-US" sz="4400" dirty="0" smtClean="0"/>
-              <a:t>Summary</a:t>
-            </a:r>
-          </a:p>
-          <a:p>
+          <a:bodyPr>
+            <a:normAutofit/>
+          </a:bodyPr>
+          <a:lstStyle/>
+          <a:p>
+            <a:r>
+              <a:rPr lang="en-US" dirty="0" smtClean="0"/>
+              <a:t>Null Object 		“I have nothing to do, and I’m doing it.”</a:t>
+            </a:r>
+          </a:p>
+          <a:p>
+            <a:r>
+              <a:rPr lang="en-US" dirty="0" smtClean="0"/>
+              <a:t>Memento           		“Rule #3 – Never open the package.”</a:t>
+            </a:r>
+          </a:p>
+          <a:p>
+            <a:r>
+              <a:rPr lang="en-US" dirty="0" smtClean="0"/>
+              <a:t>State			“If it moves, tax it. If it keeps moving, regulate it. </a:t>
+            </a:r>
+          </a:p>
+          <a:p>
+            <a:r>
+              <a:rPr lang="en-US" dirty="0"/>
+              <a:t> </a:t>
+            </a:r>
+            <a:r>
+              <a:rPr lang="en-US" dirty="0" smtClean="0"/>
+              <a:t>                                               If it stops, subsidize it.”</a:t>
+            </a:r>
+          </a:p>
+          <a:p>
+            <a:r>
+              <a:rPr lang="en-US" dirty="0" smtClean="0"/>
+              <a:t>Flyweight		“Where’s my stunt double?”</a:t>
+            </a:r>
+          </a:p>
+          <a:p>
+            <a:r>
+              <a:rPr lang="en-US" dirty="0"/>
+              <a:t>Pipes and </a:t>
+            </a:r>
+            <a:r>
+              <a:rPr lang="en-US" dirty="0" smtClean="0"/>
+              <a:t>Filters		“This world is not my home, I’m just a </a:t>
+            </a:r>
+            <a:r>
+              <a:rPr lang="en-US" dirty="0" err="1" smtClean="0"/>
+              <a:t>passin</a:t>
+            </a:r>
+            <a:r>
+              <a:rPr lang="en-US" dirty="0" smtClean="0"/>
+              <a:t>’ through.”	</a:t>
+            </a:r>
             <a:endParaRPr lang="en-US" dirty="0"/>
+          </a:p>
+          <a:p>
+            <a:endParaRPr lang="en-US" dirty="0" smtClean="0"/>
           </a:p>
         </p:txBody>
       </p:sp>
     </p:spTree>
     <p:extLst>
       <p:ext uri="{BB962C8B-B14F-4D97-AF65-F5344CB8AC3E}">
-        <p14:creationId xmlns:p14="http://schemas.microsoft.com/office/powerpoint/2010/main" val="3916417936"/>
+        <p14:creationId xmlns:p14="http://schemas.microsoft.com/office/powerpoint/2010/main" val="1390991670"/>
       </p:ext>
     </p:extLst>
   </p:cSld>
@@ -10540,7 +10524,7 @@
           <a:p>
             <a:r>
               <a:rPr lang="en-US" dirty="0" smtClean="0"/>
-              <a:t>Null Object</a:t>
+              <a:t>Our Process</a:t>
             </a:r>
             <a:endParaRPr lang="en-US" dirty="0"/>
           </a:p>
@@ -10548,7 +10532,7 @@
       </p:sp>
       <p:sp>
         <p:nvSpPr>
-          <p:cNvPr id="7" name="Content Placeholder 6"/>
+          <p:cNvPr id="3" name="Content Placeholder 2"/>
           <p:cNvSpPr>
             <a:spLocks noGrp="1"/>
           </p:cNvSpPr>
@@ -10558,52 +10542,44 @@
         </p:nvSpPr>
         <p:spPr/>
         <p:txBody>
-          <a:bodyPr>
-            <a:normAutofit/>
-          </a:bodyPr>
-          <a:lstStyle/>
-          <a:p>
-            <a:endParaRPr lang="en-US" sz="6000" dirty="0" smtClean="0"/>
-          </a:p>
-          <a:p>
-            <a:pPr marL="201168" lvl="1" indent="0">
-              <a:buNone/>
-            </a:pPr>
-            <a:r>
-              <a:rPr lang="en-US" sz="5800" dirty="0" smtClean="0"/>
-              <a:t>I have nothing to do</a:t>
-            </a:r>
-          </a:p>
-          <a:p>
-            <a:pPr marL="1471400" lvl="8" indent="0">
-              <a:buNone/>
-            </a:pPr>
-            <a:r>
-              <a:rPr lang="en-US" sz="5400" dirty="0" smtClean="0"/>
-              <a:t>…and I’m doing it.</a:t>
-            </a:r>
-            <a:endParaRPr lang="en-US" sz="5400" dirty="0"/>
-          </a:p>
-          <a:p>
-            <a:pPr marL="1471400" lvl="8" indent="0">
-              <a:buNone/>
-            </a:pPr>
-            <a:r>
-              <a:rPr lang="en-US" sz="2400" dirty="0"/>
-              <a:t> </a:t>
-            </a:r>
-            <a:r>
-              <a:rPr lang="en-US" sz="2400" dirty="0" smtClean="0"/>
-              <a:t>                   (With apologies to John Cage)</a:t>
-            </a:r>
-            <a:endParaRPr lang="en-US" sz="5400" dirty="0"/>
+          <a:bodyPr/>
+          <a:lstStyle/>
+          <a:p>
+            <a:endParaRPr lang="en-US" sz="1100" dirty="0" smtClean="0"/>
+          </a:p>
+          <a:p>
+            <a:r>
+              <a:rPr lang="en-US" sz="4400" dirty="0" smtClean="0"/>
+              <a:t>The Issue</a:t>
+            </a:r>
+          </a:p>
+          <a:p>
+            <a:r>
+              <a:rPr lang="en-US" sz="4400" dirty="0" smtClean="0"/>
+              <a:t>The Solution – UML</a:t>
+            </a:r>
+          </a:p>
+          <a:p>
+            <a:r>
+              <a:rPr lang="en-US" sz="4400" dirty="0" smtClean="0"/>
+              <a:t>Demo</a:t>
+            </a:r>
+          </a:p>
+          <a:p>
+            <a:r>
+              <a:rPr lang="en-US" sz="4400" dirty="0" smtClean="0"/>
+              <a:t>Summary</a:t>
+            </a:r>
+          </a:p>
+          <a:p>
+            <a:endParaRPr lang="en-US" dirty="0"/>
           </a:p>
         </p:txBody>
       </p:sp>
     </p:spTree>
     <p:extLst>
       <p:ext uri="{BB962C8B-B14F-4D97-AF65-F5344CB8AC3E}">
-        <p14:creationId xmlns:p14="http://schemas.microsoft.com/office/powerpoint/2010/main" val="1921469533"/>
+        <p14:creationId xmlns:p14="http://schemas.microsoft.com/office/powerpoint/2010/main" val="3916417936"/>
       </p:ext>
     </p:extLst>
   </p:cSld>
@@ -10654,7 +10630,7 @@
           <a:p>
             <a:r>
               <a:rPr lang="en-US" dirty="0" smtClean="0"/>
-              <a:t>The Issue</a:t>
+              <a:t>Null Object</a:t>
             </a:r>
             <a:endParaRPr lang="en-US" dirty="0"/>
           </a:p>
@@ -10662,7 +10638,7 @@
       </p:sp>
       <p:sp>
         <p:nvSpPr>
-          <p:cNvPr id="3" name="Content Placeholder 2"/>
+          <p:cNvPr id="7" name="Content Placeholder 6"/>
           <p:cNvSpPr>
             <a:spLocks noGrp="1"/>
           </p:cNvSpPr>
@@ -10672,72 +10648,52 @@
         </p:nvSpPr>
         <p:spPr/>
         <p:txBody>
-          <a:bodyPr/>
-          <a:lstStyle/>
-          <a:p>
-            <a:endParaRPr lang="en-US" dirty="0" smtClean="0"/>
-          </a:p>
-          <a:p>
-            <a:r>
-              <a:rPr lang="en-US" sz="4400" dirty="0"/>
-              <a:t>if </a:t>
-            </a:r>
-            <a:r>
-              <a:rPr lang="en-US" sz="4400" dirty="0" smtClean="0"/>
-              <a:t>(</a:t>
-            </a:r>
-            <a:r>
-              <a:rPr lang="en-US" sz="4400" dirty="0" err="1" smtClean="0"/>
-              <a:t>obj</a:t>
-            </a:r>
-            <a:r>
-              <a:rPr lang="en-US" sz="4400" dirty="0" smtClean="0"/>
-              <a:t> != </a:t>
-            </a:r>
-            <a:r>
-              <a:rPr lang="en-US" sz="4400" dirty="0"/>
-              <a:t>null</a:t>
-            </a:r>
-            <a:r>
-              <a:rPr lang="en-US" sz="4400" dirty="0" smtClean="0"/>
-              <a:t>) </a:t>
-            </a:r>
-          </a:p>
-          <a:p>
-            <a:r>
-              <a:rPr lang="en-US" sz="4400" dirty="0" smtClean="0"/>
-              <a:t>{</a:t>
-            </a:r>
-          </a:p>
-          <a:p>
-            <a:r>
-              <a:rPr lang="en-US" sz="4400" dirty="0" smtClean="0"/>
-              <a:t>     </a:t>
-            </a:r>
-            <a:r>
-              <a:rPr lang="en-US" sz="4400" dirty="0" err="1" smtClean="0"/>
-              <a:t>obj.DoIt</a:t>
-            </a:r>
-            <a:r>
-              <a:rPr lang="en-US" sz="4400" dirty="0"/>
-              <a:t>();</a:t>
-            </a:r>
-          </a:p>
-          <a:p>
-            <a:r>
-              <a:rPr lang="en-US" sz="4400" dirty="0" smtClean="0"/>
-              <a:t>}</a:t>
-            </a:r>
-          </a:p>
-          <a:p>
-            <a:endParaRPr lang="en-US" dirty="0"/>
+          <a:bodyPr>
+            <a:normAutofit/>
+          </a:bodyPr>
+          <a:lstStyle/>
+          <a:p>
+            <a:endParaRPr lang="en-US" sz="6000" dirty="0" smtClean="0"/>
+          </a:p>
+          <a:p>
+            <a:pPr marL="201168" lvl="1" indent="0">
+              <a:buNone/>
+            </a:pPr>
+            <a:r>
+              <a:rPr lang="en-US" sz="5800" dirty="0" smtClean="0"/>
+              <a:t>I have nothing to do</a:t>
+            </a:r>
+          </a:p>
+          <a:p>
+            <a:pPr marL="1471400" lvl="8" indent="0">
+              <a:buNone/>
+            </a:pPr>
+            <a:r>
+              <a:rPr lang="en-US" sz="5400" dirty="0" smtClean="0"/>
+              <a:t>…and I’m doing it.</a:t>
+            </a:r>
+            <a:endParaRPr lang="en-US" sz="5400" dirty="0"/>
+          </a:p>
+          <a:p>
+            <a:pPr marL="1471400" lvl="8" indent="0">
+              <a:buNone/>
+            </a:pPr>
+            <a:r>
+              <a:rPr lang="en-US" sz="2400" dirty="0"/>
+              <a:t> </a:t>
+            </a:r>
+            <a:r>
+              <a:rPr lang="en-US" sz="2400" dirty="0" smtClean="0"/>
+              <a:t>                   (With apologies to John Cage)</a:t>
+            </a:r>
+            <a:endParaRPr lang="en-US" sz="5400" dirty="0"/>
           </a:p>
         </p:txBody>
       </p:sp>
     </p:spTree>
     <p:extLst>
       <p:ext uri="{BB962C8B-B14F-4D97-AF65-F5344CB8AC3E}">
-        <p14:creationId xmlns:p14="http://schemas.microsoft.com/office/powerpoint/2010/main" val="3465660404"/>
+        <p14:creationId xmlns:p14="http://schemas.microsoft.com/office/powerpoint/2010/main" val="1921469533"/>
       </p:ext>
     </p:extLst>
   </p:cSld>
@@ -10806,68 +10762,62 @@
         </p:nvSpPr>
         <p:spPr/>
         <p:txBody>
-          <a:bodyPr>
-            <a:normAutofit fontScale="77500" lnSpcReduction="20000"/>
-          </a:bodyPr>
+          <a:bodyPr/>
           <a:lstStyle/>
           <a:p>
             <a:endParaRPr lang="en-US" dirty="0" smtClean="0"/>
           </a:p>
           <a:p>
             <a:r>
-              <a:rPr lang="en-US" sz="4000" dirty="0" smtClean="0"/>
-              <a:t>try </a:t>
-            </a:r>
-          </a:p>
-          <a:p>
-            <a:r>
-              <a:rPr lang="en-US" sz="4000" dirty="0" smtClean="0"/>
+              <a:rPr lang="en-US" sz="4400" dirty="0"/>
+              <a:t>if </a:t>
+            </a:r>
+            <a:r>
+              <a:rPr lang="en-US" sz="4400" dirty="0" smtClean="0"/>
+              <a:t>(</a:t>
+            </a:r>
+            <a:r>
+              <a:rPr lang="en-US" sz="4400" dirty="0" err="1" smtClean="0"/>
+              <a:t>obj</a:t>
+            </a:r>
+            <a:r>
+              <a:rPr lang="en-US" sz="4400" dirty="0" smtClean="0"/>
+              <a:t> != </a:t>
+            </a:r>
+            <a:r>
+              <a:rPr lang="en-US" sz="4400" dirty="0"/>
+              <a:t>null</a:t>
+            </a:r>
+            <a:r>
+              <a:rPr lang="en-US" sz="4400" dirty="0" smtClean="0"/>
+              <a:t>) </a:t>
+            </a:r>
+          </a:p>
+          <a:p>
+            <a:r>
+              <a:rPr lang="en-US" sz="4400" dirty="0" smtClean="0"/>
               <a:t>{</a:t>
             </a:r>
           </a:p>
           <a:p>
             <a:r>
-              <a:rPr lang="en-US" sz="4000" dirty="0" smtClean="0"/>
+              <a:rPr lang="en-US" sz="4400" dirty="0" smtClean="0"/>
               <a:t>     </a:t>
             </a:r>
             <a:r>
-              <a:rPr lang="en-US" sz="4000" dirty="0" err="1" smtClean="0"/>
+              <a:rPr lang="en-US" sz="4400" dirty="0" err="1" smtClean="0"/>
               <a:t>obj.DoIt</a:t>
             </a:r>
             <a:r>
-              <a:rPr lang="en-US" sz="4000" dirty="0" smtClean="0"/>
+              <a:rPr lang="en-US" sz="4400" dirty="0"/>
               <a:t>();</a:t>
             </a:r>
-            <a:endParaRPr lang="en-US" sz="4000" dirty="0"/>
-          </a:p>
-          <a:p>
-            <a:r>
-              <a:rPr lang="en-US" sz="4000" dirty="0" smtClean="0"/>
+          </a:p>
+          <a:p>
+            <a:r>
+              <a:rPr lang="en-US" sz="4400" dirty="0" smtClean="0"/>
               <a:t>}</a:t>
             </a:r>
-          </a:p>
-          <a:p>
-            <a:r>
-              <a:rPr lang="en-US" sz="4000" dirty="0"/>
-              <a:t>c</a:t>
-            </a:r>
-            <a:r>
-              <a:rPr lang="en-US" sz="4000" dirty="0" smtClean="0"/>
-              <a:t>atch()</a:t>
-            </a:r>
-          </a:p>
-          <a:p>
-            <a:r>
-              <a:rPr lang="en-US" sz="4000" dirty="0" smtClean="0"/>
-              <a:t>{</a:t>
-            </a:r>
-          </a:p>
-          <a:p>
-            <a:r>
-              <a:rPr lang="en-US" sz="4000" dirty="0"/>
-              <a:t>}</a:t>
-            </a:r>
-            <a:endParaRPr lang="en-US" sz="4000" dirty="0" smtClean="0"/>
           </a:p>
           <a:p>
             <a:endParaRPr lang="en-US" dirty="0"/>
@@ -10877,7 +10827,7 @@
     </p:spTree>
     <p:extLst>
       <p:ext uri="{BB962C8B-B14F-4D97-AF65-F5344CB8AC3E}">
-        <p14:creationId xmlns:p14="http://schemas.microsoft.com/office/powerpoint/2010/main" val="799807654"/>
+        <p14:creationId xmlns:p14="http://schemas.microsoft.com/office/powerpoint/2010/main" val="3465660404"/>
       </p:ext>
     </p:extLst>
   </p:cSld>
@@ -10974,21 +10924,13 @@
           <a:p>
             <a:r>
               <a:rPr lang="en-US" sz="3200" dirty="0" smtClean="0"/>
-              <a:t>Currently </a:t>
-            </a:r>
+              <a:t>Currently live in Springboro</a:t>
+            </a:r>
+          </a:p>
+          <a:p>
             <a:r>
               <a:rPr lang="en-US" sz="3200" dirty="0" smtClean="0"/>
-              <a:t>live in Springboro</a:t>
-            </a:r>
-          </a:p>
-          <a:p>
-            <a:r>
-              <a:rPr lang="en-US" sz="3200" dirty="0" smtClean="0"/>
-              <a:t>Nine </a:t>
-            </a:r>
-            <a:r>
-              <a:rPr lang="en-US" sz="3200" dirty="0" smtClean="0"/>
-              <a:t>Grandchildren (including triplet granddaughters)</a:t>
+              <a:t>Nine Grandchildren (including triplet granddaughters)</a:t>
             </a:r>
           </a:p>
           <a:p>
@@ -11071,23 +11013,78 @@
         </p:nvSpPr>
         <p:spPr/>
         <p:txBody>
-          <a:bodyPr/>
+          <a:bodyPr>
+            <a:normAutofit fontScale="77500" lnSpcReduction="20000"/>
+          </a:bodyPr>
           <a:lstStyle/>
           <a:p>
             <a:endParaRPr lang="en-US" dirty="0" smtClean="0"/>
           </a:p>
           <a:p>
             <a:r>
-              <a:rPr lang="en-US" sz="4400" dirty="0" smtClean="0"/>
-              <a:t>The irony: If it’s not important enough to throw an exception or log a message, then why clutter up your code?</a:t>
-            </a:r>
+              <a:rPr lang="en-US" sz="4000" dirty="0" smtClean="0"/>
+              <a:t>try </a:t>
+            </a:r>
+          </a:p>
+          <a:p>
+            <a:r>
+              <a:rPr lang="en-US" sz="4000" dirty="0" smtClean="0"/>
+              <a:t>{</a:t>
+            </a:r>
+          </a:p>
+          <a:p>
+            <a:r>
+              <a:rPr lang="en-US" sz="4000" dirty="0" smtClean="0"/>
+              <a:t>     </a:t>
+            </a:r>
+            <a:r>
+              <a:rPr lang="en-US" sz="4000" dirty="0" err="1" smtClean="0"/>
+              <a:t>obj.DoIt</a:t>
+            </a:r>
+            <a:r>
+              <a:rPr lang="en-US" sz="4000" dirty="0" smtClean="0"/>
+              <a:t>();</a:t>
+            </a:r>
+            <a:endParaRPr lang="en-US" sz="4000" dirty="0"/>
+          </a:p>
+          <a:p>
+            <a:r>
+              <a:rPr lang="en-US" sz="4000" dirty="0" smtClean="0"/>
+              <a:t>}</a:t>
+            </a:r>
+          </a:p>
+          <a:p>
+            <a:r>
+              <a:rPr lang="en-US" sz="4000" dirty="0"/>
+              <a:t>c</a:t>
+            </a:r>
+            <a:r>
+              <a:rPr lang="en-US" sz="4000" dirty="0" smtClean="0"/>
+              <a:t>atch()</a:t>
+            </a:r>
+          </a:p>
+          <a:p>
+            <a:r>
+              <a:rPr lang="en-US" sz="4000" dirty="0" smtClean="0"/>
+              <a:t>{</a:t>
+            </a:r>
+          </a:p>
+          <a:p>
+            <a:r>
+              <a:rPr lang="en-US" sz="4000" dirty="0"/>
+              <a:t>}</a:t>
+            </a:r>
+            <a:endParaRPr lang="en-US" sz="4000" dirty="0" smtClean="0"/>
+          </a:p>
+          <a:p>
+            <a:endParaRPr lang="en-US" dirty="0"/>
           </a:p>
         </p:txBody>
       </p:sp>
     </p:spTree>
     <p:extLst>
       <p:ext uri="{BB962C8B-B14F-4D97-AF65-F5344CB8AC3E}">
-        <p14:creationId xmlns:p14="http://schemas.microsoft.com/office/powerpoint/2010/main" val="3669601925"/>
+        <p14:creationId xmlns:p14="http://schemas.microsoft.com/office/powerpoint/2010/main" val="799807654"/>
       </p:ext>
     </p:extLst>
   </p:cSld>
@@ -11138,6 +11135,91 @@
           <a:p>
             <a:r>
               <a:rPr lang="en-US" dirty="0" smtClean="0"/>
+              <a:t>The Issue</a:t>
+            </a:r>
+            <a:endParaRPr lang="en-US" dirty="0"/>
+          </a:p>
+        </p:txBody>
+      </p:sp>
+      <p:sp>
+        <p:nvSpPr>
+          <p:cNvPr id="3" name="Content Placeholder 2"/>
+          <p:cNvSpPr>
+            <a:spLocks noGrp="1"/>
+          </p:cNvSpPr>
+          <p:nvPr>
+            <p:ph idx="1"/>
+          </p:nvPr>
+        </p:nvSpPr>
+        <p:spPr/>
+        <p:txBody>
+          <a:bodyPr/>
+          <a:lstStyle/>
+          <a:p>
+            <a:endParaRPr lang="en-US" dirty="0" smtClean="0"/>
+          </a:p>
+          <a:p>
+            <a:r>
+              <a:rPr lang="en-US" sz="4400" dirty="0" smtClean="0"/>
+              <a:t>The irony: If it’s not important enough to throw an exception or log a message, then why clutter up your code?</a:t>
+            </a:r>
+          </a:p>
+        </p:txBody>
+      </p:sp>
+    </p:spTree>
+    <p:extLst>
+      <p:ext uri="{BB962C8B-B14F-4D97-AF65-F5344CB8AC3E}">
+        <p14:creationId xmlns:p14="http://schemas.microsoft.com/office/powerpoint/2010/main" val="3669601925"/>
+      </p:ext>
+    </p:extLst>
+  </p:cSld>
+  <p:clrMapOvr>
+    <a:masterClrMapping/>
+  </p:clrMapOvr>
+  <p:timing>
+    <p:tnLst>
+      <p:par>
+        <p:cTn id="1" dur="indefinite" restart="never" nodeType="tmRoot"/>
+      </p:par>
+    </p:tnLst>
+  </p:timing>
+</p:sld>
+</file>
+
+<file path=ppt/slides/slide22.xml><?xml version="1.0" encoding="utf-8"?>
+<p:sld xmlns:a="http://schemas.openxmlformats.org/drawingml/2006/main" xmlns:r="http://schemas.openxmlformats.org/officeDocument/2006/relationships" xmlns:p="http://schemas.openxmlformats.org/presentationml/2006/main">
+  <p:cSld>
+    <p:spTree>
+      <p:nvGrpSpPr>
+        <p:cNvPr id="1" name=""/>
+        <p:cNvGrpSpPr/>
+        <p:nvPr/>
+      </p:nvGrpSpPr>
+      <p:grpSpPr>
+        <a:xfrm>
+          <a:off x="0" y="0"/>
+          <a:ext cx="0" cy="0"/>
+          <a:chOff x="0" y="0"/>
+          <a:chExt cx="0" cy="0"/>
+        </a:xfrm>
+      </p:grpSpPr>
+      <p:sp>
+        <p:nvSpPr>
+          <p:cNvPr id="2" name="Title 1"/>
+          <p:cNvSpPr>
+            <a:spLocks noGrp="1"/>
+          </p:cNvSpPr>
+          <p:nvPr>
+            <p:ph type="title"/>
+          </p:nvPr>
+        </p:nvSpPr>
+        <p:spPr/>
+        <p:txBody>
+          <a:bodyPr/>
+          <a:lstStyle/>
+          <a:p>
+            <a:r>
+              <a:rPr lang="en-US" dirty="0" smtClean="0"/>
               <a:t>The Solution: Null Object</a:t>
             </a:r>
             <a:endParaRPr lang="en-US" dirty="0"/>
@@ -11290,7 +11372,7 @@
 </p:sld>
 </file>
 
-<file path=ppt/slides/slide22.xml><?xml version="1.0" encoding="utf-8"?>
+<file path=ppt/slides/slide23.xml><?xml version="1.0" encoding="utf-8"?>
 <p:sld xmlns:a="http://schemas.openxmlformats.org/drawingml/2006/main" xmlns:r="http://schemas.openxmlformats.org/officeDocument/2006/relationships" xmlns:p="http://schemas.openxmlformats.org/presentationml/2006/main">
   <p:cSld>
     <p:spTree>
@@ -11407,66 +11489,6 @@
 </p:sld>
 </file>
 
-<file path=ppt/slides/slide23.xml><?xml version="1.0" encoding="utf-8"?>
-<p:sld xmlns:a="http://schemas.openxmlformats.org/drawingml/2006/main" xmlns:r="http://schemas.openxmlformats.org/officeDocument/2006/relationships" xmlns:p="http://schemas.openxmlformats.org/presentationml/2006/main">
-  <p:cSld>
-    <p:spTree>
-      <p:nvGrpSpPr>
-        <p:cNvPr id="1" name=""/>
-        <p:cNvGrpSpPr/>
-        <p:nvPr/>
-      </p:nvGrpSpPr>
-      <p:grpSpPr>
-        <a:xfrm>
-          <a:off x="0" y="0"/>
-          <a:ext cx="0" cy="0"/>
-          <a:chOff x="0" y="0"/>
-          <a:chExt cx="0" cy="0"/>
-        </a:xfrm>
-      </p:grpSpPr>
-      <p:sp>
-        <p:nvSpPr>
-          <p:cNvPr id="2" name="Title 1"/>
-          <p:cNvSpPr>
-            <a:spLocks noGrp="1"/>
-          </p:cNvSpPr>
-          <p:nvPr>
-            <p:ph type="title"/>
-          </p:nvPr>
-        </p:nvSpPr>
-        <p:spPr/>
-        <p:txBody>
-          <a:bodyPr/>
-          <a:lstStyle/>
-          <a:p>
-            <a:r>
-              <a:rPr lang="en-US" dirty="0" smtClean="0"/>
-              <a:t>Demo</a:t>
-            </a:r>
-            <a:endParaRPr lang="en-US" dirty="0"/>
-          </a:p>
-        </p:txBody>
-      </p:sp>
-    </p:spTree>
-    <p:extLst>
-      <p:ext uri="{BB962C8B-B14F-4D97-AF65-F5344CB8AC3E}">
-        <p14:creationId xmlns:p14="http://schemas.microsoft.com/office/powerpoint/2010/main" val="214438662"/>
-      </p:ext>
-    </p:extLst>
-  </p:cSld>
-  <p:clrMapOvr>
-    <a:masterClrMapping/>
-  </p:clrMapOvr>
-  <p:timing>
-    <p:tnLst>
-      <p:par>
-        <p:cTn id="1" dur="indefinite" restart="never" nodeType="tmRoot"/>
-      </p:par>
-    </p:tnLst>
-  </p:timing>
-</p:sld>
-</file>
-
 <file path=ppt/slides/slide24.xml><?xml version="1.0" encoding="utf-8"?>
 <p:sld xmlns:a="http://schemas.openxmlformats.org/drawingml/2006/main" xmlns:r="http://schemas.openxmlformats.org/officeDocument/2006/relationships" xmlns:p="http://schemas.openxmlformats.org/presentationml/2006/main">
   <p:cSld>
@@ -11501,68 +11523,7 @@
           <a:p>
             <a:r>
               <a:rPr lang="en-US" dirty="0" smtClean="0"/>
-              <a:t>Summary</a:t>
-            </a:r>
-            <a:endParaRPr lang="en-US" dirty="0"/>
-          </a:p>
-        </p:txBody>
-      </p:sp>
-      <p:sp>
-        <p:nvSpPr>
-          <p:cNvPr id="3" name="Content Placeholder 2"/>
-          <p:cNvSpPr>
-            <a:spLocks noGrp="1"/>
-          </p:cNvSpPr>
-          <p:nvPr>
-            <p:ph idx="1"/>
-          </p:nvPr>
-        </p:nvSpPr>
-        <p:spPr/>
-        <p:txBody>
-          <a:bodyPr/>
-          <a:lstStyle/>
-          <a:p>
-            <a:r>
-              <a:rPr lang="en-US" dirty="0" smtClean="0"/>
-              <a:t>Checks for null references can clutter your code</a:t>
-            </a:r>
-          </a:p>
-          <a:p>
-            <a:r>
-              <a:rPr lang="en-US" dirty="0" smtClean="0"/>
-              <a:t>Many times the null reference does not indicate a problem.</a:t>
-            </a:r>
-          </a:p>
-          <a:p>
-            <a:r>
-              <a:rPr lang="en-US" dirty="0" smtClean="0"/>
-              <a:t>If you are doing null checks and not doing anything with that knowledge, then the Null Object pattern can eliminate a lot of clutter.</a:t>
-            </a:r>
-          </a:p>
-          <a:p>
-            <a:r>
-              <a:rPr lang="en-US" dirty="0" smtClean="0"/>
-              <a:t>Provide an object that does nothing when the actual object reference is null.</a:t>
-            </a:r>
-          </a:p>
-          <a:p>
-            <a:r>
-              <a:rPr lang="en-US" dirty="0" smtClean="0"/>
-              <a:t>We see this pattern already in collections…we don’t need to protect them when we enter a </a:t>
-            </a:r>
-            <a:r>
-              <a:rPr lang="en-US" dirty="0" err="1" smtClean="0"/>
-              <a:t>foreach</a:t>
-            </a:r>
-            <a:r>
-              <a:rPr lang="en-US" dirty="0" smtClean="0"/>
-              <a:t> loop.</a:t>
-            </a:r>
-          </a:p>
-          <a:p>
-            <a:r>
-              <a:rPr lang="en-US" dirty="0" smtClean="0"/>
-              <a:t>C# 6.0 introduces the null propagation operator, which smell a lot like the Null Object pattern.</a:t>
+              <a:t>Demo</a:t>
             </a:r>
             <a:endParaRPr lang="en-US" dirty="0"/>
           </a:p>
@@ -11571,7 +11532,7 @@
     </p:spTree>
     <p:extLst>
       <p:ext uri="{BB962C8B-B14F-4D97-AF65-F5344CB8AC3E}">
-        <p14:creationId xmlns:p14="http://schemas.microsoft.com/office/powerpoint/2010/main" val="2725001429"/>
+        <p14:creationId xmlns:p14="http://schemas.microsoft.com/office/powerpoint/2010/main" val="214438662"/>
       </p:ext>
     </p:extLst>
   </p:cSld>
@@ -11622,7 +11583,7 @@
           <a:p>
             <a:r>
               <a:rPr lang="en-US" dirty="0" smtClean="0"/>
-              <a:t>Memento</a:t>
+              <a:t>Summary</a:t>
             </a:r>
             <a:endParaRPr lang="en-US" dirty="0"/>
           </a:p>
@@ -11644,31 +11605,55 @@
           <a:lstStyle/>
           <a:p>
             <a:r>
-              <a:rPr lang="en-US" sz="5800" dirty="0" smtClean="0"/>
-              <a:t>Rule #3 – Never </a:t>
-            </a:r>
-          </a:p>
-          <a:p>
-            <a:r>
-              <a:rPr lang="en-US" sz="5800" dirty="0" smtClean="0"/>
-              <a:t>open the package</a:t>
-            </a:r>
-          </a:p>
-          <a:p>
+              <a:rPr lang="en-US" dirty="0" smtClean="0"/>
+              <a:t>Checks for null references can clutter your code</a:t>
+            </a:r>
+          </a:p>
+          <a:p>
+            <a:r>
+              <a:rPr lang="en-US" dirty="0" smtClean="0"/>
+              <a:t>Many times the null reference does not indicate a problem.</a:t>
+            </a:r>
+          </a:p>
+          <a:p>
+            <a:r>
+              <a:rPr lang="en-US" dirty="0" smtClean="0"/>
+              <a:t>If you are doing null checks and not doing anything with that knowledge, then the Null Object pattern can eliminate a lot of clutter.</a:t>
+            </a:r>
+          </a:p>
+          <a:p>
+            <a:r>
+              <a:rPr lang="en-US" dirty="0" smtClean="0"/>
+              <a:t>Provide an object that does nothing when the actual object reference is null.</a:t>
+            </a:r>
+          </a:p>
+          <a:p>
+            <a:r>
+              <a:rPr lang="en-US" dirty="0" smtClean="0"/>
+              <a:t>We see this pattern already in collections…we don’t need to protect them when we enter a </a:t>
+            </a:r>
+            <a:r>
+              <a:rPr lang="en-US" dirty="0" err="1" smtClean="0"/>
+              <a:t>foreach</a:t>
+            </a:r>
+            <a:r>
+              <a:rPr lang="en-US" dirty="0" smtClean="0"/>
+              <a:t> loop.</a:t>
+            </a:r>
+          </a:p>
+          <a:p>
+            <a:r>
+              <a:rPr lang="en-US" dirty="0" smtClean="0"/>
+              <a:t>C# 6.0 introduces the null propagation operator, which smell a lot like the Null Object pattern.</a:t>
+            </a:r>
             <a:endParaRPr lang="en-US" dirty="0"/>
-          </a:p>
-          <a:p>
-            <a:endParaRPr lang="en-US" dirty="0"/>
-          </a:p>
-          <a:p>
-            <a:endParaRPr lang="en-US" dirty="0" smtClean="0"/>
           </a:p>
         </p:txBody>
       </p:sp>
     </p:spTree>
     <p:extLst>
       <p:ext uri="{BB962C8B-B14F-4D97-AF65-F5344CB8AC3E}">
-        <p14:creationId xmlns:p14="http://schemas.microsoft.com/office/powerpoint/2010/main" val="2886158473"/>
+        <p14:creationId xmlns:p14="http://schemas.microsoft.com/office/powerpoint/2010/main" val="2725001429"/>
       </p:ext>
     </p:extLst>
   </p:cSld>
@@ -11719,7 +11704,7 @@
           <a:p>
             <a:r>
               <a:rPr lang="en-US" dirty="0" smtClean="0"/>
-              <a:t>The Issue</a:t>
+              <a:t>Memento</a:t>
             </a:r>
             <a:endParaRPr lang="en-US" dirty="0"/>
           </a:p>
@@ -11741,20 +11726,14 @@
           <a:lstStyle/>
           <a:p>
             <a:r>
-              <a:rPr lang="en-US" sz="4400" dirty="0" smtClean="0"/>
-              <a:t>You sometimes need to restore an object or a module to a previous state</a:t>
-            </a:r>
-          </a:p>
-          <a:p>
-            <a:r>
-              <a:rPr lang="en-US" sz="4400" dirty="0" smtClean="0"/>
-              <a:t>-- undo</a:t>
-            </a:r>
-          </a:p>
-          <a:p>
-            <a:r>
-              <a:rPr lang="en-US" sz="4400" dirty="0" smtClean="0"/>
-              <a:t>-- checkpoints</a:t>
+              <a:rPr lang="en-US" sz="5800" dirty="0" smtClean="0"/>
+              <a:t>Rule #3 – Never </a:t>
+            </a:r>
+          </a:p>
+          <a:p>
+            <a:r>
+              <a:rPr lang="en-US" sz="5800" dirty="0" smtClean="0"/>
+              <a:t>open the package</a:t>
             </a:r>
           </a:p>
           <a:p>
@@ -11771,7 +11750,7 @@
     </p:spTree>
     <p:extLst>
       <p:ext uri="{BB962C8B-B14F-4D97-AF65-F5344CB8AC3E}">
-        <p14:creationId xmlns:p14="http://schemas.microsoft.com/office/powerpoint/2010/main" val="328503808"/>
+        <p14:creationId xmlns:p14="http://schemas.microsoft.com/office/powerpoint/2010/main" val="2886158473"/>
       </p:ext>
     </p:extLst>
   </p:cSld>
@@ -11843,6 +11822,109 @@
           <a:bodyPr/>
           <a:lstStyle/>
           <a:p>
+            <a:r>
+              <a:rPr lang="en-US" sz="4400" dirty="0" smtClean="0"/>
+              <a:t>You sometimes need to restore an object or a module to a previous state</a:t>
+            </a:r>
+          </a:p>
+          <a:p>
+            <a:r>
+              <a:rPr lang="en-US" sz="4400" dirty="0" smtClean="0"/>
+              <a:t>-- undo</a:t>
+            </a:r>
+          </a:p>
+          <a:p>
+            <a:r>
+              <a:rPr lang="en-US" sz="4400" dirty="0" smtClean="0"/>
+              <a:t>-- checkpoints</a:t>
+            </a:r>
+          </a:p>
+          <a:p>
+            <a:endParaRPr lang="en-US" dirty="0"/>
+          </a:p>
+          <a:p>
+            <a:endParaRPr lang="en-US" dirty="0"/>
+          </a:p>
+          <a:p>
+            <a:endParaRPr lang="en-US" dirty="0" smtClean="0"/>
+          </a:p>
+        </p:txBody>
+      </p:sp>
+    </p:spTree>
+    <p:extLst>
+      <p:ext uri="{BB962C8B-B14F-4D97-AF65-F5344CB8AC3E}">
+        <p14:creationId xmlns:p14="http://schemas.microsoft.com/office/powerpoint/2010/main" val="328503808"/>
+      </p:ext>
+    </p:extLst>
+  </p:cSld>
+  <p:clrMapOvr>
+    <a:masterClrMapping/>
+  </p:clrMapOvr>
+  <p:timing>
+    <p:tnLst>
+      <p:par>
+        <p:cTn id="1" dur="indefinite" restart="never" nodeType="tmRoot"/>
+      </p:par>
+    </p:tnLst>
+  </p:timing>
+</p:sld>
+</file>
+
+<file path=ppt/slides/slide28.xml><?xml version="1.0" encoding="utf-8"?>
+<p:sld xmlns:a="http://schemas.openxmlformats.org/drawingml/2006/main" xmlns:r="http://schemas.openxmlformats.org/officeDocument/2006/relationships" xmlns:p="http://schemas.openxmlformats.org/presentationml/2006/main">
+  <p:cSld>
+    <p:spTree>
+      <p:nvGrpSpPr>
+        <p:cNvPr id="1" name=""/>
+        <p:cNvGrpSpPr/>
+        <p:nvPr/>
+      </p:nvGrpSpPr>
+      <p:grpSpPr>
+        <a:xfrm>
+          <a:off x="0" y="0"/>
+          <a:ext cx="0" cy="0"/>
+          <a:chOff x="0" y="0"/>
+          <a:chExt cx="0" cy="0"/>
+        </a:xfrm>
+      </p:grpSpPr>
+      <p:sp>
+        <p:nvSpPr>
+          <p:cNvPr id="2" name="Title 1"/>
+          <p:cNvSpPr>
+            <a:spLocks noGrp="1"/>
+          </p:cNvSpPr>
+          <p:nvPr>
+            <p:ph type="title"/>
+          </p:nvPr>
+        </p:nvSpPr>
+        <p:spPr/>
+        <p:txBody>
+          <a:bodyPr/>
+          <a:lstStyle/>
+          <a:p>
+            <a:r>
+              <a:rPr lang="en-US" dirty="0" smtClean="0"/>
+              <a:t>The Issue</a:t>
+            </a:r>
+            <a:endParaRPr lang="en-US" dirty="0"/>
+          </a:p>
+        </p:txBody>
+      </p:sp>
+      <p:sp>
+        <p:nvSpPr>
+          <p:cNvPr id="3" name="Content Placeholder 2"/>
+          <p:cNvSpPr>
+            <a:spLocks noGrp="1"/>
+          </p:cNvSpPr>
+          <p:nvPr>
+            <p:ph idx="1"/>
+          </p:nvPr>
+        </p:nvSpPr>
+        <p:spPr/>
+        <p:txBody>
+          <a:bodyPr/>
+          <a:lstStyle/>
+          <a:p>
             <a:endParaRPr lang="en-US" sz="4400" dirty="0" smtClean="0"/>
           </a:p>
           <a:p>
@@ -11877,7 +11959,7 @@
 </p:sld>
 </file>
 
-<file path=ppt/slides/slide28.xml><?xml version="1.0" encoding="utf-8"?>
+<file path=ppt/slides/slide29.xml><?xml version="1.0" encoding="utf-8"?>
 <p:sld xmlns:a="http://schemas.openxmlformats.org/drawingml/2006/main" xmlns:r="http://schemas.openxmlformats.org/officeDocument/2006/relationships" xmlns:p="http://schemas.openxmlformats.org/presentationml/2006/main">
   <p:cSld>
     <p:spTree>
@@ -11996,66 +12078,6 @@
 </p:sld>
 </file>
 
-<file path=ppt/slides/slide29.xml><?xml version="1.0" encoding="utf-8"?>
-<p:sld xmlns:a="http://schemas.openxmlformats.org/drawingml/2006/main" xmlns:r="http://schemas.openxmlformats.org/officeDocument/2006/relationships" xmlns:p="http://schemas.openxmlformats.org/presentationml/2006/main">
-  <p:cSld>
-    <p:spTree>
-      <p:nvGrpSpPr>
-        <p:cNvPr id="1" name=""/>
-        <p:cNvGrpSpPr/>
-        <p:nvPr/>
-      </p:nvGrpSpPr>
-      <p:grpSpPr>
-        <a:xfrm>
-          <a:off x="0" y="0"/>
-          <a:ext cx="0" cy="0"/>
-          <a:chOff x="0" y="0"/>
-          <a:chExt cx="0" cy="0"/>
-        </a:xfrm>
-      </p:grpSpPr>
-      <p:sp>
-        <p:nvSpPr>
-          <p:cNvPr id="2" name="Title 1"/>
-          <p:cNvSpPr>
-            <a:spLocks noGrp="1"/>
-          </p:cNvSpPr>
-          <p:nvPr>
-            <p:ph type="title"/>
-          </p:nvPr>
-        </p:nvSpPr>
-        <p:spPr/>
-        <p:txBody>
-          <a:bodyPr/>
-          <a:lstStyle/>
-          <a:p>
-            <a:r>
-              <a:rPr lang="en-US" dirty="0" smtClean="0"/>
-              <a:t>Demo</a:t>
-            </a:r>
-            <a:endParaRPr lang="en-US" dirty="0"/>
-          </a:p>
-        </p:txBody>
-      </p:sp>
-    </p:spTree>
-    <p:extLst>
-      <p:ext uri="{BB962C8B-B14F-4D97-AF65-F5344CB8AC3E}">
-        <p14:creationId xmlns:p14="http://schemas.microsoft.com/office/powerpoint/2010/main" val="2930513783"/>
-      </p:ext>
-    </p:extLst>
-  </p:cSld>
-  <p:clrMapOvr>
-    <a:masterClrMapping/>
-  </p:clrMapOvr>
-  <p:timing>
-    <p:tnLst>
-      <p:par>
-        <p:cTn id="1" dur="indefinite" restart="never" nodeType="tmRoot"/>
-      </p:par>
-    </p:tnLst>
-  </p:timing>
-</p:sld>
-</file>
-
 <file path=ppt/slides/slide3.xml><?xml version="1.0" encoding="utf-8"?>
 <p:sld xmlns:a="http://schemas.openxmlformats.org/drawingml/2006/main" xmlns:r="http://schemas.openxmlformats.org/officeDocument/2006/relationships" xmlns:p="http://schemas.openxmlformats.org/presentationml/2006/main">
   <p:cSld>
@@ -12073,157 +12095,196 @@
           <a:chExt cx="0" cy="0"/>
         </a:xfrm>
       </p:grpSpPr>
-      <p:sp>
-        <p:nvSpPr>
-          <p:cNvPr id="2" name="Title 1"/>
-          <p:cNvSpPr>
-            <a:spLocks noGrp="1"/>
-          </p:cNvSpPr>
-          <p:nvPr>
-            <p:ph type="title"/>
-          </p:nvPr>
-        </p:nvSpPr>
-        <p:spPr/>
-        <p:txBody>
-          <a:bodyPr/>
-          <a:lstStyle/>
-          <a:p>
-            <a:r>
-              <a:rPr lang="en-US" dirty="0" smtClean="0"/>
-              <a:t>Strategic Data Systems – What We Do</a:t>
-            </a:r>
-            <a:endParaRPr lang="en-US" dirty="0"/>
-          </a:p>
-        </p:txBody>
-      </p:sp>
-      <p:sp>
-        <p:nvSpPr>
-          <p:cNvPr id="3" name="Content Placeholder 2"/>
-          <p:cNvSpPr>
-            <a:spLocks noGrp="1"/>
-          </p:cNvSpPr>
-          <p:nvPr>
-            <p:ph idx="1"/>
-          </p:nvPr>
-        </p:nvSpPr>
-        <p:spPr/>
-        <p:txBody>
-          <a:bodyPr/>
-          <a:lstStyle/>
-          <a:p>
-            <a:pPr>
-              <a:buFont typeface="Wingdings" panose="05000000000000000000" pitchFamily="2" charset="2"/>
-              <a:buChar char="Ø"/>
-            </a:pPr>
-            <a:r>
-              <a:rPr lang="en-US" dirty="0" smtClean="0"/>
-              <a:t> Application Development and Application Renovations</a:t>
-            </a:r>
-          </a:p>
-          <a:p>
-            <a:pPr lvl="1">
-              <a:buFont typeface="Wingdings" panose="05000000000000000000" pitchFamily="2" charset="2"/>
-              <a:buChar char="Ø"/>
-            </a:pPr>
-            <a:r>
-              <a:rPr lang="en-US" dirty="0" smtClean="0"/>
-              <a:t>Architecture, Development, and Architectural Design Reviews</a:t>
-            </a:r>
-          </a:p>
-          <a:p>
-            <a:pPr lvl="1">
-              <a:buFont typeface="Wingdings" panose="05000000000000000000" pitchFamily="2" charset="2"/>
-              <a:buChar char="Ø"/>
-            </a:pPr>
-            <a:r>
-              <a:rPr lang="en-US" dirty="0" smtClean="0"/>
-              <a:t>.NET, Java, SharePoint</a:t>
-            </a:r>
-          </a:p>
-          <a:p>
-            <a:pPr>
-              <a:buFont typeface="Wingdings" panose="05000000000000000000" pitchFamily="2" charset="2"/>
-              <a:buChar char="Ø"/>
-            </a:pPr>
-            <a:r>
-              <a:rPr lang="en-US" dirty="0" smtClean="0"/>
-              <a:t>Agility – Agile Coaching and Transformations</a:t>
-            </a:r>
-          </a:p>
-          <a:p>
-            <a:pPr>
-              <a:buFont typeface="Wingdings" panose="05000000000000000000" pitchFamily="2" charset="2"/>
-              <a:buChar char="Ø"/>
-            </a:pPr>
-            <a:r>
-              <a:rPr lang="en-US" dirty="0" smtClean="0"/>
-              <a:t>Cloud Enablement</a:t>
-            </a:r>
-          </a:p>
-          <a:p>
-            <a:pPr>
-              <a:buFont typeface="Wingdings" panose="05000000000000000000" pitchFamily="2" charset="2"/>
-              <a:buChar char="Ø"/>
-            </a:pPr>
-            <a:r>
-              <a:rPr lang="en-US" dirty="0" smtClean="0"/>
-              <a:t>Mobile – iOS, Android, Windows</a:t>
-            </a:r>
-          </a:p>
-          <a:p>
-            <a:pPr>
-              <a:buFont typeface="Wingdings" panose="05000000000000000000" pitchFamily="2" charset="2"/>
-              <a:buChar char="Ø"/>
-            </a:pPr>
-            <a:r>
-              <a:rPr lang="en-US" dirty="0" smtClean="0"/>
-              <a:t>Training – Agile, .NET</a:t>
-            </a:r>
-          </a:p>
-          <a:p>
-            <a:pPr>
-              <a:buFont typeface="Wingdings" panose="05000000000000000000" pitchFamily="2" charset="2"/>
-              <a:buChar char="Ø"/>
-            </a:pPr>
-            <a:r>
-              <a:rPr lang="en-US" dirty="0" smtClean="0"/>
-              <a:t>Our place or yours!</a:t>
-            </a:r>
-            <a:br>
-              <a:rPr lang="en-US" dirty="0" smtClean="0"/>
-            </a:br>
-            <a:endParaRPr lang="en-US" dirty="0" smtClean="0"/>
-          </a:p>
-          <a:p>
-            <a:pPr>
-              <a:buFont typeface="Wingdings" panose="05000000000000000000" pitchFamily="2" charset="2"/>
-              <a:buChar char="Ø"/>
-            </a:pPr>
-            <a:r>
-              <a:rPr lang="en-US" dirty="0" smtClean="0"/>
-              <a:t> Contact me at ken.baum@sds-consulting.com</a:t>
-            </a:r>
-            <a:endParaRPr lang="en-US" dirty="0"/>
-          </a:p>
-        </p:txBody>
-      </p:sp>
+      <p:pic>
+        <p:nvPicPr>
+          <p:cNvPr id="2" name="Picture 1"/>
+          <p:cNvPicPr>
+            <a:picLocks noChangeAspect="1"/>
+          </p:cNvPicPr>
+          <p:nvPr/>
+        </p:nvPicPr>
+        <p:blipFill>
+          <a:blip r:embed="rId2" cstate="print">
+            <a:extLst>
+              <a:ext uri="{28A0092B-C50C-407E-A947-70E740481C1C}">
+                <a14:useLocalDpi xmlns:a14="http://schemas.microsoft.com/office/drawing/2010/main" val="0"/>
+              </a:ext>
+            </a:extLst>
+          </a:blip>
+          <a:stretch>
+            <a:fillRect/>
+          </a:stretch>
+        </p:blipFill>
+        <p:spPr>
+          <a:xfrm>
+            <a:off x="523143" y="3270738"/>
+            <a:ext cx="2083777" cy="2778369"/>
+          </a:xfrm>
+          <a:prstGeom prst="rect">
+            <a:avLst/>
+          </a:prstGeom>
+        </p:spPr>
+      </p:pic>
+      <p:pic>
+        <p:nvPicPr>
+          <p:cNvPr id="3" name="Picture 2"/>
+          <p:cNvPicPr>
+            <a:picLocks noChangeAspect="1"/>
+          </p:cNvPicPr>
+          <p:nvPr/>
+        </p:nvPicPr>
+        <p:blipFill>
+          <a:blip r:embed="rId3" cstate="print">
+            <a:extLst>
+              <a:ext uri="{28A0092B-C50C-407E-A947-70E740481C1C}">
+                <a14:useLocalDpi xmlns:a14="http://schemas.microsoft.com/office/drawing/2010/main" val="0"/>
+              </a:ext>
+            </a:extLst>
+          </a:blip>
+          <a:stretch>
+            <a:fillRect/>
+          </a:stretch>
+        </p:blipFill>
+        <p:spPr>
+          <a:xfrm>
+            <a:off x="523143" y="234460"/>
+            <a:ext cx="2083777" cy="2778369"/>
+          </a:xfrm>
+          <a:prstGeom prst="rect">
+            <a:avLst/>
+          </a:prstGeom>
+        </p:spPr>
+      </p:pic>
+      <p:pic>
+        <p:nvPicPr>
+          <p:cNvPr id="4" name="Picture 3"/>
+          <p:cNvPicPr>
+            <a:picLocks noChangeAspect="1"/>
+          </p:cNvPicPr>
+          <p:nvPr/>
+        </p:nvPicPr>
+        <p:blipFill>
+          <a:blip r:embed="rId4" cstate="print">
+            <a:extLst>
+              <a:ext uri="{28A0092B-C50C-407E-A947-70E740481C1C}">
+                <a14:useLocalDpi xmlns:a14="http://schemas.microsoft.com/office/drawing/2010/main" val="0"/>
+              </a:ext>
+            </a:extLst>
+          </a:blip>
+          <a:stretch>
+            <a:fillRect/>
+          </a:stretch>
+        </p:blipFill>
+        <p:spPr>
+          <a:xfrm>
+            <a:off x="9350619" y="234459"/>
+            <a:ext cx="2083777" cy="2778369"/>
+          </a:xfrm>
+          <a:prstGeom prst="rect">
+            <a:avLst/>
+          </a:prstGeom>
+        </p:spPr>
+      </p:pic>
+      <p:pic>
+        <p:nvPicPr>
+          <p:cNvPr id="5" name="Picture 4"/>
+          <p:cNvPicPr>
+            <a:picLocks noChangeAspect="1"/>
+          </p:cNvPicPr>
+          <p:nvPr/>
+        </p:nvPicPr>
+        <p:blipFill>
+          <a:blip r:embed="rId5" cstate="print">
+            <a:extLst>
+              <a:ext uri="{28A0092B-C50C-407E-A947-70E740481C1C}">
+                <a14:useLocalDpi xmlns:a14="http://schemas.microsoft.com/office/drawing/2010/main" val="0"/>
+              </a:ext>
+            </a:extLst>
+          </a:blip>
+          <a:stretch>
+            <a:fillRect/>
+          </a:stretch>
+        </p:blipFill>
+        <p:spPr>
+          <a:xfrm>
+            <a:off x="8838174" y="3270737"/>
+            <a:ext cx="3108666" cy="2778370"/>
+          </a:xfrm>
+          <a:prstGeom prst="rect">
+            <a:avLst/>
+          </a:prstGeom>
+        </p:spPr>
+      </p:pic>
+      <p:pic>
+        <p:nvPicPr>
+          <p:cNvPr id="6" name="Picture 5"/>
+          <p:cNvPicPr>
+            <a:picLocks noChangeAspect="1"/>
+          </p:cNvPicPr>
+          <p:nvPr/>
+        </p:nvPicPr>
+        <p:blipFill>
+          <a:blip r:embed="rId6">
+            <a:extLst>
+              <a:ext uri="{28A0092B-C50C-407E-A947-70E740481C1C}">
+                <a14:useLocalDpi xmlns:a14="http://schemas.microsoft.com/office/drawing/2010/main" val="0"/>
+              </a:ext>
+            </a:extLst>
+          </a:blip>
+          <a:stretch>
+            <a:fillRect/>
+          </a:stretch>
+        </p:blipFill>
+        <p:spPr>
+          <a:xfrm>
+            <a:off x="3494943" y="2778368"/>
+            <a:ext cx="4906109" cy="3270739"/>
+          </a:xfrm>
+          <a:prstGeom prst="rect">
+            <a:avLst/>
+          </a:prstGeom>
+        </p:spPr>
+      </p:pic>
+      <p:pic>
+        <p:nvPicPr>
+          <p:cNvPr id="7" name="Picture 6"/>
+          <p:cNvPicPr>
+            <a:picLocks noChangeAspect="1"/>
+          </p:cNvPicPr>
+          <p:nvPr/>
+        </p:nvPicPr>
+        <p:blipFill>
+          <a:blip r:embed="rId7" cstate="print">
+            <a:extLst>
+              <a:ext uri="{28A0092B-C50C-407E-A947-70E740481C1C}">
+                <a14:useLocalDpi xmlns:a14="http://schemas.microsoft.com/office/drawing/2010/main" val="0"/>
+              </a:ext>
+            </a:extLst>
+          </a:blip>
+          <a:stretch>
+            <a:fillRect/>
+          </a:stretch>
+        </p:blipFill>
+        <p:spPr>
+          <a:xfrm>
+            <a:off x="4483880" y="234459"/>
+            <a:ext cx="2989779" cy="2250828"/>
+          </a:xfrm>
+          <a:prstGeom prst="rect">
+            <a:avLst/>
+          </a:prstGeom>
+        </p:spPr>
+      </p:pic>
     </p:spTree>
     <p:extLst>
       <p:ext uri="{BB962C8B-B14F-4D97-AF65-F5344CB8AC3E}">
-        <p14:creationId xmlns:p14="http://schemas.microsoft.com/office/powerpoint/2010/main" val="163710350"/>
+        <p14:creationId xmlns:p14="http://schemas.microsoft.com/office/powerpoint/2010/main" val="2508774381"/>
       </p:ext>
     </p:extLst>
   </p:cSld>
   <p:clrMapOvr>
     <a:masterClrMapping/>
   </p:clrMapOvr>
-  <p:timing>
-    <p:tnLst>
-      <p:par>
-        <p:cTn id="1" dur="indefinite" restart="never" nodeType="tmRoot"/>
-      </p:par>
-    </p:tnLst>
-  </p:timing>
 </p:sld>
 </file>
 
@@ -12261,53 +12322,8 @@
           <a:p>
             <a:r>
               <a:rPr lang="en-US" dirty="0" smtClean="0"/>
-              <a:t>Summary</a:t>
-            </a:r>
-            <a:endParaRPr lang="en-US" dirty="0"/>
-          </a:p>
-        </p:txBody>
-      </p:sp>
-      <p:sp>
-        <p:nvSpPr>
-          <p:cNvPr id="3" name="Content Placeholder 2"/>
-          <p:cNvSpPr>
-            <a:spLocks noGrp="1"/>
-          </p:cNvSpPr>
-          <p:nvPr>
-            <p:ph idx="1"/>
-          </p:nvPr>
-        </p:nvSpPr>
-        <p:spPr/>
-        <p:txBody>
-          <a:bodyPr>
-            <a:normAutofit/>
-          </a:bodyPr>
-          <a:lstStyle/>
-          <a:p>
-            <a:endParaRPr lang="en-US" sz="3600" dirty="0" smtClean="0"/>
-          </a:p>
-          <a:p>
-            <a:r>
-              <a:rPr lang="en-US" sz="3600" dirty="0" smtClean="0"/>
-              <a:t>Restore state without giving up secrets</a:t>
-            </a:r>
-          </a:p>
-          <a:p>
-            <a:r>
-              <a:rPr lang="en-US" sz="3600" dirty="0" smtClean="0"/>
-              <a:t>A good fit anytime you need to restore the system to a previous state</a:t>
-            </a:r>
-          </a:p>
-          <a:p>
-            <a:r>
-              <a:rPr lang="en-US" sz="3600" dirty="0" smtClean="0"/>
-              <a:t>For large state can be expensive</a:t>
-            </a:r>
-          </a:p>
-          <a:p>
-            <a:endParaRPr lang="en-US" dirty="0" smtClean="0"/>
-          </a:p>
-          <a:p>
+              <a:t>Demo</a:t>
+            </a:r>
             <a:endParaRPr lang="en-US" dirty="0"/>
           </a:p>
         </p:txBody>
@@ -12315,7 +12331,7 @@
     </p:spTree>
     <p:extLst>
       <p:ext uri="{BB962C8B-B14F-4D97-AF65-F5344CB8AC3E}">
-        <p14:creationId xmlns:p14="http://schemas.microsoft.com/office/powerpoint/2010/main" val="4110504688"/>
+        <p14:creationId xmlns:p14="http://schemas.microsoft.com/office/powerpoint/2010/main" val="2930513783"/>
       </p:ext>
     </p:extLst>
   </p:cSld>
@@ -12366,7 +12382,7 @@
           <a:p>
             <a:r>
               <a:rPr lang="en-US" dirty="0" smtClean="0"/>
-              <a:t>State</a:t>
+              <a:t>Summary</a:t>
             </a:r>
             <a:endParaRPr lang="en-US" dirty="0"/>
           </a:p>
@@ -12389,79 +12405,30 @@
           </a:bodyPr>
           <a:lstStyle/>
           <a:p>
-            <a:endParaRPr lang="en-US" dirty="0"/>
-          </a:p>
-          <a:p>
-            <a:r>
-              <a:rPr lang="en-US" sz="4400" dirty="0">
-                <a:solidFill>
-                  <a:schemeClr val="tx1"/>
-                </a:solidFill>
-                <a:latin typeface="+mj-lt"/>
-              </a:rPr>
-              <a:t>Government's view of the economy could be summed up in a few short phrases: If it moves, tax it. If it keeps moving, regulate it. And if it stops moving, subsidize it.</a:t>
-            </a:r>
-            <a:r>
-              <a:rPr lang="en-US" dirty="0">
-                <a:solidFill>
-                  <a:schemeClr val="tx1"/>
-                </a:solidFill>
-              </a:rPr>
-              <a:t/>
-            </a:r>
-            <a:br>
-              <a:rPr lang="en-US" dirty="0">
-                <a:solidFill>
-                  <a:schemeClr val="tx1"/>
-                </a:solidFill>
-              </a:rPr>
-            </a:br>
-            <a:r>
-              <a:rPr lang="en-US" dirty="0" smtClean="0">
-                <a:solidFill>
-                  <a:schemeClr val="tx1"/>
-                </a:solidFill>
-                <a:latin typeface="+mj-lt"/>
-              </a:rPr>
-              <a:t>                                                                                                                                         </a:t>
-            </a:r>
-            <a:r>
-              <a:rPr lang="en-US" b="1" dirty="0" smtClean="0">
-                <a:solidFill>
-                  <a:schemeClr val="tx1"/>
-                </a:solidFill>
-                <a:latin typeface="+mj-lt"/>
-              </a:rPr>
-              <a:t>Ronald </a:t>
-            </a:r>
-            <a:r>
-              <a:rPr lang="en-US" b="1" dirty="0">
-                <a:solidFill>
-                  <a:schemeClr val="tx1"/>
-                </a:solidFill>
-                <a:latin typeface="+mj-lt"/>
-              </a:rPr>
-              <a:t>Reagan</a:t>
-            </a:r>
-          </a:p>
-          <a:p>
-            <a:r>
-              <a:rPr lang="en-US" dirty="0">
-                <a:solidFill>
-                  <a:srgbClr val="000000"/>
-                </a:solidFill>
-                <a:latin typeface="Helvetica Neue"/>
-              </a:rPr>
-              <a:t/>
-            </a:r>
-            <a:br>
-              <a:rPr lang="en-US" dirty="0">
-                <a:solidFill>
-                  <a:srgbClr val="000000"/>
-                </a:solidFill>
-                <a:latin typeface="Helvetica Neue"/>
-              </a:rPr>
-            </a:br>
+            <a:endParaRPr lang="en-US" sz="3600" dirty="0" smtClean="0"/>
+          </a:p>
+          <a:p>
+            <a:r>
+              <a:rPr lang="en-US" sz="3600" dirty="0" smtClean="0"/>
+              <a:t>Restore state without giving up secrets</a:t>
+            </a:r>
+          </a:p>
+          <a:p>
+            <a:r>
+              <a:rPr lang="en-US" sz="3600" dirty="0" smtClean="0"/>
+              <a:t>A good fit anytime you need to restore the system to a previous state</a:t>
+            </a:r>
+          </a:p>
+          <a:p>
+            <a:r>
+              <a:rPr lang="en-US" sz="3600" dirty="0" smtClean="0"/>
+              <a:t>For large state can be expensive</a:t>
+            </a:r>
+          </a:p>
+          <a:p>
+            <a:endParaRPr lang="en-US" dirty="0" smtClean="0"/>
+          </a:p>
+          <a:p>
             <a:endParaRPr lang="en-US" dirty="0"/>
           </a:p>
         </p:txBody>
@@ -12469,7 +12436,7 @@
     </p:spTree>
     <p:extLst>
       <p:ext uri="{BB962C8B-B14F-4D97-AF65-F5344CB8AC3E}">
-        <p14:creationId xmlns:p14="http://schemas.microsoft.com/office/powerpoint/2010/main" val="875754719"/>
+        <p14:creationId xmlns:p14="http://schemas.microsoft.com/office/powerpoint/2010/main" val="4110504688"/>
       </p:ext>
     </p:extLst>
   </p:cSld>
@@ -12520,6 +12487,160 @@
           <a:p>
             <a:r>
               <a:rPr lang="en-US" dirty="0" smtClean="0"/>
+              <a:t>State</a:t>
+            </a:r>
+            <a:endParaRPr lang="en-US" dirty="0"/>
+          </a:p>
+        </p:txBody>
+      </p:sp>
+      <p:sp>
+        <p:nvSpPr>
+          <p:cNvPr id="3" name="Content Placeholder 2"/>
+          <p:cNvSpPr>
+            <a:spLocks noGrp="1"/>
+          </p:cNvSpPr>
+          <p:nvPr>
+            <p:ph idx="1"/>
+          </p:nvPr>
+        </p:nvSpPr>
+        <p:spPr/>
+        <p:txBody>
+          <a:bodyPr>
+            <a:normAutofit/>
+          </a:bodyPr>
+          <a:lstStyle/>
+          <a:p>
+            <a:endParaRPr lang="en-US" dirty="0"/>
+          </a:p>
+          <a:p>
+            <a:r>
+              <a:rPr lang="en-US" sz="4400" dirty="0">
+                <a:solidFill>
+                  <a:schemeClr val="tx1"/>
+                </a:solidFill>
+                <a:latin typeface="+mj-lt"/>
+              </a:rPr>
+              <a:t>Government's view of the economy could be summed up in a few short phrases: If it moves, tax it. If it keeps moving, regulate it. And if it stops moving, subsidize it.</a:t>
+            </a:r>
+            <a:r>
+              <a:rPr lang="en-US" dirty="0">
+                <a:solidFill>
+                  <a:schemeClr val="tx1"/>
+                </a:solidFill>
+              </a:rPr>
+              <a:t/>
+            </a:r>
+            <a:br>
+              <a:rPr lang="en-US" dirty="0">
+                <a:solidFill>
+                  <a:schemeClr val="tx1"/>
+                </a:solidFill>
+              </a:rPr>
+            </a:br>
+            <a:r>
+              <a:rPr lang="en-US" dirty="0" smtClean="0">
+                <a:solidFill>
+                  <a:schemeClr val="tx1"/>
+                </a:solidFill>
+                <a:latin typeface="+mj-lt"/>
+              </a:rPr>
+              <a:t>                                                                                                                                         </a:t>
+            </a:r>
+            <a:r>
+              <a:rPr lang="en-US" b="1" dirty="0" smtClean="0">
+                <a:solidFill>
+                  <a:schemeClr val="tx1"/>
+                </a:solidFill>
+                <a:latin typeface="+mj-lt"/>
+              </a:rPr>
+              <a:t>Ronald </a:t>
+            </a:r>
+            <a:r>
+              <a:rPr lang="en-US" b="1" dirty="0">
+                <a:solidFill>
+                  <a:schemeClr val="tx1"/>
+                </a:solidFill>
+                <a:latin typeface="+mj-lt"/>
+              </a:rPr>
+              <a:t>Reagan</a:t>
+            </a:r>
+          </a:p>
+          <a:p>
+            <a:r>
+              <a:rPr lang="en-US" dirty="0">
+                <a:solidFill>
+                  <a:srgbClr val="000000"/>
+                </a:solidFill>
+                <a:latin typeface="Helvetica Neue"/>
+              </a:rPr>
+              <a:t/>
+            </a:r>
+            <a:br>
+              <a:rPr lang="en-US" dirty="0">
+                <a:solidFill>
+                  <a:srgbClr val="000000"/>
+                </a:solidFill>
+                <a:latin typeface="Helvetica Neue"/>
+              </a:rPr>
+            </a:br>
+            <a:endParaRPr lang="en-US" dirty="0"/>
+          </a:p>
+        </p:txBody>
+      </p:sp>
+    </p:spTree>
+    <p:extLst>
+      <p:ext uri="{BB962C8B-B14F-4D97-AF65-F5344CB8AC3E}">
+        <p14:creationId xmlns:p14="http://schemas.microsoft.com/office/powerpoint/2010/main" val="875754719"/>
+      </p:ext>
+    </p:extLst>
+  </p:cSld>
+  <p:clrMapOvr>
+    <a:masterClrMapping/>
+  </p:clrMapOvr>
+  <p:timing>
+    <p:tnLst>
+      <p:par>
+        <p:cTn id="1" dur="indefinite" restart="never" nodeType="tmRoot"/>
+      </p:par>
+    </p:tnLst>
+  </p:timing>
+</p:sld>
+</file>
+
+<file path=ppt/slides/slide33.xml><?xml version="1.0" encoding="utf-8"?>
+<p:sld xmlns:a="http://schemas.openxmlformats.org/drawingml/2006/main" xmlns:r="http://schemas.openxmlformats.org/officeDocument/2006/relationships" xmlns:p="http://schemas.openxmlformats.org/presentationml/2006/main">
+  <p:cSld>
+    <p:spTree>
+      <p:nvGrpSpPr>
+        <p:cNvPr id="1" name=""/>
+        <p:cNvGrpSpPr/>
+        <p:nvPr/>
+      </p:nvGrpSpPr>
+      <p:grpSpPr>
+        <a:xfrm>
+          <a:off x="0" y="0"/>
+          <a:ext cx="0" cy="0"/>
+          <a:chOff x="0" y="0"/>
+          <a:chExt cx="0" cy="0"/>
+        </a:xfrm>
+      </p:grpSpPr>
+      <p:sp>
+        <p:nvSpPr>
+          <p:cNvPr id="2" name="Title 1"/>
+          <p:cNvSpPr>
+            <a:spLocks noGrp="1"/>
+          </p:cNvSpPr>
+          <p:nvPr>
+            <p:ph type="title"/>
+          </p:nvPr>
+        </p:nvSpPr>
+        <p:spPr/>
+        <p:txBody>
+          <a:bodyPr/>
+          <a:lstStyle/>
+          <a:p>
+            <a:r>
+              <a:rPr lang="en-US" dirty="0" smtClean="0"/>
               <a:t>The Issue</a:t>
             </a:r>
             <a:endParaRPr lang="en-US" dirty="0"/>
@@ -12584,7 +12705,7 @@
 </p:sld>
 </file>
 
-<file path=ppt/slides/slide33.xml><?xml version="1.0" encoding="utf-8"?>
+<file path=ppt/slides/slide34.xml><?xml version="1.0" encoding="utf-8"?>
 <p:sld xmlns:a="http://schemas.openxmlformats.org/drawingml/2006/main" xmlns:r="http://schemas.openxmlformats.org/officeDocument/2006/relationships" xmlns:p="http://schemas.openxmlformats.org/presentationml/2006/main">
   <p:cSld>
     <p:spTree>
@@ -13102,7 +13223,7 @@
 </p:sld>
 </file>
 
-<file path=ppt/slides/slide34.xml><?xml version="1.0" encoding="utf-8"?>
+<file path=ppt/slides/slide35.xml><?xml version="1.0" encoding="utf-8"?>
 <p:sld xmlns:a="http://schemas.openxmlformats.org/drawingml/2006/main" xmlns:r="http://schemas.openxmlformats.org/officeDocument/2006/relationships" xmlns:p="http://schemas.openxmlformats.org/presentationml/2006/main">
   <p:cSld>
     <p:spTree>
@@ -13209,7 +13330,7 @@
 </p:sld>
 </file>
 
-<file path=ppt/slides/slide35.xml><?xml version="1.0" encoding="utf-8"?>
+<file path=ppt/slides/slide36.xml><?xml version="1.0" encoding="utf-8"?>
 <p:sld xmlns:a="http://schemas.openxmlformats.org/drawingml/2006/main" xmlns:r="http://schemas.openxmlformats.org/officeDocument/2006/relationships" xmlns:p="http://schemas.openxmlformats.org/presentationml/2006/main">
   <p:cSld>
     <p:spTree>
@@ -13295,119 +13416,6 @@
 </p:sld>
 </file>
 
-<file path=ppt/slides/slide36.xml><?xml version="1.0" encoding="utf-8"?>
-<p:sld xmlns:a="http://schemas.openxmlformats.org/drawingml/2006/main" xmlns:r="http://schemas.openxmlformats.org/officeDocument/2006/relationships" xmlns:p="http://schemas.openxmlformats.org/presentationml/2006/main">
-  <p:cSld>
-    <p:spTree>
-      <p:nvGrpSpPr>
-        <p:cNvPr id="1" name=""/>
-        <p:cNvGrpSpPr/>
-        <p:nvPr/>
-      </p:nvGrpSpPr>
-      <p:grpSpPr>
-        <a:xfrm>
-          <a:off x="0" y="0"/>
-          <a:ext cx="0" cy="0"/>
-          <a:chOff x="0" y="0"/>
-          <a:chExt cx="0" cy="0"/>
-        </a:xfrm>
-      </p:grpSpPr>
-      <p:sp>
-        <p:nvSpPr>
-          <p:cNvPr id="2" name="Title 1"/>
-          <p:cNvSpPr>
-            <a:spLocks noGrp="1"/>
-          </p:cNvSpPr>
-          <p:nvPr>
-            <p:ph type="title"/>
-          </p:nvPr>
-        </p:nvSpPr>
-        <p:spPr/>
-        <p:txBody>
-          <a:bodyPr/>
-          <a:lstStyle/>
-          <a:p>
-            <a:r>
-              <a:rPr lang="en-US" dirty="0" smtClean="0"/>
-              <a:t>Summary</a:t>
-            </a:r>
-            <a:endParaRPr lang="en-US" dirty="0"/>
-          </a:p>
-        </p:txBody>
-      </p:sp>
-      <p:sp>
-        <p:nvSpPr>
-          <p:cNvPr id="3" name="Content Placeholder 2"/>
-          <p:cNvSpPr>
-            <a:spLocks noGrp="1"/>
-          </p:cNvSpPr>
-          <p:nvPr>
-            <p:ph idx="1"/>
-          </p:nvPr>
-        </p:nvSpPr>
-        <p:spPr/>
-        <p:txBody>
-          <a:bodyPr/>
-          <a:lstStyle/>
-          <a:p>
-            <a:r>
-              <a:rPr lang="en-US" dirty="0" smtClean="0"/>
-              <a:t/>
-            </a:r>
-            <a:br>
-              <a:rPr lang="en-US" dirty="0" smtClean="0"/>
-            </a:br>
-            <a:r>
-              <a:rPr lang="en-US" sz="3200" dirty="0" smtClean="0"/>
-              <a:t>Separation of concerns</a:t>
-            </a:r>
-          </a:p>
-          <a:p>
-            <a:r>
-              <a:rPr lang="en-US" sz="3200" dirty="0" smtClean="0"/>
-              <a:t>Localization of state-specific behavior</a:t>
-            </a:r>
-          </a:p>
-          <a:p>
-            <a:r>
-              <a:rPr lang="en-US" sz="3200" dirty="0" smtClean="0"/>
-              <a:t>Transition between states is explicit and clear</a:t>
-            </a:r>
-          </a:p>
-          <a:p>
-            <a:r>
-              <a:rPr lang="en-US" sz="3200" dirty="0" smtClean="0"/>
-              <a:t>Easier to extend – new state = new class</a:t>
-            </a:r>
-          </a:p>
-          <a:p>
-            <a:r>
-              <a:rPr lang="en-US" sz="3200" dirty="0" smtClean="0"/>
-              <a:t>Reuse of the state objects</a:t>
-            </a:r>
-          </a:p>
-        </p:txBody>
-      </p:sp>
-    </p:spTree>
-    <p:extLst>
-      <p:ext uri="{BB962C8B-B14F-4D97-AF65-F5344CB8AC3E}">
-        <p14:creationId xmlns:p14="http://schemas.microsoft.com/office/powerpoint/2010/main" val="2088719316"/>
-      </p:ext>
-    </p:extLst>
-  </p:cSld>
-  <p:clrMapOvr>
-    <a:masterClrMapping/>
-  </p:clrMapOvr>
-  <p:timing>
-    <p:tnLst>
-      <p:par>
-        <p:cTn id="1" dur="indefinite" restart="never" nodeType="tmRoot"/>
-      </p:par>
-    </p:tnLst>
-  </p:timing>
-</p:sld>
-</file>
-
 <file path=ppt/slides/slide37.xml><?xml version="1.0" encoding="utf-8"?>
 <p:sld xmlns:a="http://schemas.openxmlformats.org/drawingml/2006/main" xmlns:r="http://schemas.openxmlformats.org/officeDocument/2006/relationships" xmlns:p="http://schemas.openxmlformats.org/presentationml/2006/main">
   <p:cSld>
@@ -13442,7 +13450,7 @@
           <a:p>
             <a:r>
               <a:rPr lang="en-US" dirty="0" smtClean="0"/>
-              <a:t>Flyweight</a:t>
+              <a:t>Summary</a:t>
             </a:r>
             <a:endParaRPr lang="en-US" dirty="0"/>
           </a:p>
@@ -13463,53 +13471,48 @@
           <a:bodyPr/>
           <a:lstStyle/>
           <a:p>
-            <a:endParaRPr lang="en-US" dirty="0" smtClean="0"/>
-          </a:p>
-          <a:p>
-            <a:r>
-              <a:rPr lang="en-US" sz="4400" dirty="0" smtClean="0"/>
-              <a:t>                </a:t>
-            </a:r>
-          </a:p>
-          <a:p>
-            <a:r>
-              <a:rPr lang="en-US" sz="4400" dirty="0" smtClean="0"/>
-              <a:t>                       Where’s </a:t>
-            </a:r>
-            <a:r>
-              <a:rPr lang="en-US" sz="4400" dirty="0"/>
-              <a:t>my </a:t>
-            </a:r>
-            <a:endParaRPr lang="en-US" sz="4400" dirty="0" smtClean="0"/>
-          </a:p>
-          <a:p>
-            <a:r>
-              <a:rPr lang="en-US" sz="4400" dirty="0"/>
-              <a:t> </a:t>
-            </a:r>
-            <a:r>
-              <a:rPr lang="en-US" sz="4400" dirty="0" smtClean="0"/>
-              <a:t>                               stunt </a:t>
-            </a:r>
-            <a:r>
-              <a:rPr lang="en-US" sz="4400" dirty="0"/>
-              <a:t>double</a:t>
-            </a:r>
-            <a:r>
-              <a:rPr lang="en-US" sz="4400" dirty="0" smtClean="0"/>
-              <a:t>?</a:t>
-            </a:r>
-            <a:endParaRPr lang="en-US" sz="4400" dirty="0"/>
-          </a:p>
-          <a:p>
-            <a:endParaRPr lang="en-US" dirty="0"/>
+            <a:r>
+              <a:rPr lang="en-US" dirty="0" smtClean="0"/>
+              <a:t/>
+            </a:r>
+            <a:br>
+              <a:rPr lang="en-US" dirty="0" smtClean="0"/>
+            </a:br>
+            <a:r>
+              <a:rPr lang="en-US" sz="3200" dirty="0" smtClean="0"/>
+              <a:t>Separation of concerns</a:t>
+            </a:r>
+          </a:p>
+          <a:p>
+            <a:r>
+              <a:rPr lang="en-US" sz="3200" dirty="0" smtClean="0"/>
+              <a:t>Localization of state-specific behavior</a:t>
+            </a:r>
+          </a:p>
+          <a:p>
+            <a:r>
+              <a:rPr lang="en-US" sz="3200" dirty="0" smtClean="0"/>
+              <a:t>Transition between states is explicit and clear</a:t>
+            </a:r>
+          </a:p>
+          <a:p>
+            <a:r>
+              <a:rPr lang="en-US" sz="3200" dirty="0" smtClean="0"/>
+              <a:t>Easier to extend – new state = new class</a:t>
+            </a:r>
+          </a:p>
+          <a:p>
+            <a:r>
+              <a:rPr lang="en-US" sz="3200" dirty="0" smtClean="0"/>
+              <a:t>Reuse of the state objects</a:t>
+            </a:r>
           </a:p>
         </p:txBody>
       </p:sp>
     </p:spTree>
     <p:extLst>
       <p:ext uri="{BB962C8B-B14F-4D97-AF65-F5344CB8AC3E}">
-        <p14:creationId xmlns:p14="http://schemas.microsoft.com/office/powerpoint/2010/main" val="1081225263"/>
+        <p14:creationId xmlns:p14="http://schemas.microsoft.com/office/powerpoint/2010/main" val="2088719316"/>
       </p:ext>
     </p:extLst>
   </p:cSld>
@@ -13560,7 +13563,7 @@
           <a:p>
             <a:r>
               <a:rPr lang="en-US" dirty="0" smtClean="0"/>
-              <a:t>The Issue</a:t>
+              <a:t>Flyweight</a:t>
             </a:r>
             <a:endParaRPr lang="en-US" dirty="0"/>
           </a:p>
@@ -13578,11 +13581,26 @@
         </p:nvSpPr>
         <p:spPr/>
         <p:txBody>
-          <a:bodyPr>
-            <a:normAutofit/>
-          </a:bodyPr>
-          <a:lstStyle/>
-          <a:p>
+          <a:bodyPr/>
+          <a:lstStyle/>
+          <a:p>
+            <a:endParaRPr lang="en-US" dirty="0" smtClean="0"/>
+          </a:p>
+          <a:p>
+            <a:r>
+              <a:rPr lang="en-US" sz="4400" dirty="0" smtClean="0"/>
+              <a:t>                </a:t>
+            </a:r>
+          </a:p>
+          <a:p>
+            <a:r>
+              <a:rPr lang="en-US" sz="4400" dirty="0" smtClean="0"/>
+              <a:t>                       Where’s </a:t>
+            </a:r>
+            <a:r>
+              <a:rPr lang="en-US" sz="4400" dirty="0"/>
+              <a:t>my </a:t>
+            </a:r>
             <a:endParaRPr lang="en-US" sz="4400" dirty="0" smtClean="0"/>
           </a:p>
           <a:p>
@@ -13592,26 +13610,27 @@
             </a:r>
             <a:r>
               <a:rPr lang="en-US" sz="4400" dirty="0" smtClean="0"/>
-              <a:t>             A plethora of small, </a:t>
-            </a:r>
-          </a:p>
-          <a:p>
+              <a:t>                               stunt </a:t>
+            </a:r>
             <a:r>
               <a:rPr lang="en-US" sz="4400" dirty="0"/>
-              <a:t> </a:t>
+              <a:t>double</a:t>
             </a:r>
             <a:r>
               <a:rPr lang="en-US" sz="4400" dirty="0" smtClean="0"/>
-              <a:t>                          fine-grained objects</a:t>
+              <a:t>?</a:t>
             </a:r>
             <a:endParaRPr lang="en-US" sz="4400" dirty="0"/>
+          </a:p>
+          <a:p>
+            <a:endParaRPr lang="en-US" dirty="0"/>
           </a:p>
         </p:txBody>
       </p:sp>
     </p:spTree>
     <p:extLst>
       <p:ext uri="{BB962C8B-B14F-4D97-AF65-F5344CB8AC3E}">
-        <p14:creationId xmlns:p14="http://schemas.microsoft.com/office/powerpoint/2010/main" val="2411381980"/>
+        <p14:creationId xmlns:p14="http://schemas.microsoft.com/office/powerpoint/2010/main" val="1081225263"/>
       </p:ext>
     </p:extLst>
   </p:cSld>
@@ -13662,6 +13681,279 @@
           <a:p>
             <a:r>
               <a:rPr lang="en-US" dirty="0" smtClean="0"/>
+              <a:t>The Issue</a:t>
+            </a:r>
+            <a:endParaRPr lang="en-US" dirty="0"/>
+          </a:p>
+        </p:txBody>
+      </p:sp>
+      <p:sp>
+        <p:nvSpPr>
+          <p:cNvPr id="3" name="Content Placeholder 2"/>
+          <p:cNvSpPr>
+            <a:spLocks noGrp="1"/>
+          </p:cNvSpPr>
+          <p:nvPr>
+            <p:ph idx="1"/>
+          </p:nvPr>
+        </p:nvSpPr>
+        <p:spPr/>
+        <p:txBody>
+          <a:bodyPr>
+            <a:normAutofit/>
+          </a:bodyPr>
+          <a:lstStyle/>
+          <a:p>
+            <a:endParaRPr lang="en-US" sz="4400" dirty="0" smtClean="0"/>
+          </a:p>
+          <a:p>
+            <a:r>
+              <a:rPr lang="en-US" sz="4400" dirty="0"/>
+              <a:t> </a:t>
+            </a:r>
+            <a:r>
+              <a:rPr lang="en-US" sz="4400" dirty="0" smtClean="0"/>
+              <a:t>             A plethora of small, </a:t>
+            </a:r>
+          </a:p>
+          <a:p>
+            <a:r>
+              <a:rPr lang="en-US" sz="4400" dirty="0"/>
+              <a:t> </a:t>
+            </a:r>
+            <a:r>
+              <a:rPr lang="en-US" sz="4400" dirty="0" smtClean="0"/>
+              <a:t>                          fine-grained objects</a:t>
+            </a:r>
+            <a:endParaRPr lang="en-US" sz="4400" dirty="0"/>
+          </a:p>
+        </p:txBody>
+      </p:sp>
+    </p:spTree>
+    <p:extLst>
+      <p:ext uri="{BB962C8B-B14F-4D97-AF65-F5344CB8AC3E}">
+        <p14:creationId xmlns:p14="http://schemas.microsoft.com/office/powerpoint/2010/main" val="2411381980"/>
+      </p:ext>
+    </p:extLst>
+  </p:cSld>
+  <p:clrMapOvr>
+    <a:masterClrMapping/>
+  </p:clrMapOvr>
+  <p:timing>
+    <p:tnLst>
+      <p:par>
+        <p:cTn id="1" dur="indefinite" restart="never" nodeType="tmRoot"/>
+      </p:par>
+    </p:tnLst>
+  </p:timing>
+</p:sld>
+</file>
+
+<file path=ppt/slides/slide4.xml><?xml version="1.0" encoding="utf-8"?>
+<p:sld xmlns:a="http://schemas.openxmlformats.org/drawingml/2006/main" xmlns:r="http://schemas.openxmlformats.org/officeDocument/2006/relationships" xmlns:p="http://schemas.openxmlformats.org/presentationml/2006/main">
+  <p:cSld>
+    <p:spTree>
+      <p:nvGrpSpPr>
+        <p:cNvPr id="1" name=""/>
+        <p:cNvGrpSpPr/>
+        <p:nvPr/>
+      </p:nvGrpSpPr>
+      <p:grpSpPr>
+        <a:xfrm>
+          <a:off x="0" y="0"/>
+          <a:ext cx="0" cy="0"/>
+          <a:chOff x="0" y="0"/>
+          <a:chExt cx="0" cy="0"/>
+        </a:xfrm>
+      </p:grpSpPr>
+      <p:sp>
+        <p:nvSpPr>
+          <p:cNvPr id="2" name="Title 1"/>
+          <p:cNvSpPr>
+            <a:spLocks noGrp="1"/>
+          </p:cNvSpPr>
+          <p:nvPr>
+            <p:ph type="title"/>
+          </p:nvPr>
+        </p:nvSpPr>
+        <p:spPr/>
+        <p:txBody>
+          <a:bodyPr/>
+          <a:lstStyle/>
+          <a:p>
+            <a:r>
+              <a:rPr lang="en-US" dirty="0" smtClean="0"/>
+              <a:t>Strategic Data Systems – What We Do</a:t>
+            </a:r>
+            <a:endParaRPr lang="en-US" dirty="0"/>
+          </a:p>
+        </p:txBody>
+      </p:sp>
+      <p:sp>
+        <p:nvSpPr>
+          <p:cNvPr id="3" name="Content Placeholder 2"/>
+          <p:cNvSpPr>
+            <a:spLocks noGrp="1"/>
+          </p:cNvSpPr>
+          <p:nvPr>
+            <p:ph idx="1"/>
+          </p:nvPr>
+        </p:nvSpPr>
+        <p:spPr/>
+        <p:txBody>
+          <a:bodyPr/>
+          <a:lstStyle/>
+          <a:p>
+            <a:pPr>
+              <a:buFont typeface="Wingdings" panose="05000000000000000000" pitchFamily="2" charset="2"/>
+              <a:buChar char="Ø"/>
+            </a:pPr>
+            <a:r>
+              <a:rPr lang="en-US" dirty="0" smtClean="0"/>
+              <a:t> Application Development and Application Renovations</a:t>
+            </a:r>
+          </a:p>
+          <a:p>
+            <a:pPr lvl="1">
+              <a:buFont typeface="Wingdings" panose="05000000000000000000" pitchFamily="2" charset="2"/>
+              <a:buChar char="Ø"/>
+            </a:pPr>
+            <a:r>
+              <a:rPr lang="en-US" dirty="0" smtClean="0"/>
+              <a:t>Architecture, Development, and Architectural Design Reviews</a:t>
+            </a:r>
+          </a:p>
+          <a:p>
+            <a:pPr lvl="1">
+              <a:buFont typeface="Wingdings" panose="05000000000000000000" pitchFamily="2" charset="2"/>
+              <a:buChar char="Ø"/>
+            </a:pPr>
+            <a:r>
+              <a:rPr lang="en-US" dirty="0" smtClean="0"/>
+              <a:t>.NET, Java, SharePoint</a:t>
+            </a:r>
+          </a:p>
+          <a:p>
+            <a:pPr>
+              <a:buFont typeface="Wingdings" panose="05000000000000000000" pitchFamily="2" charset="2"/>
+              <a:buChar char="Ø"/>
+            </a:pPr>
+            <a:r>
+              <a:rPr lang="en-US" dirty="0" smtClean="0"/>
+              <a:t>Agility – Agile Coaching and Transformations</a:t>
+            </a:r>
+          </a:p>
+          <a:p>
+            <a:pPr>
+              <a:buFont typeface="Wingdings" panose="05000000000000000000" pitchFamily="2" charset="2"/>
+              <a:buChar char="Ø"/>
+            </a:pPr>
+            <a:r>
+              <a:rPr lang="en-US" dirty="0" smtClean="0"/>
+              <a:t>Cloud Enablement</a:t>
+            </a:r>
+          </a:p>
+          <a:p>
+            <a:pPr>
+              <a:buFont typeface="Wingdings" panose="05000000000000000000" pitchFamily="2" charset="2"/>
+              <a:buChar char="Ø"/>
+            </a:pPr>
+            <a:r>
+              <a:rPr lang="en-US" dirty="0" smtClean="0"/>
+              <a:t>Mobile – iOS, Android, Windows</a:t>
+            </a:r>
+          </a:p>
+          <a:p>
+            <a:pPr>
+              <a:buFont typeface="Wingdings" panose="05000000000000000000" pitchFamily="2" charset="2"/>
+              <a:buChar char="Ø"/>
+            </a:pPr>
+            <a:r>
+              <a:rPr lang="en-US" dirty="0" smtClean="0"/>
+              <a:t>Training – Agile, .NET</a:t>
+            </a:r>
+          </a:p>
+          <a:p>
+            <a:pPr>
+              <a:buFont typeface="Wingdings" panose="05000000000000000000" pitchFamily="2" charset="2"/>
+              <a:buChar char="Ø"/>
+            </a:pPr>
+            <a:r>
+              <a:rPr lang="en-US" dirty="0" smtClean="0"/>
+              <a:t>Our place or yours!</a:t>
+            </a:r>
+            <a:br>
+              <a:rPr lang="en-US" dirty="0" smtClean="0"/>
+            </a:br>
+            <a:endParaRPr lang="en-US" dirty="0" smtClean="0"/>
+          </a:p>
+          <a:p>
+            <a:pPr>
+              <a:buFont typeface="Wingdings" panose="05000000000000000000" pitchFamily="2" charset="2"/>
+              <a:buChar char="Ø"/>
+            </a:pPr>
+            <a:r>
+              <a:rPr lang="en-US" dirty="0" smtClean="0"/>
+              <a:t> Contact me at ken.baum@sds-consulting.com</a:t>
+            </a:r>
+            <a:endParaRPr lang="en-US" dirty="0"/>
+          </a:p>
+        </p:txBody>
+      </p:sp>
+    </p:spTree>
+    <p:extLst>
+      <p:ext uri="{BB962C8B-B14F-4D97-AF65-F5344CB8AC3E}">
+        <p14:creationId xmlns:p14="http://schemas.microsoft.com/office/powerpoint/2010/main" val="163710350"/>
+      </p:ext>
+    </p:extLst>
+  </p:cSld>
+  <p:clrMapOvr>
+    <a:masterClrMapping/>
+  </p:clrMapOvr>
+  <p:timing>
+    <p:tnLst>
+      <p:par>
+        <p:cTn id="1" dur="indefinite" restart="never" nodeType="tmRoot"/>
+      </p:par>
+    </p:tnLst>
+  </p:timing>
+</p:sld>
+</file>
+
+<file path=ppt/slides/slide40.xml><?xml version="1.0" encoding="utf-8"?>
+<p:sld xmlns:a="http://schemas.openxmlformats.org/drawingml/2006/main" xmlns:r="http://schemas.openxmlformats.org/officeDocument/2006/relationships" xmlns:p="http://schemas.openxmlformats.org/presentationml/2006/main">
+  <p:cSld>
+    <p:spTree>
+      <p:nvGrpSpPr>
+        <p:cNvPr id="1" name=""/>
+        <p:cNvGrpSpPr/>
+        <p:nvPr/>
+      </p:nvGrpSpPr>
+      <p:grpSpPr>
+        <a:xfrm>
+          <a:off x="0" y="0"/>
+          <a:ext cx="0" cy="0"/>
+          <a:chOff x="0" y="0"/>
+          <a:chExt cx="0" cy="0"/>
+        </a:xfrm>
+      </p:grpSpPr>
+      <p:sp>
+        <p:nvSpPr>
+          <p:cNvPr id="2" name="Title 1"/>
+          <p:cNvSpPr>
+            <a:spLocks noGrp="1"/>
+          </p:cNvSpPr>
+          <p:nvPr>
+            <p:ph type="title"/>
+          </p:nvPr>
+        </p:nvSpPr>
+        <p:spPr/>
+        <p:txBody>
+          <a:bodyPr/>
+          <a:lstStyle/>
+          <a:p>
+            <a:r>
+              <a:rPr lang="en-US" dirty="0" smtClean="0"/>
               <a:t>For instance…</a:t>
             </a:r>
             <a:endParaRPr lang="en-US" dirty="0"/>
@@ -13735,7 +14027,1022 @@
 </p:sld>
 </file>
 
-<file path=ppt/slides/slide4.xml><?xml version="1.0" encoding="utf-8"?>
+<file path=ppt/slides/slide41.xml><?xml version="1.0" encoding="utf-8"?>
+<p:sld xmlns:a="http://schemas.openxmlformats.org/drawingml/2006/main" xmlns:r="http://schemas.openxmlformats.org/officeDocument/2006/relationships" xmlns:p="http://schemas.openxmlformats.org/presentationml/2006/main">
+  <p:cSld>
+    <p:spTree>
+      <p:nvGrpSpPr>
+        <p:cNvPr id="1" name=""/>
+        <p:cNvGrpSpPr/>
+        <p:nvPr/>
+      </p:nvGrpSpPr>
+      <p:grpSpPr>
+        <a:xfrm>
+          <a:off x="0" y="0"/>
+          <a:ext cx="0" cy="0"/>
+          <a:chOff x="0" y="0"/>
+          <a:chExt cx="0" cy="0"/>
+        </a:xfrm>
+      </p:grpSpPr>
+      <p:sp>
+        <p:nvSpPr>
+          <p:cNvPr id="2" name="Title 1"/>
+          <p:cNvSpPr>
+            <a:spLocks noGrp="1"/>
+          </p:cNvSpPr>
+          <p:nvPr>
+            <p:ph type="title"/>
+          </p:nvPr>
+        </p:nvSpPr>
+        <p:spPr/>
+        <p:txBody>
+          <a:bodyPr/>
+          <a:lstStyle/>
+          <a:p>
+            <a:r>
+              <a:rPr lang="en-US" dirty="0" smtClean="0"/>
+              <a:t>When?</a:t>
+            </a:r>
+            <a:endParaRPr lang="en-US" dirty="0"/>
+          </a:p>
+        </p:txBody>
+      </p:sp>
+      <p:sp>
+        <p:nvSpPr>
+          <p:cNvPr id="3" name="Content Placeholder 2"/>
+          <p:cNvSpPr>
+            <a:spLocks noGrp="1"/>
+          </p:cNvSpPr>
+          <p:nvPr>
+            <p:ph idx="1"/>
+          </p:nvPr>
+        </p:nvSpPr>
+        <p:spPr/>
+        <p:txBody>
+          <a:bodyPr>
+            <a:normAutofit/>
+          </a:bodyPr>
+          <a:lstStyle/>
+          <a:p>
+            <a:r>
+              <a:rPr lang="en-US" sz="3200" dirty="0" smtClean="0"/>
+              <a:t>Large number of objects</a:t>
+            </a:r>
+          </a:p>
+          <a:p>
+            <a:r>
+              <a:rPr lang="en-US" sz="3200" dirty="0" smtClean="0"/>
+              <a:t>Storage expensive because of the number of objects</a:t>
+            </a:r>
+          </a:p>
+          <a:p>
+            <a:pPr marL="0" indent="0">
+              <a:buNone/>
+            </a:pPr>
+            <a:r>
+              <a:rPr lang="en-US" sz="3200" dirty="0"/>
+              <a:t> </a:t>
+            </a:r>
+            <a:r>
+              <a:rPr lang="en-US" sz="3200" dirty="0" smtClean="0"/>
+              <a:t>Object state extrinsic (context-dependent)</a:t>
+            </a:r>
+          </a:p>
+          <a:p>
+            <a:pPr marL="0" indent="0">
+              <a:buNone/>
+            </a:pPr>
+            <a:r>
+              <a:rPr lang="en-US" sz="3200" dirty="0"/>
+              <a:t> </a:t>
+            </a:r>
+            <a:r>
+              <a:rPr lang="en-US" sz="3200" dirty="0" smtClean="0"/>
+              <a:t>Many objects replaced with few, shared objects containing intrinsic (context-free) state</a:t>
+            </a:r>
+          </a:p>
+          <a:p>
+            <a:pPr marL="0" indent="0">
+              <a:buNone/>
+            </a:pPr>
+            <a:r>
+              <a:rPr lang="en-US" sz="3200" dirty="0" smtClean="0"/>
+              <a:t> No dependence on object identity</a:t>
+            </a:r>
+            <a:endParaRPr lang="en-US" sz="3200" dirty="0"/>
+          </a:p>
+        </p:txBody>
+      </p:sp>
+    </p:spTree>
+    <p:extLst>
+      <p:ext uri="{BB962C8B-B14F-4D97-AF65-F5344CB8AC3E}">
+        <p14:creationId xmlns:p14="http://schemas.microsoft.com/office/powerpoint/2010/main" val="1601015915"/>
+      </p:ext>
+    </p:extLst>
+  </p:cSld>
+  <p:clrMapOvr>
+    <a:masterClrMapping/>
+  </p:clrMapOvr>
+  <p:timing>
+    <p:tnLst>
+      <p:par>
+        <p:cTn id="1" dur="indefinite" restart="never" nodeType="tmRoot"/>
+      </p:par>
+    </p:tnLst>
+  </p:timing>
+</p:sld>
+</file>
+
+<file path=ppt/slides/slide42.xml><?xml version="1.0" encoding="utf-8"?>
+<p:sld xmlns:a="http://schemas.openxmlformats.org/drawingml/2006/main" xmlns:r="http://schemas.openxmlformats.org/officeDocument/2006/relationships" xmlns:p="http://schemas.openxmlformats.org/presentationml/2006/main">
+  <p:cSld>
+    <p:spTree>
+      <p:nvGrpSpPr>
+        <p:cNvPr id="1" name=""/>
+        <p:cNvGrpSpPr/>
+        <p:nvPr/>
+      </p:nvGrpSpPr>
+      <p:grpSpPr>
+        <a:xfrm>
+          <a:off x="0" y="0"/>
+          <a:ext cx="0" cy="0"/>
+          <a:chOff x="0" y="0"/>
+          <a:chExt cx="0" cy="0"/>
+        </a:xfrm>
+      </p:grpSpPr>
+      <p:sp>
+        <p:nvSpPr>
+          <p:cNvPr id="2" name="Title 1"/>
+          <p:cNvSpPr>
+            <a:spLocks noGrp="1"/>
+          </p:cNvSpPr>
+          <p:nvPr>
+            <p:ph type="title"/>
+          </p:nvPr>
+        </p:nvSpPr>
+        <p:spPr/>
+        <p:txBody>
+          <a:bodyPr/>
+          <a:lstStyle/>
+          <a:p>
+            <a:r>
+              <a:rPr lang="en-US" dirty="0" smtClean="0"/>
+              <a:t>Example</a:t>
+            </a:r>
+            <a:endParaRPr lang="en-US" dirty="0"/>
+          </a:p>
+        </p:txBody>
+      </p:sp>
+      <p:sp>
+        <p:nvSpPr>
+          <p:cNvPr id="3" name="Content Placeholder 2"/>
+          <p:cNvSpPr>
+            <a:spLocks noGrp="1"/>
+          </p:cNvSpPr>
+          <p:nvPr>
+            <p:ph idx="1"/>
+          </p:nvPr>
+        </p:nvSpPr>
+        <p:spPr/>
+        <p:txBody>
+          <a:bodyPr>
+            <a:normAutofit/>
+          </a:bodyPr>
+          <a:lstStyle/>
+          <a:p>
+            <a:endParaRPr lang="en-US" dirty="0" smtClean="0"/>
+          </a:p>
+          <a:p>
+            <a:r>
+              <a:rPr lang="en-US" sz="4400" dirty="0" smtClean="0"/>
+              <a:t>…</a:t>
+            </a:r>
+          </a:p>
+          <a:p>
+            <a:pPr marL="201168" lvl="1" indent="0">
+              <a:buNone/>
+            </a:pPr>
+            <a:r>
+              <a:rPr lang="en-US" sz="4400" dirty="0" smtClean="0"/>
+              <a:t>        </a:t>
+            </a:r>
+            <a:r>
+              <a:rPr lang="en-US" sz="4400" dirty="0" err="1" smtClean="0"/>
+              <a:t>var</a:t>
+            </a:r>
+            <a:r>
+              <a:rPr lang="en-US" sz="4400" dirty="0" smtClean="0"/>
+              <a:t> s1 = “A String”;</a:t>
+            </a:r>
+            <a:endParaRPr lang="en-US" sz="4400" dirty="0"/>
+          </a:p>
+          <a:p>
+            <a:pPr marL="201168" lvl="1" indent="0">
+              <a:buNone/>
+            </a:pPr>
+            <a:r>
+              <a:rPr lang="en-US" sz="4400" dirty="0" smtClean="0"/>
+              <a:t>        </a:t>
+            </a:r>
+            <a:r>
+              <a:rPr lang="en-US" sz="4400" dirty="0" err="1" smtClean="0"/>
+              <a:t>var</a:t>
+            </a:r>
+            <a:r>
+              <a:rPr lang="en-US" sz="4400" dirty="0" smtClean="0"/>
+              <a:t> s2 = “A String”;</a:t>
+            </a:r>
+            <a:endParaRPr lang="en-US" sz="4400" dirty="0"/>
+          </a:p>
+          <a:p>
+            <a:pPr marL="201168" lvl="1" indent="0">
+              <a:buNone/>
+            </a:pPr>
+            <a:r>
+              <a:rPr lang="en-US" sz="4400" dirty="0" smtClean="0"/>
+              <a:t>…</a:t>
+            </a:r>
+            <a:endParaRPr lang="en-US" sz="4400" dirty="0"/>
+          </a:p>
+        </p:txBody>
+      </p:sp>
+    </p:spTree>
+    <p:extLst>
+      <p:ext uri="{BB962C8B-B14F-4D97-AF65-F5344CB8AC3E}">
+        <p14:creationId xmlns:p14="http://schemas.microsoft.com/office/powerpoint/2010/main" val="3280308487"/>
+      </p:ext>
+    </p:extLst>
+  </p:cSld>
+  <p:clrMapOvr>
+    <a:masterClrMapping/>
+  </p:clrMapOvr>
+  <p:timing>
+    <p:tnLst>
+      <p:par>
+        <p:cTn id="1" dur="indefinite" restart="never" nodeType="tmRoot"/>
+      </p:par>
+    </p:tnLst>
+  </p:timing>
+</p:sld>
+</file>
+
+<file path=ppt/slides/slide43.xml><?xml version="1.0" encoding="utf-8"?>
+<p:sld xmlns:a="http://schemas.openxmlformats.org/drawingml/2006/main" xmlns:r="http://schemas.openxmlformats.org/officeDocument/2006/relationships" xmlns:p="http://schemas.openxmlformats.org/presentationml/2006/main">
+  <p:cSld>
+    <p:spTree>
+      <p:nvGrpSpPr>
+        <p:cNvPr id="1" name=""/>
+        <p:cNvGrpSpPr/>
+        <p:nvPr/>
+      </p:nvGrpSpPr>
+      <p:grpSpPr>
+        <a:xfrm>
+          <a:off x="0" y="0"/>
+          <a:ext cx="0" cy="0"/>
+          <a:chOff x="0" y="0"/>
+          <a:chExt cx="0" cy="0"/>
+        </a:xfrm>
+      </p:grpSpPr>
+      <p:sp>
+        <p:nvSpPr>
+          <p:cNvPr id="2" name="Title 1"/>
+          <p:cNvSpPr>
+            <a:spLocks noGrp="1"/>
+          </p:cNvSpPr>
+          <p:nvPr>
+            <p:ph type="title"/>
+          </p:nvPr>
+        </p:nvSpPr>
+        <p:spPr/>
+        <p:txBody>
+          <a:bodyPr/>
+          <a:lstStyle/>
+          <a:p>
+            <a:r>
+              <a:rPr lang="en-US" dirty="0" smtClean="0"/>
+              <a:t>Flyweight</a:t>
+            </a:r>
+            <a:endParaRPr lang="en-US" dirty="0"/>
+          </a:p>
+        </p:txBody>
+      </p:sp>
+      <p:pic>
+        <p:nvPicPr>
+          <p:cNvPr id="6" name="Picture 5"/>
+          <p:cNvPicPr>
+            <a:picLocks noChangeAspect="1"/>
+          </p:cNvPicPr>
+          <p:nvPr/>
+        </p:nvPicPr>
+        <p:blipFill>
+          <a:blip r:embed="rId3"/>
+          <a:stretch>
+            <a:fillRect/>
+          </a:stretch>
+        </p:blipFill>
+        <p:spPr>
+          <a:xfrm>
+            <a:off x="2173402" y="1737360"/>
+            <a:ext cx="8342198" cy="4121911"/>
+          </a:xfrm>
+          <a:prstGeom prst="rect">
+            <a:avLst/>
+          </a:prstGeom>
+        </p:spPr>
+      </p:pic>
+    </p:spTree>
+    <p:extLst>
+      <p:ext uri="{BB962C8B-B14F-4D97-AF65-F5344CB8AC3E}">
+        <p14:creationId xmlns:p14="http://schemas.microsoft.com/office/powerpoint/2010/main" val="786671435"/>
+      </p:ext>
+    </p:extLst>
+  </p:cSld>
+  <p:clrMapOvr>
+    <a:masterClrMapping/>
+  </p:clrMapOvr>
+  <p:timing>
+    <p:tnLst>
+      <p:par>
+        <p:cTn id="1" dur="indefinite" restart="never" nodeType="tmRoot"/>
+      </p:par>
+    </p:tnLst>
+  </p:timing>
+</p:sld>
+</file>
+
+<file path=ppt/slides/slide44.xml><?xml version="1.0" encoding="utf-8"?>
+<p:sld xmlns:a="http://schemas.openxmlformats.org/drawingml/2006/main" xmlns:r="http://schemas.openxmlformats.org/officeDocument/2006/relationships" xmlns:p="http://schemas.openxmlformats.org/presentationml/2006/main">
+  <p:cSld>
+    <p:spTree>
+      <p:nvGrpSpPr>
+        <p:cNvPr id="1" name=""/>
+        <p:cNvGrpSpPr/>
+        <p:nvPr/>
+      </p:nvGrpSpPr>
+      <p:grpSpPr>
+        <a:xfrm>
+          <a:off x="0" y="0"/>
+          <a:ext cx="0" cy="0"/>
+          <a:chOff x="0" y="0"/>
+          <a:chExt cx="0" cy="0"/>
+        </a:xfrm>
+      </p:grpSpPr>
+      <p:sp>
+        <p:nvSpPr>
+          <p:cNvPr id="2" name="Title 1"/>
+          <p:cNvSpPr>
+            <a:spLocks noGrp="1"/>
+          </p:cNvSpPr>
+          <p:nvPr>
+            <p:ph type="title"/>
+          </p:nvPr>
+        </p:nvSpPr>
+        <p:spPr/>
+        <p:txBody>
+          <a:bodyPr/>
+          <a:lstStyle/>
+          <a:p>
+            <a:r>
+              <a:rPr lang="en-US" dirty="0" smtClean="0"/>
+              <a:t>Demo</a:t>
+            </a:r>
+            <a:endParaRPr lang="en-US" dirty="0"/>
+          </a:p>
+        </p:txBody>
+      </p:sp>
+      <p:sp>
+        <p:nvSpPr>
+          <p:cNvPr id="3" name="Content Placeholder 2"/>
+          <p:cNvSpPr>
+            <a:spLocks noGrp="1"/>
+          </p:cNvSpPr>
+          <p:nvPr>
+            <p:ph idx="1"/>
+          </p:nvPr>
+        </p:nvSpPr>
+        <p:spPr/>
+        <p:txBody>
+          <a:bodyPr/>
+          <a:lstStyle/>
+          <a:p>
+            <a:endParaRPr lang="en-US" dirty="0"/>
+          </a:p>
+        </p:txBody>
+      </p:sp>
+    </p:spTree>
+    <p:extLst>
+      <p:ext uri="{BB962C8B-B14F-4D97-AF65-F5344CB8AC3E}">
+        <p14:creationId xmlns:p14="http://schemas.microsoft.com/office/powerpoint/2010/main" val="4170427834"/>
+      </p:ext>
+    </p:extLst>
+  </p:cSld>
+  <p:clrMapOvr>
+    <a:masterClrMapping/>
+  </p:clrMapOvr>
+  <p:timing>
+    <p:tnLst>
+      <p:par>
+        <p:cTn id="1" dur="indefinite" restart="never" nodeType="tmRoot"/>
+      </p:par>
+    </p:tnLst>
+  </p:timing>
+</p:sld>
+</file>
+
+<file path=ppt/slides/slide45.xml><?xml version="1.0" encoding="utf-8"?>
+<p:sld xmlns:a="http://schemas.openxmlformats.org/drawingml/2006/main" xmlns:r="http://schemas.openxmlformats.org/officeDocument/2006/relationships" xmlns:p="http://schemas.openxmlformats.org/presentationml/2006/main">
+  <p:cSld>
+    <p:spTree>
+      <p:nvGrpSpPr>
+        <p:cNvPr id="1" name=""/>
+        <p:cNvGrpSpPr/>
+        <p:nvPr/>
+      </p:nvGrpSpPr>
+      <p:grpSpPr>
+        <a:xfrm>
+          <a:off x="0" y="0"/>
+          <a:ext cx="0" cy="0"/>
+          <a:chOff x="0" y="0"/>
+          <a:chExt cx="0" cy="0"/>
+        </a:xfrm>
+      </p:grpSpPr>
+      <p:sp>
+        <p:nvSpPr>
+          <p:cNvPr id="2" name="Title 1"/>
+          <p:cNvSpPr>
+            <a:spLocks noGrp="1"/>
+          </p:cNvSpPr>
+          <p:nvPr>
+            <p:ph type="title"/>
+          </p:nvPr>
+        </p:nvSpPr>
+        <p:spPr/>
+        <p:txBody>
+          <a:bodyPr/>
+          <a:lstStyle/>
+          <a:p>
+            <a:r>
+              <a:rPr lang="en-US" dirty="0" smtClean="0"/>
+              <a:t>Summary</a:t>
+            </a:r>
+            <a:endParaRPr lang="en-US" dirty="0"/>
+          </a:p>
+        </p:txBody>
+      </p:sp>
+      <p:sp>
+        <p:nvSpPr>
+          <p:cNvPr id="3" name="Content Placeholder 2"/>
+          <p:cNvSpPr>
+            <a:spLocks noGrp="1"/>
+          </p:cNvSpPr>
+          <p:nvPr>
+            <p:ph idx="1"/>
+          </p:nvPr>
+        </p:nvSpPr>
+        <p:spPr/>
+        <p:txBody>
+          <a:bodyPr/>
+          <a:lstStyle/>
+          <a:p>
+            <a:r>
+              <a:rPr lang="en-US" sz="2400" dirty="0"/>
+              <a:t>Group of objects are replaced by a few shared objects once extrinsic state is removed</a:t>
+            </a:r>
+          </a:p>
+          <a:p>
+            <a:r>
+              <a:rPr lang="en-US" sz="2400" dirty="0"/>
+              <a:t>Storage savings are derived from</a:t>
+            </a:r>
+          </a:p>
+          <a:p>
+            <a:pPr marL="201168" lvl="1" indent="0">
+              <a:buNone/>
+            </a:pPr>
+            <a:r>
+              <a:rPr lang="en-US" sz="2400" dirty="0" smtClean="0"/>
+              <a:t>       Reduced </a:t>
+            </a:r>
+            <a:r>
+              <a:rPr lang="en-US" sz="2400" dirty="0"/>
+              <a:t>instances</a:t>
+            </a:r>
+          </a:p>
+          <a:p>
+            <a:pPr marL="201168" lvl="1" indent="0">
+              <a:buNone/>
+            </a:pPr>
+            <a:r>
+              <a:rPr lang="en-US" sz="2400" dirty="0" smtClean="0"/>
+              <a:t>       Amount </a:t>
+            </a:r>
+            <a:r>
+              <a:rPr lang="en-US" sz="2400" dirty="0"/>
+              <a:t>of intrinsic state per object</a:t>
+            </a:r>
+          </a:p>
+          <a:p>
+            <a:pPr lvl="1"/>
+            <a:endParaRPr lang="en-US" sz="2400" dirty="0"/>
+          </a:p>
+          <a:p>
+            <a:pPr marL="201168" lvl="1" indent="0">
+              <a:buNone/>
+            </a:pPr>
+            <a:r>
+              <a:rPr lang="en-US" sz="2400" dirty="0"/>
+              <a:t>Application can no longer depend on the object’s </a:t>
+            </a:r>
+            <a:r>
+              <a:rPr lang="en-US" sz="2400" dirty="0" smtClean="0"/>
+              <a:t>identity</a:t>
+            </a:r>
+          </a:p>
+          <a:p>
+            <a:pPr marL="201168" lvl="1" indent="0">
+              <a:buNone/>
+            </a:pPr>
+            <a:endParaRPr lang="en-US" sz="2400" dirty="0" smtClean="0"/>
+          </a:p>
+          <a:p>
+            <a:endParaRPr lang="en-US" dirty="0"/>
+          </a:p>
+        </p:txBody>
+      </p:sp>
+    </p:spTree>
+    <p:extLst>
+      <p:ext uri="{BB962C8B-B14F-4D97-AF65-F5344CB8AC3E}">
+        <p14:creationId xmlns:p14="http://schemas.microsoft.com/office/powerpoint/2010/main" val="865942520"/>
+      </p:ext>
+    </p:extLst>
+  </p:cSld>
+  <p:clrMapOvr>
+    <a:masterClrMapping/>
+  </p:clrMapOvr>
+  <p:timing>
+    <p:tnLst>
+      <p:par>
+        <p:cTn id="1" dur="indefinite" restart="never" nodeType="tmRoot"/>
+      </p:par>
+    </p:tnLst>
+  </p:timing>
+</p:sld>
+</file>
+
+<file path=ppt/slides/slide46.xml><?xml version="1.0" encoding="utf-8"?>
+<p:sld xmlns:a="http://schemas.openxmlformats.org/drawingml/2006/main" xmlns:r="http://schemas.openxmlformats.org/officeDocument/2006/relationships" xmlns:p="http://schemas.openxmlformats.org/presentationml/2006/main">
+  <p:cSld>
+    <p:spTree>
+      <p:nvGrpSpPr>
+        <p:cNvPr id="1" name=""/>
+        <p:cNvGrpSpPr/>
+        <p:nvPr/>
+      </p:nvGrpSpPr>
+      <p:grpSpPr>
+        <a:xfrm>
+          <a:off x="0" y="0"/>
+          <a:ext cx="0" cy="0"/>
+          <a:chOff x="0" y="0"/>
+          <a:chExt cx="0" cy="0"/>
+        </a:xfrm>
+      </p:grpSpPr>
+      <p:sp>
+        <p:nvSpPr>
+          <p:cNvPr id="2" name="Title 1"/>
+          <p:cNvSpPr>
+            <a:spLocks noGrp="1"/>
+          </p:cNvSpPr>
+          <p:nvPr>
+            <p:ph type="title"/>
+          </p:nvPr>
+        </p:nvSpPr>
+        <p:spPr/>
+        <p:txBody>
+          <a:bodyPr/>
+          <a:lstStyle/>
+          <a:p>
+            <a:r>
+              <a:rPr lang="en-US" dirty="0" smtClean="0"/>
+              <a:t>Pipes and Filters</a:t>
+            </a:r>
+            <a:endParaRPr lang="en-US" dirty="0"/>
+          </a:p>
+        </p:txBody>
+      </p:sp>
+      <p:sp>
+        <p:nvSpPr>
+          <p:cNvPr id="3" name="Content Placeholder 2"/>
+          <p:cNvSpPr>
+            <a:spLocks noGrp="1"/>
+          </p:cNvSpPr>
+          <p:nvPr>
+            <p:ph idx="1"/>
+          </p:nvPr>
+        </p:nvSpPr>
+        <p:spPr/>
+        <p:txBody>
+          <a:bodyPr>
+            <a:normAutofit/>
+          </a:bodyPr>
+          <a:lstStyle/>
+          <a:p>
+            <a:endParaRPr lang="en-US" sz="4400" dirty="0" smtClean="0"/>
+          </a:p>
+          <a:p>
+            <a:r>
+              <a:rPr lang="en-US" sz="4400" dirty="0"/>
+              <a:t> </a:t>
+            </a:r>
+            <a:r>
+              <a:rPr lang="en-US" sz="4400" dirty="0" smtClean="0"/>
+              <a:t>          This world is not my home,</a:t>
+            </a:r>
+          </a:p>
+          <a:p>
+            <a:r>
+              <a:rPr lang="en-US" sz="4400" dirty="0"/>
+              <a:t> </a:t>
+            </a:r>
+            <a:r>
+              <a:rPr lang="en-US" sz="4400" dirty="0" smtClean="0"/>
+              <a:t>                        I’m just a </a:t>
+            </a:r>
+            <a:r>
+              <a:rPr lang="en-US" sz="4400" dirty="0" err="1" smtClean="0"/>
+              <a:t>passin</a:t>
+            </a:r>
+            <a:r>
+              <a:rPr lang="en-US" sz="4400" dirty="0" smtClean="0"/>
+              <a:t>’ through.</a:t>
+            </a:r>
+            <a:endParaRPr lang="en-US" sz="4400" dirty="0"/>
+          </a:p>
+        </p:txBody>
+      </p:sp>
+    </p:spTree>
+    <p:extLst>
+      <p:ext uri="{BB962C8B-B14F-4D97-AF65-F5344CB8AC3E}">
+        <p14:creationId xmlns:p14="http://schemas.microsoft.com/office/powerpoint/2010/main" val="1570550019"/>
+      </p:ext>
+    </p:extLst>
+  </p:cSld>
+  <p:clrMapOvr>
+    <a:masterClrMapping/>
+  </p:clrMapOvr>
+  <p:timing>
+    <p:tnLst>
+      <p:par>
+        <p:cTn id="1" dur="indefinite" restart="never" nodeType="tmRoot"/>
+      </p:par>
+    </p:tnLst>
+  </p:timing>
+</p:sld>
+</file>
+
+<file path=ppt/slides/slide47.xml><?xml version="1.0" encoding="utf-8"?>
+<p:sld xmlns:a="http://schemas.openxmlformats.org/drawingml/2006/main" xmlns:r="http://schemas.openxmlformats.org/officeDocument/2006/relationships" xmlns:p="http://schemas.openxmlformats.org/presentationml/2006/main">
+  <p:cSld>
+    <p:spTree>
+      <p:nvGrpSpPr>
+        <p:cNvPr id="1" name=""/>
+        <p:cNvGrpSpPr/>
+        <p:nvPr/>
+      </p:nvGrpSpPr>
+      <p:grpSpPr>
+        <a:xfrm>
+          <a:off x="0" y="0"/>
+          <a:ext cx="0" cy="0"/>
+          <a:chOff x="0" y="0"/>
+          <a:chExt cx="0" cy="0"/>
+        </a:xfrm>
+      </p:grpSpPr>
+      <p:sp>
+        <p:nvSpPr>
+          <p:cNvPr id="2" name="Title 1"/>
+          <p:cNvSpPr>
+            <a:spLocks noGrp="1"/>
+          </p:cNvSpPr>
+          <p:nvPr>
+            <p:ph type="title"/>
+          </p:nvPr>
+        </p:nvSpPr>
+        <p:spPr/>
+        <p:txBody>
+          <a:bodyPr/>
+          <a:lstStyle/>
+          <a:p>
+            <a:r>
+              <a:rPr lang="en-US" dirty="0" smtClean="0"/>
+              <a:t>The Issue</a:t>
+            </a:r>
+            <a:endParaRPr lang="en-US" dirty="0"/>
+          </a:p>
+        </p:txBody>
+      </p:sp>
+      <p:sp>
+        <p:nvSpPr>
+          <p:cNvPr id="3" name="Content Placeholder 2"/>
+          <p:cNvSpPr>
+            <a:spLocks noGrp="1"/>
+          </p:cNvSpPr>
+          <p:nvPr>
+            <p:ph idx="1"/>
+          </p:nvPr>
+        </p:nvSpPr>
+        <p:spPr/>
+        <p:txBody>
+          <a:bodyPr>
+            <a:normAutofit/>
+          </a:bodyPr>
+          <a:lstStyle/>
+          <a:p>
+            <a:endParaRPr lang="en-US" sz="4400" dirty="0" smtClean="0"/>
+          </a:p>
+          <a:p>
+            <a:r>
+              <a:rPr lang="en-US" sz="4400" dirty="0"/>
+              <a:t> </a:t>
+            </a:r>
+            <a:r>
+              <a:rPr lang="en-US" sz="4400" dirty="0" smtClean="0"/>
+              <a:t>                An object passes through </a:t>
+            </a:r>
+          </a:p>
+          <a:p>
+            <a:r>
+              <a:rPr lang="en-US" sz="4400" dirty="0"/>
+              <a:t> </a:t>
+            </a:r>
+            <a:r>
+              <a:rPr lang="en-US" sz="4400" dirty="0" smtClean="0"/>
+              <a:t>                               successive stages</a:t>
+            </a:r>
+          </a:p>
+        </p:txBody>
+      </p:sp>
+    </p:spTree>
+    <p:extLst>
+      <p:ext uri="{BB962C8B-B14F-4D97-AF65-F5344CB8AC3E}">
+        <p14:creationId xmlns:p14="http://schemas.microsoft.com/office/powerpoint/2010/main" val="4249826679"/>
+      </p:ext>
+    </p:extLst>
+  </p:cSld>
+  <p:clrMapOvr>
+    <a:masterClrMapping/>
+  </p:clrMapOvr>
+  <p:timing>
+    <p:tnLst>
+      <p:par>
+        <p:cTn id="1" dur="indefinite" restart="never" nodeType="tmRoot"/>
+      </p:par>
+    </p:tnLst>
+  </p:timing>
+</p:sld>
+</file>
+
+<file path=ppt/slides/slide48.xml><?xml version="1.0" encoding="utf-8"?>
+<p:sld xmlns:a="http://schemas.openxmlformats.org/drawingml/2006/main" xmlns:r="http://schemas.openxmlformats.org/officeDocument/2006/relationships" xmlns:p="http://schemas.openxmlformats.org/presentationml/2006/main">
+  <p:cSld>
+    <p:spTree>
+      <p:nvGrpSpPr>
+        <p:cNvPr id="1" name=""/>
+        <p:cNvGrpSpPr/>
+        <p:nvPr/>
+      </p:nvGrpSpPr>
+      <p:grpSpPr>
+        <a:xfrm>
+          <a:off x="0" y="0"/>
+          <a:ext cx="0" cy="0"/>
+          <a:chOff x="0" y="0"/>
+          <a:chExt cx="0" cy="0"/>
+        </a:xfrm>
+      </p:grpSpPr>
+      <p:sp>
+        <p:nvSpPr>
+          <p:cNvPr id="2" name="Title 1"/>
+          <p:cNvSpPr>
+            <a:spLocks noGrp="1"/>
+          </p:cNvSpPr>
+          <p:nvPr>
+            <p:ph type="title"/>
+          </p:nvPr>
+        </p:nvSpPr>
+        <p:spPr/>
+        <p:txBody>
+          <a:bodyPr/>
+          <a:lstStyle/>
+          <a:p>
+            <a:r>
+              <a:rPr lang="en-US" dirty="0" smtClean="0"/>
+              <a:t>Examples</a:t>
+            </a:r>
+            <a:endParaRPr lang="en-US" dirty="0"/>
+          </a:p>
+        </p:txBody>
+      </p:sp>
+      <p:sp>
+        <p:nvSpPr>
+          <p:cNvPr id="3" name="Content Placeholder 2"/>
+          <p:cNvSpPr>
+            <a:spLocks noGrp="1"/>
+          </p:cNvSpPr>
+          <p:nvPr>
+            <p:ph idx="1"/>
+          </p:nvPr>
+        </p:nvSpPr>
+        <p:spPr/>
+        <p:txBody>
+          <a:bodyPr>
+            <a:normAutofit fontScale="92500" lnSpcReduction="10000"/>
+          </a:bodyPr>
+          <a:lstStyle/>
+          <a:p>
+            <a:r>
+              <a:rPr lang="en-US" sz="4400" dirty="0" smtClean="0"/>
+              <a:t>               </a:t>
+            </a:r>
+            <a:br>
+              <a:rPr lang="en-US" sz="4400" dirty="0" smtClean="0"/>
+            </a:br>
+            <a:r>
+              <a:rPr lang="en-US" sz="4400" dirty="0" smtClean="0"/>
+              <a:t>               IIS Pipeline</a:t>
+            </a:r>
+          </a:p>
+          <a:p>
+            <a:r>
+              <a:rPr lang="en-US" sz="4400" dirty="0" smtClean="0"/>
+              <a:t>               Compiler pipeline</a:t>
+            </a:r>
+          </a:p>
+          <a:p>
+            <a:r>
+              <a:rPr lang="en-US" sz="4400" dirty="0"/>
+              <a:t> </a:t>
+            </a:r>
+            <a:r>
+              <a:rPr lang="en-US" sz="4400" dirty="0" smtClean="0"/>
+              <a:t>              Message processing</a:t>
+            </a:r>
+          </a:p>
+          <a:p>
+            <a:r>
+              <a:rPr lang="en-US" sz="4400" dirty="0" smtClean="0"/>
+              <a:t>               Document workflow</a:t>
+            </a:r>
+          </a:p>
+          <a:p>
+            <a:pPr marL="201168" lvl="1" indent="0">
+              <a:spcBef>
+                <a:spcPts val="1200"/>
+              </a:spcBef>
+              <a:spcAft>
+                <a:spcPts val="200"/>
+              </a:spcAft>
+              <a:buNone/>
+            </a:pPr>
+            <a:r>
+              <a:rPr lang="en-US" sz="4400" dirty="0"/>
+              <a:t> </a:t>
+            </a:r>
+            <a:r>
+              <a:rPr lang="en-US" sz="4400" dirty="0" smtClean="0"/>
+              <a:t>              UNIX command line</a:t>
+            </a:r>
+          </a:p>
+          <a:p>
+            <a:endParaRPr lang="en-US" dirty="0" smtClean="0"/>
+          </a:p>
+          <a:p>
+            <a:endParaRPr lang="en-US" dirty="0"/>
+          </a:p>
+        </p:txBody>
+      </p:sp>
+    </p:spTree>
+    <p:extLst>
+      <p:ext uri="{BB962C8B-B14F-4D97-AF65-F5344CB8AC3E}">
+        <p14:creationId xmlns:p14="http://schemas.microsoft.com/office/powerpoint/2010/main" val="2596349310"/>
+      </p:ext>
+    </p:extLst>
+  </p:cSld>
+  <p:clrMapOvr>
+    <a:masterClrMapping/>
+  </p:clrMapOvr>
+  <p:timing>
+    <p:tnLst>
+      <p:par>
+        <p:cTn id="1" dur="indefinite" restart="never" nodeType="tmRoot"/>
+      </p:par>
+    </p:tnLst>
+  </p:timing>
+</p:sld>
+</file>
+
+<file path=ppt/slides/slide49.xml><?xml version="1.0" encoding="utf-8"?>
+<p:sld xmlns:a="http://schemas.openxmlformats.org/drawingml/2006/main" xmlns:r="http://schemas.openxmlformats.org/officeDocument/2006/relationships" xmlns:p="http://schemas.openxmlformats.org/presentationml/2006/main">
+  <p:cSld>
+    <p:spTree>
+      <p:nvGrpSpPr>
+        <p:cNvPr id="1" name=""/>
+        <p:cNvGrpSpPr/>
+        <p:nvPr/>
+      </p:nvGrpSpPr>
+      <p:grpSpPr>
+        <a:xfrm>
+          <a:off x="0" y="0"/>
+          <a:ext cx="0" cy="0"/>
+          <a:chOff x="0" y="0"/>
+          <a:chExt cx="0" cy="0"/>
+        </a:xfrm>
+      </p:grpSpPr>
+      <p:sp>
+        <p:nvSpPr>
+          <p:cNvPr id="2" name="Title 1"/>
+          <p:cNvSpPr>
+            <a:spLocks noGrp="1"/>
+          </p:cNvSpPr>
+          <p:nvPr>
+            <p:ph type="title"/>
+          </p:nvPr>
+        </p:nvSpPr>
+        <p:spPr/>
+        <p:txBody>
+          <a:bodyPr/>
+          <a:lstStyle/>
+          <a:p>
+            <a:r>
+              <a:rPr lang="en-US" dirty="0" smtClean="0"/>
+              <a:t>Pipes and Filters</a:t>
+            </a:r>
+            <a:endParaRPr lang="en-US" dirty="0"/>
+          </a:p>
+        </p:txBody>
+      </p:sp>
+      <p:sp>
+        <p:nvSpPr>
+          <p:cNvPr id="3" name="Content Placeholder 2"/>
+          <p:cNvSpPr>
+            <a:spLocks noGrp="1"/>
+          </p:cNvSpPr>
+          <p:nvPr>
+            <p:ph idx="1"/>
+          </p:nvPr>
+        </p:nvSpPr>
+        <p:spPr/>
+        <p:txBody>
+          <a:bodyPr>
+            <a:normAutofit/>
+          </a:bodyPr>
+          <a:lstStyle/>
+          <a:p>
+            <a:endParaRPr lang="en-US" dirty="0" smtClean="0"/>
+          </a:p>
+          <a:p>
+            <a:r>
+              <a:rPr lang="en-US" sz="4400" dirty="0" smtClean="0"/>
+              <a:t>Key Concept: </a:t>
+            </a:r>
+            <a:br>
+              <a:rPr lang="en-US" sz="4400" dirty="0" smtClean="0"/>
+            </a:br>
+            <a:r>
+              <a:rPr lang="en-US" sz="4400" dirty="0" smtClean="0"/>
+              <a:t/>
+            </a:r>
+            <a:br>
+              <a:rPr lang="en-US" sz="4400" dirty="0" smtClean="0"/>
+            </a:br>
+            <a:r>
+              <a:rPr lang="en-US" sz="4400" dirty="0" smtClean="0"/>
+              <a:t>       Output of one stage is input to the next</a:t>
+            </a:r>
+          </a:p>
+          <a:p>
+            <a:endParaRPr lang="en-US" dirty="0"/>
+          </a:p>
+        </p:txBody>
+      </p:sp>
+    </p:spTree>
+    <p:extLst>
+      <p:ext uri="{BB962C8B-B14F-4D97-AF65-F5344CB8AC3E}">
+        <p14:creationId xmlns:p14="http://schemas.microsoft.com/office/powerpoint/2010/main" val="2892099997"/>
+      </p:ext>
+    </p:extLst>
+  </p:cSld>
+  <p:clrMapOvr>
+    <a:masterClrMapping/>
+  </p:clrMapOvr>
+  <p:timing>
+    <p:tnLst>
+      <p:par>
+        <p:cTn id="1" dur="indefinite" restart="never" nodeType="tmRoot"/>
+      </p:par>
+    </p:tnLst>
+  </p:timing>
+</p:sld>
+</file>
+
+<file path=ppt/slides/slide5.xml><?xml version="1.0" encoding="utf-8"?>
 <p:sld xmlns:a="http://schemas.openxmlformats.org/drawingml/2006/main" xmlns:r="http://schemas.openxmlformats.org/officeDocument/2006/relationships" xmlns:p="http://schemas.openxmlformats.org/presentationml/2006/main">
   <p:cSld>
     <p:spTree>
@@ -13864,1022 +15171,7 @@
 </p:sld>
 </file>
 
-<file path=ppt/slides/slide40.xml><?xml version="1.0" encoding="utf-8"?>
-<p:sld xmlns:a="http://schemas.openxmlformats.org/drawingml/2006/main" xmlns:r="http://schemas.openxmlformats.org/officeDocument/2006/relationships" xmlns:p="http://schemas.openxmlformats.org/presentationml/2006/main">
-  <p:cSld>
-    <p:spTree>
-      <p:nvGrpSpPr>
-        <p:cNvPr id="1" name=""/>
-        <p:cNvGrpSpPr/>
-        <p:nvPr/>
-      </p:nvGrpSpPr>
-      <p:grpSpPr>
-        <a:xfrm>
-          <a:off x="0" y="0"/>
-          <a:ext cx="0" cy="0"/>
-          <a:chOff x="0" y="0"/>
-          <a:chExt cx="0" cy="0"/>
-        </a:xfrm>
-      </p:grpSpPr>
-      <p:sp>
-        <p:nvSpPr>
-          <p:cNvPr id="2" name="Title 1"/>
-          <p:cNvSpPr>
-            <a:spLocks noGrp="1"/>
-          </p:cNvSpPr>
-          <p:nvPr>
-            <p:ph type="title"/>
-          </p:nvPr>
-        </p:nvSpPr>
-        <p:spPr/>
-        <p:txBody>
-          <a:bodyPr/>
-          <a:lstStyle/>
-          <a:p>
-            <a:r>
-              <a:rPr lang="en-US" dirty="0" smtClean="0"/>
-              <a:t>When?</a:t>
-            </a:r>
-            <a:endParaRPr lang="en-US" dirty="0"/>
-          </a:p>
-        </p:txBody>
-      </p:sp>
-      <p:sp>
-        <p:nvSpPr>
-          <p:cNvPr id="3" name="Content Placeholder 2"/>
-          <p:cNvSpPr>
-            <a:spLocks noGrp="1"/>
-          </p:cNvSpPr>
-          <p:nvPr>
-            <p:ph idx="1"/>
-          </p:nvPr>
-        </p:nvSpPr>
-        <p:spPr/>
-        <p:txBody>
-          <a:bodyPr>
-            <a:normAutofit/>
-          </a:bodyPr>
-          <a:lstStyle/>
-          <a:p>
-            <a:r>
-              <a:rPr lang="en-US" sz="3200" dirty="0" smtClean="0"/>
-              <a:t>Large number of objects</a:t>
-            </a:r>
-          </a:p>
-          <a:p>
-            <a:r>
-              <a:rPr lang="en-US" sz="3200" dirty="0" smtClean="0"/>
-              <a:t>Storage expensive because of the number of objects</a:t>
-            </a:r>
-          </a:p>
-          <a:p>
-            <a:pPr marL="0" indent="0">
-              <a:buNone/>
-            </a:pPr>
-            <a:r>
-              <a:rPr lang="en-US" sz="3200" dirty="0"/>
-              <a:t> </a:t>
-            </a:r>
-            <a:r>
-              <a:rPr lang="en-US" sz="3200" dirty="0" smtClean="0"/>
-              <a:t>Object state extrinsic (context-dependent)</a:t>
-            </a:r>
-          </a:p>
-          <a:p>
-            <a:pPr marL="0" indent="0">
-              <a:buNone/>
-            </a:pPr>
-            <a:r>
-              <a:rPr lang="en-US" sz="3200" dirty="0"/>
-              <a:t> </a:t>
-            </a:r>
-            <a:r>
-              <a:rPr lang="en-US" sz="3200" dirty="0" smtClean="0"/>
-              <a:t>Many objects replaced with few, shared objects containing intrinsic (context-free) state</a:t>
-            </a:r>
-          </a:p>
-          <a:p>
-            <a:pPr marL="0" indent="0">
-              <a:buNone/>
-            </a:pPr>
-            <a:r>
-              <a:rPr lang="en-US" sz="3200" dirty="0" smtClean="0"/>
-              <a:t> No dependence on object identity</a:t>
-            </a:r>
-            <a:endParaRPr lang="en-US" sz="3200" dirty="0"/>
-          </a:p>
-        </p:txBody>
-      </p:sp>
-    </p:spTree>
-    <p:extLst>
-      <p:ext uri="{BB962C8B-B14F-4D97-AF65-F5344CB8AC3E}">
-        <p14:creationId xmlns:p14="http://schemas.microsoft.com/office/powerpoint/2010/main" val="1601015915"/>
-      </p:ext>
-    </p:extLst>
-  </p:cSld>
-  <p:clrMapOvr>
-    <a:masterClrMapping/>
-  </p:clrMapOvr>
-  <p:timing>
-    <p:tnLst>
-      <p:par>
-        <p:cTn id="1" dur="indefinite" restart="never" nodeType="tmRoot"/>
-      </p:par>
-    </p:tnLst>
-  </p:timing>
-</p:sld>
-</file>
-
-<file path=ppt/slides/slide41.xml><?xml version="1.0" encoding="utf-8"?>
-<p:sld xmlns:a="http://schemas.openxmlformats.org/drawingml/2006/main" xmlns:r="http://schemas.openxmlformats.org/officeDocument/2006/relationships" xmlns:p="http://schemas.openxmlformats.org/presentationml/2006/main">
-  <p:cSld>
-    <p:spTree>
-      <p:nvGrpSpPr>
-        <p:cNvPr id="1" name=""/>
-        <p:cNvGrpSpPr/>
-        <p:nvPr/>
-      </p:nvGrpSpPr>
-      <p:grpSpPr>
-        <a:xfrm>
-          <a:off x="0" y="0"/>
-          <a:ext cx="0" cy="0"/>
-          <a:chOff x="0" y="0"/>
-          <a:chExt cx="0" cy="0"/>
-        </a:xfrm>
-      </p:grpSpPr>
-      <p:sp>
-        <p:nvSpPr>
-          <p:cNvPr id="2" name="Title 1"/>
-          <p:cNvSpPr>
-            <a:spLocks noGrp="1"/>
-          </p:cNvSpPr>
-          <p:nvPr>
-            <p:ph type="title"/>
-          </p:nvPr>
-        </p:nvSpPr>
-        <p:spPr/>
-        <p:txBody>
-          <a:bodyPr/>
-          <a:lstStyle/>
-          <a:p>
-            <a:r>
-              <a:rPr lang="en-US" dirty="0" smtClean="0"/>
-              <a:t>Example</a:t>
-            </a:r>
-            <a:endParaRPr lang="en-US" dirty="0"/>
-          </a:p>
-        </p:txBody>
-      </p:sp>
-      <p:sp>
-        <p:nvSpPr>
-          <p:cNvPr id="3" name="Content Placeholder 2"/>
-          <p:cNvSpPr>
-            <a:spLocks noGrp="1"/>
-          </p:cNvSpPr>
-          <p:nvPr>
-            <p:ph idx="1"/>
-          </p:nvPr>
-        </p:nvSpPr>
-        <p:spPr/>
-        <p:txBody>
-          <a:bodyPr>
-            <a:normAutofit/>
-          </a:bodyPr>
-          <a:lstStyle/>
-          <a:p>
-            <a:endParaRPr lang="en-US" dirty="0" smtClean="0"/>
-          </a:p>
-          <a:p>
-            <a:r>
-              <a:rPr lang="en-US" sz="4400" dirty="0" smtClean="0"/>
-              <a:t>…</a:t>
-            </a:r>
-          </a:p>
-          <a:p>
-            <a:pPr marL="201168" lvl="1" indent="0">
-              <a:buNone/>
-            </a:pPr>
-            <a:r>
-              <a:rPr lang="en-US" sz="4400" dirty="0" smtClean="0"/>
-              <a:t>        </a:t>
-            </a:r>
-            <a:r>
-              <a:rPr lang="en-US" sz="4400" dirty="0" err="1" smtClean="0"/>
-              <a:t>var</a:t>
-            </a:r>
-            <a:r>
-              <a:rPr lang="en-US" sz="4400" dirty="0" smtClean="0"/>
-              <a:t> s1 = “A String”;</a:t>
-            </a:r>
-            <a:endParaRPr lang="en-US" sz="4400" dirty="0"/>
-          </a:p>
-          <a:p>
-            <a:pPr marL="201168" lvl="1" indent="0">
-              <a:buNone/>
-            </a:pPr>
-            <a:r>
-              <a:rPr lang="en-US" sz="4400" dirty="0" smtClean="0"/>
-              <a:t>        </a:t>
-            </a:r>
-            <a:r>
-              <a:rPr lang="en-US" sz="4400" dirty="0" err="1" smtClean="0"/>
-              <a:t>var</a:t>
-            </a:r>
-            <a:r>
-              <a:rPr lang="en-US" sz="4400" dirty="0" smtClean="0"/>
-              <a:t> s2 = “A String”;</a:t>
-            </a:r>
-            <a:endParaRPr lang="en-US" sz="4400" dirty="0"/>
-          </a:p>
-          <a:p>
-            <a:pPr marL="201168" lvl="1" indent="0">
-              <a:buNone/>
-            </a:pPr>
-            <a:r>
-              <a:rPr lang="en-US" sz="4400" dirty="0" smtClean="0"/>
-              <a:t>…</a:t>
-            </a:r>
-            <a:endParaRPr lang="en-US" sz="4400" dirty="0"/>
-          </a:p>
-        </p:txBody>
-      </p:sp>
-    </p:spTree>
-    <p:extLst>
-      <p:ext uri="{BB962C8B-B14F-4D97-AF65-F5344CB8AC3E}">
-        <p14:creationId xmlns:p14="http://schemas.microsoft.com/office/powerpoint/2010/main" val="3280308487"/>
-      </p:ext>
-    </p:extLst>
-  </p:cSld>
-  <p:clrMapOvr>
-    <a:masterClrMapping/>
-  </p:clrMapOvr>
-  <p:timing>
-    <p:tnLst>
-      <p:par>
-        <p:cTn id="1" dur="indefinite" restart="never" nodeType="tmRoot"/>
-      </p:par>
-    </p:tnLst>
-  </p:timing>
-</p:sld>
-</file>
-
-<file path=ppt/slides/slide42.xml><?xml version="1.0" encoding="utf-8"?>
-<p:sld xmlns:a="http://schemas.openxmlformats.org/drawingml/2006/main" xmlns:r="http://schemas.openxmlformats.org/officeDocument/2006/relationships" xmlns:p="http://schemas.openxmlformats.org/presentationml/2006/main">
-  <p:cSld>
-    <p:spTree>
-      <p:nvGrpSpPr>
-        <p:cNvPr id="1" name=""/>
-        <p:cNvGrpSpPr/>
-        <p:nvPr/>
-      </p:nvGrpSpPr>
-      <p:grpSpPr>
-        <a:xfrm>
-          <a:off x="0" y="0"/>
-          <a:ext cx="0" cy="0"/>
-          <a:chOff x="0" y="0"/>
-          <a:chExt cx="0" cy="0"/>
-        </a:xfrm>
-      </p:grpSpPr>
-      <p:sp>
-        <p:nvSpPr>
-          <p:cNvPr id="2" name="Title 1"/>
-          <p:cNvSpPr>
-            <a:spLocks noGrp="1"/>
-          </p:cNvSpPr>
-          <p:nvPr>
-            <p:ph type="title"/>
-          </p:nvPr>
-        </p:nvSpPr>
-        <p:spPr/>
-        <p:txBody>
-          <a:bodyPr/>
-          <a:lstStyle/>
-          <a:p>
-            <a:r>
-              <a:rPr lang="en-US" dirty="0" smtClean="0"/>
-              <a:t>Flyweight</a:t>
-            </a:r>
-            <a:endParaRPr lang="en-US" dirty="0"/>
-          </a:p>
-        </p:txBody>
-      </p:sp>
-      <p:pic>
-        <p:nvPicPr>
-          <p:cNvPr id="6" name="Picture 5"/>
-          <p:cNvPicPr>
-            <a:picLocks noChangeAspect="1"/>
-          </p:cNvPicPr>
-          <p:nvPr/>
-        </p:nvPicPr>
-        <p:blipFill>
-          <a:blip r:embed="rId3"/>
-          <a:stretch>
-            <a:fillRect/>
-          </a:stretch>
-        </p:blipFill>
-        <p:spPr>
-          <a:xfrm>
-            <a:off x="2173402" y="1737360"/>
-            <a:ext cx="8342198" cy="4121911"/>
-          </a:xfrm>
-          <a:prstGeom prst="rect">
-            <a:avLst/>
-          </a:prstGeom>
-        </p:spPr>
-      </p:pic>
-    </p:spTree>
-    <p:extLst>
-      <p:ext uri="{BB962C8B-B14F-4D97-AF65-F5344CB8AC3E}">
-        <p14:creationId xmlns:p14="http://schemas.microsoft.com/office/powerpoint/2010/main" val="786671435"/>
-      </p:ext>
-    </p:extLst>
-  </p:cSld>
-  <p:clrMapOvr>
-    <a:masterClrMapping/>
-  </p:clrMapOvr>
-  <p:timing>
-    <p:tnLst>
-      <p:par>
-        <p:cTn id="1" dur="indefinite" restart="never" nodeType="tmRoot"/>
-      </p:par>
-    </p:tnLst>
-  </p:timing>
-</p:sld>
-</file>
-
-<file path=ppt/slides/slide43.xml><?xml version="1.0" encoding="utf-8"?>
-<p:sld xmlns:a="http://schemas.openxmlformats.org/drawingml/2006/main" xmlns:r="http://schemas.openxmlformats.org/officeDocument/2006/relationships" xmlns:p="http://schemas.openxmlformats.org/presentationml/2006/main">
-  <p:cSld>
-    <p:spTree>
-      <p:nvGrpSpPr>
-        <p:cNvPr id="1" name=""/>
-        <p:cNvGrpSpPr/>
-        <p:nvPr/>
-      </p:nvGrpSpPr>
-      <p:grpSpPr>
-        <a:xfrm>
-          <a:off x="0" y="0"/>
-          <a:ext cx="0" cy="0"/>
-          <a:chOff x="0" y="0"/>
-          <a:chExt cx="0" cy="0"/>
-        </a:xfrm>
-      </p:grpSpPr>
-      <p:sp>
-        <p:nvSpPr>
-          <p:cNvPr id="2" name="Title 1"/>
-          <p:cNvSpPr>
-            <a:spLocks noGrp="1"/>
-          </p:cNvSpPr>
-          <p:nvPr>
-            <p:ph type="title"/>
-          </p:nvPr>
-        </p:nvSpPr>
-        <p:spPr/>
-        <p:txBody>
-          <a:bodyPr/>
-          <a:lstStyle/>
-          <a:p>
-            <a:r>
-              <a:rPr lang="en-US" dirty="0" smtClean="0"/>
-              <a:t>Demo</a:t>
-            </a:r>
-            <a:endParaRPr lang="en-US" dirty="0"/>
-          </a:p>
-        </p:txBody>
-      </p:sp>
-      <p:sp>
-        <p:nvSpPr>
-          <p:cNvPr id="3" name="Content Placeholder 2"/>
-          <p:cNvSpPr>
-            <a:spLocks noGrp="1"/>
-          </p:cNvSpPr>
-          <p:nvPr>
-            <p:ph idx="1"/>
-          </p:nvPr>
-        </p:nvSpPr>
-        <p:spPr/>
-        <p:txBody>
-          <a:bodyPr/>
-          <a:lstStyle/>
-          <a:p>
-            <a:endParaRPr lang="en-US" dirty="0"/>
-          </a:p>
-        </p:txBody>
-      </p:sp>
-    </p:spTree>
-    <p:extLst>
-      <p:ext uri="{BB962C8B-B14F-4D97-AF65-F5344CB8AC3E}">
-        <p14:creationId xmlns:p14="http://schemas.microsoft.com/office/powerpoint/2010/main" val="4170427834"/>
-      </p:ext>
-    </p:extLst>
-  </p:cSld>
-  <p:clrMapOvr>
-    <a:masterClrMapping/>
-  </p:clrMapOvr>
-  <p:timing>
-    <p:tnLst>
-      <p:par>
-        <p:cTn id="1" dur="indefinite" restart="never" nodeType="tmRoot"/>
-      </p:par>
-    </p:tnLst>
-  </p:timing>
-</p:sld>
-</file>
-
-<file path=ppt/slides/slide44.xml><?xml version="1.0" encoding="utf-8"?>
-<p:sld xmlns:a="http://schemas.openxmlformats.org/drawingml/2006/main" xmlns:r="http://schemas.openxmlformats.org/officeDocument/2006/relationships" xmlns:p="http://schemas.openxmlformats.org/presentationml/2006/main">
-  <p:cSld>
-    <p:spTree>
-      <p:nvGrpSpPr>
-        <p:cNvPr id="1" name=""/>
-        <p:cNvGrpSpPr/>
-        <p:nvPr/>
-      </p:nvGrpSpPr>
-      <p:grpSpPr>
-        <a:xfrm>
-          <a:off x="0" y="0"/>
-          <a:ext cx="0" cy="0"/>
-          <a:chOff x="0" y="0"/>
-          <a:chExt cx="0" cy="0"/>
-        </a:xfrm>
-      </p:grpSpPr>
-      <p:sp>
-        <p:nvSpPr>
-          <p:cNvPr id="2" name="Title 1"/>
-          <p:cNvSpPr>
-            <a:spLocks noGrp="1"/>
-          </p:cNvSpPr>
-          <p:nvPr>
-            <p:ph type="title"/>
-          </p:nvPr>
-        </p:nvSpPr>
-        <p:spPr/>
-        <p:txBody>
-          <a:bodyPr/>
-          <a:lstStyle/>
-          <a:p>
-            <a:r>
-              <a:rPr lang="en-US" dirty="0" smtClean="0"/>
-              <a:t>Summary</a:t>
-            </a:r>
-            <a:endParaRPr lang="en-US" dirty="0"/>
-          </a:p>
-        </p:txBody>
-      </p:sp>
-      <p:sp>
-        <p:nvSpPr>
-          <p:cNvPr id="3" name="Content Placeholder 2"/>
-          <p:cNvSpPr>
-            <a:spLocks noGrp="1"/>
-          </p:cNvSpPr>
-          <p:nvPr>
-            <p:ph idx="1"/>
-          </p:nvPr>
-        </p:nvSpPr>
-        <p:spPr/>
-        <p:txBody>
-          <a:bodyPr/>
-          <a:lstStyle/>
-          <a:p>
-            <a:r>
-              <a:rPr lang="en-US" sz="2400" dirty="0"/>
-              <a:t>Group of objects are replaced by a few shared objects once extrinsic state is removed</a:t>
-            </a:r>
-          </a:p>
-          <a:p>
-            <a:r>
-              <a:rPr lang="en-US" sz="2400" dirty="0"/>
-              <a:t>Storage savings are derived from</a:t>
-            </a:r>
-          </a:p>
-          <a:p>
-            <a:pPr marL="201168" lvl="1" indent="0">
-              <a:buNone/>
-            </a:pPr>
-            <a:r>
-              <a:rPr lang="en-US" sz="2400" dirty="0" smtClean="0"/>
-              <a:t>       Reduced </a:t>
-            </a:r>
-            <a:r>
-              <a:rPr lang="en-US" sz="2400" dirty="0"/>
-              <a:t>instances</a:t>
-            </a:r>
-          </a:p>
-          <a:p>
-            <a:pPr marL="201168" lvl="1" indent="0">
-              <a:buNone/>
-            </a:pPr>
-            <a:r>
-              <a:rPr lang="en-US" sz="2400" dirty="0" smtClean="0"/>
-              <a:t>       Amount </a:t>
-            </a:r>
-            <a:r>
-              <a:rPr lang="en-US" sz="2400" dirty="0"/>
-              <a:t>of intrinsic state per object</a:t>
-            </a:r>
-          </a:p>
-          <a:p>
-            <a:pPr lvl="1"/>
-            <a:endParaRPr lang="en-US" sz="2400" dirty="0"/>
-          </a:p>
-          <a:p>
-            <a:pPr marL="201168" lvl="1" indent="0">
-              <a:buNone/>
-            </a:pPr>
-            <a:r>
-              <a:rPr lang="en-US" sz="2400" dirty="0"/>
-              <a:t>Application can no longer depend on the object’s </a:t>
-            </a:r>
-            <a:r>
-              <a:rPr lang="en-US" sz="2400" dirty="0" smtClean="0"/>
-              <a:t>identity</a:t>
-            </a:r>
-          </a:p>
-          <a:p>
-            <a:pPr marL="201168" lvl="1" indent="0">
-              <a:buNone/>
-            </a:pPr>
-            <a:endParaRPr lang="en-US" sz="2400" dirty="0" smtClean="0"/>
-          </a:p>
-          <a:p>
-            <a:endParaRPr lang="en-US" dirty="0"/>
-          </a:p>
-        </p:txBody>
-      </p:sp>
-    </p:spTree>
-    <p:extLst>
-      <p:ext uri="{BB962C8B-B14F-4D97-AF65-F5344CB8AC3E}">
-        <p14:creationId xmlns:p14="http://schemas.microsoft.com/office/powerpoint/2010/main" val="865942520"/>
-      </p:ext>
-    </p:extLst>
-  </p:cSld>
-  <p:clrMapOvr>
-    <a:masterClrMapping/>
-  </p:clrMapOvr>
-  <p:timing>
-    <p:tnLst>
-      <p:par>
-        <p:cTn id="1" dur="indefinite" restart="never" nodeType="tmRoot"/>
-      </p:par>
-    </p:tnLst>
-  </p:timing>
-</p:sld>
-</file>
-
-<file path=ppt/slides/slide45.xml><?xml version="1.0" encoding="utf-8"?>
-<p:sld xmlns:a="http://schemas.openxmlformats.org/drawingml/2006/main" xmlns:r="http://schemas.openxmlformats.org/officeDocument/2006/relationships" xmlns:p="http://schemas.openxmlformats.org/presentationml/2006/main">
-  <p:cSld>
-    <p:spTree>
-      <p:nvGrpSpPr>
-        <p:cNvPr id="1" name=""/>
-        <p:cNvGrpSpPr/>
-        <p:nvPr/>
-      </p:nvGrpSpPr>
-      <p:grpSpPr>
-        <a:xfrm>
-          <a:off x="0" y="0"/>
-          <a:ext cx="0" cy="0"/>
-          <a:chOff x="0" y="0"/>
-          <a:chExt cx="0" cy="0"/>
-        </a:xfrm>
-      </p:grpSpPr>
-      <p:sp>
-        <p:nvSpPr>
-          <p:cNvPr id="2" name="Title 1"/>
-          <p:cNvSpPr>
-            <a:spLocks noGrp="1"/>
-          </p:cNvSpPr>
-          <p:nvPr>
-            <p:ph type="title"/>
-          </p:nvPr>
-        </p:nvSpPr>
-        <p:spPr/>
-        <p:txBody>
-          <a:bodyPr/>
-          <a:lstStyle/>
-          <a:p>
-            <a:r>
-              <a:rPr lang="en-US" dirty="0" smtClean="0"/>
-              <a:t>Pipes and Filters</a:t>
-            </a:r>
-            <a:endParaRPr lang="en-US" dirty="0"/>
-          </a:p>
-        </p:txBody>
-      </p:sp>
-      <p:sp>
-        <p:nvSpPr>
-          <p:cNvPr id="3" name="Content Placeholder 2"/>
-          <p:cNvSpPr>
-            <a:spLocks noGrp="1"/>
-          </p:cNvSpPr>
-          <p:nvPr>
-            <p:ph idx="1"/>
-          </p:nvPr>
-        </p:nvSpPr>
-        <p:spPr/>
-        <p:txBody>
-          <a:bodyPr>
-            <a:normAutofit/>
-          </a:bodyPr>
-          <a:lstStyle/>
-          <a:p>
-            <a:endParaRPr lang="en-US" sz="4400" dirty="0" smtClean="0"/>
-          </a:p>
-          <a:p>
-            <a:r>
-              <a:rPr lang="en-US" sz="4400" dirty="0"/>
-              <a:t> </a:t>
-            </a:r>
-            <a:r>
-              <a:rPr lang="en-US" sz="4400" dirty="0" smtClean="0"/>
-              <a:t>          This world is not my home,</a:t>
-            </a:r>
-          </a:p>
-          <a:p>
-            <a:r>
-              <a:rPr lang="en-US" sz="4400" dirty="0"/>
-              <a:t> </a:t>
-            </a:r>
-            <a:r>
-              <a:rPr lang="en-US" sz="4400" dirty="0" smtClean="0"/>
-              <a:t>                        I’m just a </a:t>
-            </a:r>
-            <a:r>
-              <a:rPr lang="en-US" sz="4400" dirty="0" err="1" smtClean="0"/>
-              <a:t>passin</a:t>
-            </a:r>
-            <a:r>
-              <a:rPr lang="en-US" sz="4400" dirty="0" smtClean="0"/>
-              <a:t>’ through.</a:t>
-            </a:r>
-            <a:endParaRPr lang="en-US" sz="4400" dirty="0"/>
-          </a:p>
-        </p:txBody>
-      </p:sp>
-    </p:spTree>
-    <p:extLst>
-      <p:ext uri="{BB962C8B-B14F-4D97-AF65-F5344CB8AC3E}">
-        <p14:creationId xmlns:p14="http://schemas.microsoft.com/office/powerpoint/2010/main" val="1570550019"/>
-      </p:ext>
-    </p:extLst>
-  </p:cSld>
-  <p:clrMapOvr>
-    <a:masterClrMapping/>
-  </p:clrMapOvr>
-  <p:timing>
-    <p:tnLst>
-      <p:par>
-        <p:cTn id="1" dur="indefinite" restart="never" nodeType="tmRoot"/>
-      </p:par>
-    </p:tnLst>
-  </p:timing>
-</p:sld>
-</file>
-
-<file path=ppt/slides/slide46.xml><?xml version="1.0" encoding="utf-8"?>
-<p:sld xmlns:a="http://schemas.openxmlformats.org/drawingml/2006/main" xmlns:r="http://schemas.openxmlformats.org/officeDocument/2006/relationships" xmlns:p="http://schemas.openxmlformats.org/presentationml/2006/main">
-  <p:cSld>
-    <p:spTree>
-      <p:nvGrpSpPr>
-        <p:cNvPr id="1" name=""/>
-        <p:cNvGrpSpPr/>
-        <p:nvPr/>
-      </p:nvGrpSpPr>
-      <p:grpSpPr>
-        <a:xfrm>
-          <a:off x="0" y="0"/>
-          <a:ext cx="0" cy="0"/>
-          <a:chOff x="0" y="0"/>
-          <a:chExt cx="0" cy="0"/>
-        </a:xfrm>
-      </p:grpSpPr>
-      <p:sp>
-        <p:nvSpPr>
-          <p:cNvPr id="2" name="Title 1"/>
-          <p:cNvSpPr>
-            <a:spLocks noGrp="1"/>
-          </p:cNvSpPr>
-          <p:nvPr>
-            <p:ph type="title"/>
-          </p:nvPr>
-        </p:nvSpPr>
-        <p:spPr/>
-        <p:txBody>
-          <a:bodyPr/>
-          <a:lstStyle/>
-          <a:p>
-            <a:r>
-              <a:rPr lang="en-US" dirty="0" smtClean="0"/>
-              <a:t>The Issue</a:t>
-            </a:r>
-            <a:endParaRPr lang="en-US" dirty="0"/>
-          </a:p>
-        </p:txBody>
-      </p:sp>
-      <p:sp>
-        <p:nvSpPr>
-          <p:cNvPr id="3" name="Content Placeholder 2"/>
-          <p:cNvSpPr>
-            <a:spLocks noGrp="1"/>
-          </p:cNvSpPr>
-          <p:nvPr>
-            <p:ph idx="1"/>
-          </p:nvPr>
-        </p:nvSpPr>
-        <p:spPr/>
-        <p:txBody>
-          <a:bodyPr>
-            <a:normAutofit/>
-          </a:bodyPr>
-          <a:lstStyle/>
-          <a:p>
-            <a:endParaRPr lang="en-US" sz="4400" dirty="0" smtClean="0"/>
-          </a:p>
-          <a:p>
-            <a:r>
-              <a:rPr lang="en-US" sz="4400" dirty="0"/>
-              <a:t> </a:t>
-            </a:r>
-            <a:r>
-              <a:rPr lang="en-US" sz="4400" dirty="0" smtClean="0"/>
-              <a:t>                An object passes through </a:t>
-            </a:r>
-          </a:p>
-          <a:p>
-            <a:r>
-              <a:rPr lang="en-US" sz="4400" dirty="0"/>
-              <a:t> </a:t>
-            </a:r>
-            <a:r>
-              <a:rPr lang="en-US" sz="4400" dirty="0" smtClean="0"/>
-              <a:t>                               successive stages</a:t>
-            </a:r>
-          </a:p>
-        </p:txBody>
-      </p:sp>
-    </p:spTree>
-    <p:extLst>
-      <p:ext uri="{BB962C8B-B14F-4D97-AF65-F5344CB8AC3E}">
-        <p14:creationId xmlns:p14="http://schemas.microsoft.com/office/powerpoint/2010/main" val="4249826679"/>
-      </p:ext>
-    </p:extLst>
-  </p:cSld>
-  <p:clrMapOvr>
-    <a:masterClrMapping/>
-  </p:clrMapOvr>
-  <p:timing>
-    <p:tnLst>
-      <p:par>
-        <p:cTn id="1" dur="indefinite" restart="never" nodeType="tmRoot"/>
-      </p:par>
-    </p:tnLst>
-  </p:timing>
-</p:sld>
-</file>
-
-<file path=ppt/slides/slide47.xml><?xml version="1.0" encoding="utf-8"?>
-<p:sld xmlns:a="http://schemas.openxmlformats.org/drawingml/2006/main" xmlns:r="http://schemas.openxmlformats.org/officeDocument/2006/relationships" xmlns:p="http://schemas.openxmlformats.org/presentationml/2006/main">
-  <p:cSld>
-    <p:spTree>
-      <p:nvGrpSpPr>
-        <p:cNvPr id="1" name=""/>
-        <p:cNvGrpSpPr/>
-        <p:nvPr/>
-      </p:nvGrpSpPr>
-      <p:grpSpPr>
-        <a:xfrm>
-          <a:off x="0" y="0"/>
-          <a:ext cx="0" cy="0"/>
-          <a:chOff x="0" y="0"/>
-          <a:chExt cx="0" cy="0"/>
-        </a:xfrm>
-      </p:grpSpPr>
-      <p:sp>
-        <p:nvSpPr>
-          <p:cNvPr id="2" name="Title 1"/>
-          <p:cNvSpPr>
-            <a:spLocks noGrp="1"/>
-          </p:cNvSpPr>
-          <p:nvPr>
-            <p:ph type="title"/>
-          </p:nvPr>
-        </p:nvSpPr>
-        <p:spPr/>
-        <p:txBody>
-          <a:bodyPr/>
-          <a:lstStyle/>
-          <a:p>
-            <a:r>
-              <a:rPr lang="en-US" dirty="0" smtClean="0"/>
-              <a:t>Examples</a:t>
-            </a:r>
-            <a:endParaRPr lang="en-US" dirty="0"/>
-          </a:p>
-        </p:txBody>
-      </p:sp>
-      <p:sp>
-        <p:nvSpPr>
-          <p:cNvPr id="3" name="Content Placeholder 2"/>
-          <p:cNvSpPr>
-            <a:spLocks noGrp="1"/>
-          </p:cNvSpPr>
-          <p:nvPr>
-            <p:ph idx="1"/>
-          </p:nvPr>
-        </p:nvSpPr>
-        <p:spPr/>
-        <p:txBody>
-          <a:bodyPr>
-            <a:normAutofit fontScale="92500" lnSpcReduction="10000"/>
-          </a:bodyPr>
-          <a:lstStyle/>
-          <a:p>
-            <a:r>
-              <a:rPr lang="en-US" sz="4400" dirty="0" smtClean="0"/>
-              <a:t>               </a:t>
-            </a:r>
-            <a:br>
-              <a:rPr lang="en-US" sz="4400" dirty="0" smtClean="0"/>
-            </a:br>
-            <a:r>
-              <a:rPr lang="en-US" sz="4400" dirty="0" smtClean="0"/>
-              <a:t>               IIS Pipeline</a:t>
-            </a:r>
-          </a:p>
-          <a:p>
-            <a:r>
-              <a:rPr lang="en-US" sz="4400" dirty="0" smtClean="0"/>
-              <a:t>               Compiler pipeline</a:t>
-            </a:r>
-          </a:p>
-          <a:p>
-            <a:r>
-              <a:rPr lang="en-US" sz="4400" dirty="0"/>
-              <a:t> </a:t>
-            </a:r>
-            <a:r>
-              <a:rPr lang="en-US" sz="4400" dirty="0" smtClean="0"/>
-              <a:t>              Message processing</a:t>
-            </a:r>
-          </a:p>
-          <a:p>
-            <a:r>
-              <a:rPr lang="en-US" sz="4400" dirty="0" smtClean="0"/>
-              <a:t>               Document workflow</a:t>
-            </a:r>
-          </a:p>
-          <a:p>
-            <a:pPr marL="201168" lvl="1" indent="0">
-              <a:spcBef>
-                <a:spcPts val="1200"/>
-              </a:spcBef>
-              <a:spcAft>
-                <a:spcPts val="200"/>
-              </a:spcAft>
-              <a:buNone/>
-            </a:pPr>
-            <a:r>
-              <a:rPr lang="en-US" sz="4400" dirty="0"/>
-              <a:t> </a:t>
-            </a:r>
-            <a:r>
-              <a:rPr lang="en-US" sz="4400" dirty="0" smtClean="0"/>
-              <a:t>              UNIX command line</a:t>
-            </a:r>
-          </a:p>
-          <a:p>
-            <a:endParaRPr lang="en-US" dirty="0" smtClean="0"/>
-          </a:p>
-          <a:p>
-            <a:endParaRPr lang="en-US" dirty="0"/>
-          </a:p>
-        </p:txBody>
-      </p:sp>
-    </p:spTree>
-    <p:extLst>
-      <p:ext uri="{BB962C8B-B14F-4D97-AF65-F5344CB8AC3E}">
-        <p14:creationId xmlns:p14="http://schemas.microsoft.com/office/powerpoint/2010/main" val="2596349310"/>
-      </p:ext>
-    </p:extLst>
-  </p:cSld>
-  <p:clrMapOvr>
-    <a:masterClrMapping/>
-  </p:clrMapOvr>
-  <p:timing>
-    <p:tnLst>
-      <p:par>
-        <p:cTn id="1" dur="indefinite" restart="never" nodeType="tmRoot"/>
-      </p:par>
-    </p:tnLst>
-  </p:timing>
-</p:sld>
-</file>
-
-<file path=ppt/slides/slide48.xml><?xml version="1.0" encoding="utf-8"?>
-<p:sld xmlns:a="http://schemas.openxmlformats.org/drawingml/2006/main" xmlns:r="http://schemas.openxmlformats.org/officeDocument/2006/relationships" xmlns:p="http://schemas.openxmlformats.org/presentationml/2006/main">
-  <p:cSld>
-    <p:spTree>
-      <p:nvGrpSpPr>
-        <p:cNvPr id="1" name=""/>
-        <p:cNvGrpSpPr/>
-        <p:nvPr/>
-      </p:nvGrpSpPr>
-      <p:grpSpPr>
-        <a:xfrm>
-          <a:off x="0" y="0"/>
-          <a:ext cx="0" cy="0"/>
-          <a:chOff x="0" y="0"/>
-          <a:chExt cx="0" cy="0"/>
-        </a:xfrm>
-      </p:grpSpPr>
-      <p:sp>
-        <p:nvSpPr>
-          <p:cNvPr id="2" name="Title 1"/>
-          <p:cNvSpPr>
-            <a:spLocks noGrp="1"/>
-          </p:cNvSpPr>
-          <p:nvPr>
-            <p:ph type="title"/>
-          </p:nvPr>
-        </p:nvSpPr>
-        <p:spPr/>
-        <p:txBody>
-          <a:bodyPr/>
-          <a:lstStyle/>
-          <a:p>
-            <a:r>
-              <a:rPr lang="en-US" dirty="0" smtClean="0"/>
-              <a:t>Pipes and Filters</a:t>
-            </a:r>
-            <a:endParaRPr lang="en-US" dirty="0"/>
-          </a:p>
-        </p:txBody>
-      </p:sp>
-      <p:sp>
-        <p:nvSpPr>
-          <p:cNvPr id="3" name="Content Placeholder 2"/>
-          <p:cNvSpPr>
-            <a:spLocks noGrp="1"/>
-          </p:cNvSpPr>
-          <p:nvPr>
-            <p:ph idx="1"/>
-          </p:nvPr>
-        </p:nvSpPr>
-        <p:spPr/>
-        <p:txBody>
-          <a:bodyPr>
-            <a:normAutofit/>
-          </a:bodyPr>
-          <a:lstStyle/>
-          <a:p>
-            <a:endParaRPr lang="en-US" dirty="0" smtClean="0"/>
-          </a:p>
-          <a:p>
-            <a:r>
-              <a:rPr lang="en-US" sz="4400" dirty="0" smtClean="0"/>
-              <a:t>Key Concept: </a:t>
-            </a:r>
-            <a:br>
-              <a:rPr lang="en-US" sz="4400" dirty="0" smtClean="0"/>
-            </a:br>
-            <a:r>
-              <a:rPr lang="en-US" sz="4400" dirty="0" smtClean="0"/>
-              <a:t/>
-            </a:r>
-            <a:br>
-              <a:rPr lang="en-US" sz="4400" dirty="0" smtClean="0"/>
-            </a:br>
-            <a:r>
-              <a:rPr lang="en-US" sz="4400" dirty="0" smtClean="0"/>
-              <a:t>       Output of one stage is input to the next</a:t>
-            </a:r>
-          </a:p>
-          <a:p>
-            <a:endParaRPr lang="en-US" dirty="0"/>
-          </a:p>
-        </p:txBody>
-      </p:sp>
-    </p:spTree>
-    <p:extLst>
-      <p:ext uri="{BB962C8B-B14F-4D97-AF65-F5344CB8AC3E}">
-        <p14:creationId xmlns:p14="http://schemas.microsoft.com/office/powerpoint/2010/main" val="2892099997"/>
-      </p:ext>
-    </p:extLst>
-  </p:cSld>
-  <p:clrMapOvr>
-    <a:masterClrMapping/>
-  </p:clrMapOvr>
-  <p:timing>
-    <p:tnLst>
-      <p:par>
-        <p:cTn id="1" dur="indefinite" restart="never" nodeType="tmRoot"/>
-      </p:par>
-    </p:tnLst>
-  </p:timing>
-</p:sld>
-</file>
-
-<file path=ppt/slides/slide49.xml><?xml version="1.0" encoding="utf-8"?>
+<file path=ppt/slides/slide50.xml><?xml version="1.0" encoding="utf-8"?>
 <p:sld xmlns:a="http://schemas.openxmlformats.org/drawingml/2006/main" xmlns:r="http://schemas.openxmlformats.org/officeDocument/2006/relationships" xmlns:p="http://schemas.openxmlformats.org/presentationml/2006/main">
   <p:cSld>
     <p:spTree>
@@ -14965,86 +15257,7 @@
 </p:sld>
 </file>
 
-<file path=ppt/slides/slide5.xml><?xml version="1.0" encoding="utf-8"?>
-<p:sld xmlns:a="http://schemas.openxmlformats.org/drawingml/2006/main" xmlns:r="http://schemas.openxmlformats.org/officeDocument/2006/relationships" xmlns:p="http://schemas.openxmlformats.org/presentationml/2006/main">
-  <p:cSld>
-    <p:spTree>
-      <p:nvGrpSpPr>
-        <p:cNvPr id="1" name=""/>
-        <p:cNvGrpSpPr/>
-        <p:nvPr/>
-      </p:nvGrpSpPr>
-      <p:grpSpPr>
-        <a:xfrm>
-          <a:off x="0" y="0"/>
-          <a:ext cx="0" cy="0"/>
-          <a:chOff x="0" y="0"/>
-          <a:chExt cx="0" cy="0"/>
-        </a:xfrm>
-      </p:grpSpPr>
-      <p:sp>
-        <p:nvSpPr>
-          <p:cNvPr id="2" name="Title 1"/>
-          <p:cNvSpPr>
-            <a:spLocks noGrp="1"/>
-          </p:cNvSpPr>
-          <p:nvPr>
-            <p:ph type="title"/>
-          </p:nvPr>
-        </p:nvSpPr>
-        <p:spPr/>
-        <p:txBody>
-          <a:bodyPr/>
-          <a:lstStyle/>
-          <a:p>
-            <a:r>
-              <a:rPr lang="en-US" dirty="0" smtClean="0"/>
-              <a:t>What is a Design Pattern?</a:t>
-            </a:r>
-            <a:endParaRPr lang="en-US" dirty="0"/>
-          </a:p>
-        </p:txBody>
-      </p:sp>
-      <p:sp>
-        <p:nvSpPr>
-          <p:cNvPr id="3" name="Content Placeholder 2"/>
-          <p:cNvSpPr>
-            <a:spLocks noGrp="1"/>
-          </p:cNvSpPr>
-          <p:nvPr>
-            <p:ph idx="1"/>
-          </p:nvPr>
-        </p:nvSpPr>
-        <p:spPr/>
-        <p:txBody>
-          <a:bodyPr/>
-          <a:lstStyle/>
-          <a:p>
-            <a:endParaRPr lang="en-US" dirty="0"/>
-          </a:p>
-        </p:txBody>
-      </p:sp>
-    </p:spTree>
-    <p:extLst>
-      <p:ext uri="{BB962C8B-B14F-4D97-AF65-F5344CB8AC3E}">
-        <p14:creationId xmlns:p14="http://schemas.microsoft.com/office/powerpoint/2010/main" val="822248543"/>
-      </p:ext>
-    </p:extLst>
-  </p:cSld>
-  <p:clrMapOvr>
-    <a:masterClrMapping/>
-  </p:clrMapOvr>
-  <p:timing>
-    <p:tnLst>
-      <p:par>
-        <p:cTn id="1" dur="indefinite" restart="never" nodeType="tmRoot"/>
-      </p:par>
-    </p:tnLst>
-  </p:timing>
-</p:sld>
-</file>
-
-<file path=ppt/slides/slide50.xml><?xml version="1.0" encoding="utf-8"?>
+<file path=ppt/slides/slide51.xml><?xml version="1.0" encoding="utf-8"?>
 <p:sld xmlns:a="http://schemas.openxmlformats.org/drawingml/2006/main" xmlns:r="http://schemas.openxmlformats.org/officeDocument/2006/relationships" xmlns:p="http://schemas.openxmlformats.org/presentationml/2006/main">
   <p:cSld>
     <p:spTree>
@@ -15329,7 +15542,7 @@
 </p:sld>
 </file>
 
-<file path=ppt/slides/slide51.xml><?xml version="1.0" encoding="utf-8"?>
+<file path=ppt/slides/slide52.xml><?xml version="1.0" encoding="utf-8"?>
 <p:sld xmlns:a="http://schemas.openxmlformats.org/drawingml/2006/main" xmlns:r="http://schemas.openxmlformats.org/officeDocument/2006/relationships" xmlns:p="http://schemas.openxmlformats.org/presentationml/2006/main">
   <p:cSld>
     <p:spTree>
@@ -15687,85 +15900,6 @@
     <p:extLst>
       <p:ext uri="{BB962C8B-B14F-4D97-AF65-F5344CB8AC3E}">
         <p14:creationId xmlns:p14="http://schemas.microsoft.com/office/powerpoint/2010/main" val="356905397"/>
-      </p:ext>
-    </p:extLst>
-  </p:cSld>
-  <p:clrMapOvr>
-    <a:masterClrMapping/>
-  </p:clrMapOvr>
-  <p:timing>
-    <p:tnLst>
-      <p:par>
-        <p:cTn id="1" dur="indefinite" restart="never" nodeType="tmRoot"/>
-      </p:par>
-    </p:tnLst>
-  </p:timing>
-</p:sld>
-</file>
-
-<file path=ppt/slides/slide52.xml><?xml version="1.0" encoding="utf-8"?>
-<p:sld xmlns:a="http://schemas.openxmlformats.org/drawingml/2006/main" xmlns:r="http://schemas.openxmlformats.org/officeDocument/2006/relationships" xmlns:p="http://schemas.openxmlformats.org/presentationml/2006/main">
-  <p:cSld>
-    <p:spTree>
-      <p:nvGrpSpPr>
-        <p:cNvPr id="1" name=""/>
-        <p:cNvGrpSpPr/>
-        <p:nvPr/>
-      </p:nvGrpSpPr>
-      <p:grpSpPr>
-        <a:xfrm>
-          <a:off x="0" y="0"/>
-          <a:ext cx="0" cy="0"/>
-          <a:chOff x="0" y="0"/>
-          <a:chExt cx="0" cy="0"/>
-        </a:xfrm>
-      </p:grpSpPr>
-      <p:sp>
-        <p:nvSpPr>
-          <p:cNvPr id="2" name="Title 1"/>
-          <p:cNvSpPr>
-            <a:spLocks noGrp="1"/>
-          </p:cNvSpPr>
-          <p:nvPr>
-            <p:ph type="title"/>
-          </p:nvPr>
-        </p:nvSpPr>
-        <p:spPr/>
-        <p:txBody>
-          <a:bodyPr/>
-          <a:lstStyle/>
-          <a:p>
-            <a:r>
-              <a:rPr lang="en-US" dirty="0" smtClean="0"/>
-              <a:t>Demo</a:t>
-            </a:r>
-            <a:endParaRPr lang="en-US" dirty="0"/>
-          </a:p>
-        </p:txBody>
-      </p:sp>
-      <p:sp>
-        <p:nvSpPr>
-          <p:cNvPr id="3" name="Content Placeholder 2"/>
-          <p:cNvSpPr>
-            <a:spLocks noGrp="1"/>
-          </p:cNvSpPr>
-          <p:nvPr>
-            <p:ph idx="1"/>
-          </p:nvPr>
-        </p:nvSpPr>
-        <p:spPr/>
-        <p:txBody>
-          <a:bodyPr/>
-          <a:lstStyle/>
-          <a:p>
-            <a:endParaRPr lang="en-US"/>
-          </a:p>
-        </p:txBody>
-      </p:sp>
-    </p:spTree>
-    <p:extLst>
-      <p:ext uri="{BB962C8B-B14F-4D97-AF65-F5344CB8AC3E}">
-        <p14:creationId xmlns:p14="http://schemas.microsoft.com/office/powerpoint/2010/main" val="1023559884"/>
       </p:ext>
     </p:extLst>
   </p:cSld>
@@ -15816,7 +15950,7 @@
           <a:p>
             <a:r>
               <a:rPr lang="en-US" dirty="0" smtClean="0"/>
-              <a:t>Summary</a:t>
+              <a:t>Demo</a:t>
             </a:r>
             <a:endParaRPr lang="en-US" dirty="0"/>
           </a:p>
@@ -15834,65 +15968,17 @@
         </p:nvSpPr>
         <p:spPr/>
         <p:txBody>
-          <a:bodyPr>
-            <a:normAutofit/>
-          </a:bodyPr>
-          <a:lstStyle/>
-          <a:p>
-            <a:r>
-              <a:rPr lang="en-US" sz="4000" dirty="0" smtClean="0"/>
-              <a:t>Useful when processing can be decomposed into a set of discreet steps (filters), and each step performs some transformation on the data</a:t>
-            </a:r>
-          </a:p>
-          <a:p>
-            <a:endParaRPr lang="en-US" sz="4000" dirty="0"/>
-          </a:p>
-          <a:p>
-            <a:r>
-              <a:rPr lang="en-US" sz="4000" dirty="0" smtClean="0"/>
-              <a:t>Think UNIX command line:</a:t>
-            </a:r>
-          </a:p>
-          <a:p>
-            <a:pPr marL="201168" lvl="1" indent="0">
-              <a:buNone/>
-            </a:pPr>
-            <a:r>
-              <a:rPr lang="en-US" sz="3800" dirty="0" smtClean="0"/>
-              <a:t>    cat </a:t>
-            </a:r>
-            <a:r>
-              <a:rPr lang="en-US" sz="3800" dirty="0" err="1" smtClean="0"/>
-              <a:t>dataFile</a:t>
-            </a:r>
-            <a:r>
-              <a:rPr lang="en-US" sz="3800" dirty="0" smtClean="0"/>
-              <a:t> | </a:t>
-            </a:r>
-            <a:r>
-              <a:rPr lang="en-US" sz="3800" dirty="0" err="1" smtClean="0"/>
-              <a:t>grep</a:t>
-            </a:r>
-            <a:r>
-              <a:rPr lang="en-US" sz="3800" dirty="0" smtClean="0"/>
-              <a:t> customer | </a:t>
-            </a:r>
-            <a:r>
-              <a:rPr lang="en-US" sz="3800" dirty="0" err="1" smtClean="0"/>
-              <a:t>awk</a:t>
-            </a:r>
-            <a:r>
-              <a:rPr lang="en-US" sz="3800" dirty="0" smtClean="0"/>
-              <a:t> ‘{print $1}’</a:t>
-            </a:r>
-            <a:endParaRPr lang="en-US" sz="3800" dirty="0"/>
+          <a:bodyPr/>
+          <a:lstStyle/>
+          <a:p>
+            <a:endParaRPr lang="en-US"/>
           </a:p>
         </p:txBody>
       </p:sp>
     </p:spTree>
     <p:extLst>
       <p:ext uri="{BB962C8B-B14F-4D97-AF65-F5344CB8AC3E}">
-        <p14:creationId xmlns:p14="http://schemas.microsoft.com/office/powerpoint/2010/main" val="1841248691"/>
+        <p14:creationId xmlns:p14="http://schemas.microsoft.com/office/powerpoint/2010/main" val="1023559884"/>
       </p:ext>
     </p:extLst>
   </p:cSld>
@@ -15943,7 +16029,7 @@
           <a:p>
             <a:r>
               <a:rPr lang="en-US" dirty="0" smtClean="0"/>
-              <a:t>Questions?</a:t>
+              <a:t>Summary</a:t>
             </a:r>
             <a:endParaRPr lang="en-US" dirty="0"/>
           </a:p>
@@ -15961,17 +16047,65 @@
         </p:nvSpPr>
         <p:spPr/>
         <p:txBody>
-          <a:bodyPr/>
-          <a:lstStyle/>
-          <a:p>
-            <a:endParaRPr lang="en-US"/>
+          <a:bodyPr>
+            <a:normAutofit/>
+          </a:bodyPr>
+          <a:lstStyle/>
+          <a:p>
+            <a:r>
+              <a:rPr lang="en-US" sz="4000" dirty="0" smtClean="0"/>
+              <a:t>Useful when processing can be decomposed into a set of discreet steps (filters), and each step performs some transformation on the data</a:t>
+            </a:r>
+          </a:p>
+          <a:p>
+            <a:endParaRPr lang="en-US" sz="4000" dirty="0"/>
+          </a:p>
+          <a:p>
+            <a:r>
+              <a:rPr lang="en-US" sz="4000" dirty="0" smtClean="0"/>
+              <a:t>Think UNIX command line:</a:t>
+            </a:r>
+          </a:p>
+          <a:p>
+            <a:pPr marL="201168" lvl="1" indent="0">
+              <a:buNone/>
+            </a:pPr>
+            <a:r>
+              <a:rPr lang="en-US" sz="3800" dirty="0" smtClean="0"/>
+              <a:t>    cat </a:t>
+            </a:r>
+            <a:r>
+              <a:rPr lang="en-US" sz="3800" dirty="0" err="1" smtClean="0"/>
+              <a:t>dataFile</a:t>
+            </a:r>
+            <a:r>
+              <a:rPr lang="en-US" sz="3800" dirty="0" smtClean="0"/>
+              <a:t> | </a:t>
+            </a:r>
+            <a:r>
+              <a:rPr lang="en-US" sz="3800" dirty="0" err="1" smtClean="0"/>
+              <a:t>grep</a:t>
+            </a:r>
+            <a:r>
+              <a:rPr lang="en-US" sz="3800" dirty="0" smtClean="0"/>
+              <a:t> customer | </a:t>
+            </a:r>
+            <a:r>
+              <a:rPr lang="en-US" sz="3800" dirty="0" err="1" smtClean="0"/>
+              <a:t>awk</a:t>
+            </a:r>
+            <a:r>
+              <a:rPr lang="en-US" sz="3800" dirty="0" smtClean="0"/>
+              <a:t> ‘{print $1}’</a:t>
+            </a:r>
+            <a:endParaRPr lang="en-US" sz="3800" dirty="0"/>
           </a:p>
         </p:txBody>
       </p:sp>
     </p:spTree>
     <p:extLst>
       <p:ext uri="{BB962C8B-B14F-4D97-AF65-F5344CB8AC3E}">
-        <p14:creationId xmlns:p14="http://schemas.microsoft.com/office/powerpoint/2010/main" val="3526247316"/>
+        <p14:creationId xmlns:p14="http://schemas.microsoft.com/office/powerpoint/2010/main" val="1841248691"/>
       </p:ext>
     </p:extLst>
   </p:cSld>
@@ -16022,7 +16156,7 @@
           <a:p>
             <a:r>
               <a:rPr lang="en-US" dirty="0" smtClean="0"/>
-              <a:t>Patterns Resources</a:t>
+              <a:t>Questions?</a:t>
             </a:r>
             <a:endParaRPr lang="en-US" dirty="0"/>
           </a:p>
@@ -16040,97 +16174,17 @@
         </p:nvSpPr>
         <p:spPr/>
         <p:txBody>
-          <a:bodyPr>
-            <a:normAutofit fontScale="70000" lnSpcReduction="20000"/>
-          </a:bodyPr>
-          <a:lstStyle/>
-          <a:p>
-            <a:r>
-              <a:rPr lang="en-US" sz="4000" dirty="0" err="1" smtClean="0"/>
-              <a:t>Pluralsight</a:t>
-            </a:r>
-            <a:r>
-              <a:rPr lang="en-US" sz="4000" dirty="0" smtClean="0"/>
-              <a:t> Design Patterns Library – 31 patterns</a:t>
-            </a:r>
-            <a:br>
-              <a:rPr lang="en-US" sz="4000" dirty="0" smtClean="0"/>
-            </a:br>
-            <a:endParaRPr lang="en-US" sz="4000" dirty="0" smtClean="0"/>
-          </a:p>
-          <a:p>
-            <a:r>
-              <a:rPr lang="en-US" sz="4000" dirty="0" smtClean="0"/>
-              <a:t>doFactory.com – Gang of Four, Enterprise, etc.</a:t>
-            </a:r>
-            <a:br>
-              <a:rPr lang="en-US" sz="4000" dirty="0" smtClean="0"/>
-            </a:br>
-            <a:endParaRPr lang="en-US" sz="4000" dirty="0" smtClean="0"/>
-          </a:p>
-          <a:p>
-            <a:r>
-              <a:rPr lang="en-US" sz="4000" dirty="0" smtClean="0"/>
-              <a:t>Gang of Four – 23 patterns</a:t>
-            </a:r>
-            <a:br>
-              <a:rPr lang="en-US" sz="4000" dirty="0" smtClean="0"/>
-            </a:br>
-            <a:endParaRPr lang="en-US" sz="4000" dirty="0" smtClean="0"/>
-          </a:p>
-          <a:p>
-            <a:r>
-              <a:rPr lang="en-US" sz="4000" dirty="0" smtClean="0"/>
-              <a:t>Microsoft Patterns </a:t>
-            </a:r>
-            <a:r>
-              <a:rPr lang="en-US" sz="4000" dirty="0"/>
-              <a:t>and Practices: </a:t>
-            </a:r>
-            <a:r>
-              <a:rPr lang="en-US" sz="4000" dirty="0" smtClean="0"/>
-              <a:t/>
-            </a:r>
-            <a:br>
-              <a:rPr lang="en-US" sz="4000" dirty="0" smtClean="0"/>
-            </a:br>
-            <a:r>
-              <a:rPr lang="en-US" sz="4000" dirty="0" smtClean="0"/>
-              <a:t>https</a:t>
-            </a:r>
-            <a:r>
-              <a:rPr lang="en-US" sz="4000" dirty="0"/>
-              <a:t>://msdn.microsoft.com/en-us/library/ff921345.aspx</a:t>
-            </a:r>
-            <a:endParaRPr lang="en-US" sz="4000" dirty="0" smtClean="0"/>
-          </a:p>
-          <a:p>
-            <a:r>
-              <a:rPr lang="en-US" sz="4000" dirty="0" smtClean="0"/>
-              <a:t>Microsoft Cloud Patterns: </a:t>
-            </a:r>
-            <a:br>
-              <a:rPr lang="en-US" sz="4000" dirty="0" smtClean="0"/>
-            </a:br>
-            <a:r>
-              <a:rPr lang="en-US" sz="4000" dirty="0" smtClean="0"/>
-              <a:t>https</a:t>
-            </a:r>
-            <a:r>
-              <a:rPr lang="en-US" sz="4000" dirty="0"/>
-              <a:t>://msdn.microsoft.com/en-us/library/dn568099.aspx</a:t>
-            </a:r>
-            <a:endParaRPr lang="en-US" sz="4000" dirty="0" smtClean="0"/>
-          </a:p>
-          <a:p>
-            <a:endParaRPr lang="en-US" dirty="0"/>
+          <a:bodyPr/>
+          <a:lstStyle/>
+          <a:p>
+            <a:endParaRPr lang="en-US"/>
           </a:p>
         </p:txBody>
       </p:sp>
     </p:spTree>
     <p:extLst>
       <p:ext uri="{BB962C8B-B14F-4D97-AF65-F5344CB8AC3E}">
-        <p14:creationId xmlns:p14="http://schemas.microsoft.com/office/powerpoint/2010/main" val="2896742565"/>
+        <p14:creationId xmlns:p14="http://schemas.microsoft.com/office/powerpoint/2010/main" val="3526247316"/>
       </p:ext>
     </p:extLst>
   </p:cSld>
@@ -16181,6 +16235,165 @@
           <a:p>
             <a:r>
               <a:rPr lang="en-US" dirty="0" smtClean="0"/>
+              <a:t>Patterns Resources</a:t>
+            </a:r>
+            <a:endParaRPr lang="en-US" dirty="0"/>
+          </a:p>
+        </p:txBody>
+      </p:sp>
+      <p:sp>
+        <p:nvSpPr>
+          <p:cNvPr id="3" name="Content Placeholder 2"/>
+          <p:cNvSpPr>
+            <a:spLocks noGrp="1"/>
+          </p:cNvSpPr>
+          <p:nvPr>
+            <p:ph idx="1"/>
+          </p:nvPr>
+        </p:nvSpPr>
+        <p:spPr/>
+        <p:txBody>
+          <a:bodyPr>
+            <a:normAutofit fontScale="70000" lnSpcReduction="20000"/>
+          </a:bodyPr>
+          <a:lstStyle/>
+          <a:p>
+            <a:r>
+              <a:rPr lang="en-US" sz="4000" dirty="0" err="1" smtClean="0"/>
+              <a:t>Pluralsight</a:t>
+            </a:r>
+            <a:r>
+              <a:rPr lang="en-US" sz="4000" dirty="0" smtClean="0"/>
+              <a:t> Design Patterns Library – 31 patterns</a:t>
+            </a:r>
+            <a:br>
+              <a:rPr lang="en-US" sz="4000" dirty="0" smtClean="0"/>
+            </a:br>
+            <a:endParaRPr lang="en-US" sz="4000" dirty="0" smtClean="0"/>
+          </a:p>
+          <a:p>
+            <a:r>
+              <a:rPr lang="en-US" sz="4000" dirty="0" smtClean="0"/>
+              <a:t>doFactory.com – Gang of Four, Enterprise, etc.</a:t>
+            </a:r>
+            <a:br>
+              <a:rPr lang="en-US" sz="4000" dirty="0" smtClean="0"/>
+            </a:br>
+            <a:endParaRPr lang="en-US" sz="4000" dirty="0" smtClean="0"/>
+          </a:p>
+          <a:p>
+            <a:r>
+              <a:rPr lang="en-US" sz="4000" dirty="0" smtClean="0"/>
+              <a:t>Gang of Four – 23 patterns</a:t>
+            </a:r>
+            <a:br>
+              <a:rPr lang="en-US" sz="4000" dirty="0" smtClean="0"/>
+            </a:br>
+            <a:endParaRPr lang="en-US" sz="4000" dirty="0" smtClean="0"/>
+          </a:p>
+          <a:p>
+            <a:r>
+              <a:rPr lang="en-US" sz="4000" dirty="0" smtClean="0"/>
+              <a:t>Microsoft Patterns </a:t>
+            </a:r>
+            <a:r>
+              <a:rPr lang="en-US" sz="4000" dirty="0"/>
+              <a:t>and Practices: </a:t>
+            </a:r>
+            <a:r>
+              <a:rPr lang="en-US" sz="4000" dirty="0" smtClean="0"/>
+              <a:t/>
+            </a:r>
+            <a:br>
+              <a:rPr lang="en-US" sz="4000" dirty="0" smtClean="0"/>
+            </a:br>
+            <a:r>
+              <a:rPr lang="en-US" sz="4000" dirty="0" smtClean="0"/>
+              <a:t>https</a:t>
+            </a:r>
+            <a:r>
+              <a:rPr lang="en-US" sz="4000" dirty="0"/>
+              <a:t>://msdn.microsoft.com/en-us/library/ff921345.aspx</a:t>
+            </a:r>
+            <a:endParaRPr lang="en-US" sz="4000" dirty="0" smtClean="0"/>
+          </a:p>
+          <a:p>
+            <a:r>
+              <a:rPr lang="en-US" sz="4000" dirty="0" smtClean="0"/>
+              <a:t>Microsoft Cloud Patterns: </a:t>
+            </a:r>
+            <a:br>
+              <a:rPr lang="en-US" sz="4000" dirty="0" smtClean="0"/>
+            </a:br>
+            <a:r>
+              <a:rPr lang="en-US" sz="4000" dirty="0" smtClean="0"/>
+              <a:t>https</a:t>
+            </a:r>
+            <a:r>
+              <a:rPr lang="en-US" sz="4000" dirty="0"/>
+              <a:t>://msdn.microsoft.com/en-us/library/dn568099.aspx</a:t>
+            </a:r>
+            <a:endParaRPr lang="en-US" sz="4000" dirty="0" smtClean="0"/>
+          </a:p>
+          <a:p>
+            <a:endParaRPr lang="en-US" dirty="0"/>
+          </a:p>
+        </p:txBody>
+      </p:sp>
+    </p:spTree>
+    <p:extLst>
+      <p:ext uri="{BB962C8B-B14F-4D97-AF65-F5344CB8AC3E}">
+        <p14:creationId xmlns:p14="http://schemas.microsoft.com/office/powerpoint/2010/main" val="2896742565"/>
+      </p:ext>
+    </p:extLst>
+  </p:cSld>
+  <p:clrMapOvr>
+    <a:masterClrMapping/>
+  </p:clrMapOvr>
+  <p:timing>
+    <p:tnLst>
+      <p:par>
+        <p:cTn id="1" dur="indefinite" restart="never" nodeType="tmRoot"/>
+      </p:par>
+    </p:tnLst>
+  </p:timing>
+</p:sld>
+</file>
+
+<file path=ppt/slides/slide57.xml><?xml version="1.0" encoding="utf-8"?>
+<p:sld xmlns:a="http://schemas.openxmlformats.org/drawingml/2006/main" xmlns:r="http://schemas.openxmlformats.org/officeDocument/2006/relationships" xmlns:p="http://schemas.openxmlformats.org/presentationml/2006/main">
+  <p:cSld>
+    <p:spTree>
+      <p:nvGrpSpPr>
+        <p:cNvPr id="1" name=""/>
+        <p:cNvGrpSpPr/>
+        <p:nvPr/>
+      </p:nvGrpSpPr>
+      <p:grpSpPr>
+        <a:xfrm>
+          <a:off x="0" y="0"/>
+          <a:ext cx="0" cy="0"/>
+          <a:chOff x="0" y="0"/>
+          <a:chExt cx="0" cy="0"/>
+        </a:xfrm>
+      </p:grpSpPr>
+      <p:sp>
+        <p:nvSpPr>
+          <p:cNvPr id="2" name="Title 1"/>
+          <p:cNvSpPr>
+            <a:spLocks noGrp="1"/>
+          </p:cNvSpPr>
+          <p:nvPr>
+            <p:ph type="title"/>
+          </p:nvPr>
+        </p:nvSpPr>
+        <p:spPr/>
+        <p:txBody>
+          <a:bodyPr/>
+          <a:lstStyle/>
+          <a:p>
+            <a:r>
+              <a:rPr lang="en-US" dirty="0" smtClean="0"/>
               <a:t>Contact Me</a:t>
             </a:r>
             <a:endParaRPr lang="en-US" dirty="0"/>
@@ -16230,8 +16443,13 @@
           <a:p>
             <a:r>
               <a:rPr lang="en-US" dirty="0" smtClean="0"/>
-              <a:t>Slides and Code available at GitHub:</a:t>
-            </a:r>
+              <a:t>Slides and Code available at GitHub</a:t>
+            </a:r>
+            <a:r>
+              <a:rPr lang="en-US" dirty="0"/>
+              <a:t>: https://github.com/ilpadre</a:t>
+            </a:r>
+            <a:endParaRPr lang="en-US" dirty="0" smtClean="0"/>
           </a:p>
           <a:p>
             <a:endParaRPr lang="en-US" dirty="0" smtClean="0"/>
@@ -16262,6 +16480,85 @@
 </file>
 
 <file path=ppt/slides/slide6.xml><?xml version="1.0" encoding="utf-8"?>
+<p:sld xmlns:a="http://schemas.openxmlformats.org/drawingml/2006/main" xmlns:r="http://schemas.openxmlformats.org/officeDocument/2006/relationships" xmlns:p="http://schemas.openxmlformats.org/presentationml/2006/main">
+  <p:cSld>
+    <p:spTree>
+      <p:nvGrpSpPr>
+        <p:cNvPr id="1" name=""/>
+        <p:cNvGrpSpPr/>
+        <p:nvPr/>
+      </p:nvGrpSpPr>
+      <p:grpSpPr>
+        <a:xfrm>
+          <a:off x="0" y="0"/>
+          <a:ext cx="0" cy="0"/>
+          <a:chOff x="0" y="0"/>
+          <a:chExt cx="0" cy="0"/>
+        </a:xfrm>
+      </p:grpSpPr>
+      <p:sp>
+        <p:nvSpPr>
+          <p:cNvPr id="2" name="Title 1"/>
+          <p:cNvSpPr>
+            <a:spLocks noGrp="1"/>
+          </p:cNvSpPr>
+          <p:nvPr>
+            <p:ph type="title"/>
+          </p:nvPr>
+        </p:nvSpPr>
+        <p:spPr/>
+        <p:txBody>
+          <a:bodyPr/>
+          <a:lstStyle/>
+          <a:p>
+            <a:r>
+              <a:rPr lang="en-US" dirty="0" smtClean="0"/>
+              <a:t>What is a Design Pattern?</a:t>
+            </a:r>
+            <a:endParaRPr lang="en-US" dirty="0"/>
+          </a:p>
+        </p:txBody>
+      </p:sp>
+      <p:sp>
+        <p:nvSpPr>
+          <p:cNvPr id="3" name="Content Placeholder 2"/>
+          <p:cNvSpPr>
+            <a:spLocks noGrp="1"/>
+          </p:cNvSpPr>
+          <p:nvPr>
+            <p:ph idx="1"/>
+          </p:nvPr>
+        </p:nvSpPr>
+        <p:spPr/>
+        <p:txBody>
+          <a:bodyPr/>
+          <a:lstStyle/>
+          <a:p>
+            <a:endParaRPr lang="en-US" dirty="0"/>
+          </a:p>
+        </p:txBody>
+      </p:sp>
+    </p:spTree>
+    <p:extLst>
+      <p:ext uri="{BB962C8B-B14F-4D97-AF65-F5344CB8AC3E}">
+        <p14:creationId xmlns:p14="http://schemas.microsoft.com/office/powerpoint/2010/main" val="822248543"/>
+      </p:ext>
+    </p:extLst>
+  </p:cSld>
+  <p:clrMapOvr>
+    <a:masterClrMapping/>
+  </p:clrMapOvr>
+  <p:timing>
+    <p:tnLst>
+      <p:par>
+        <p:cTn id="1" dur="indefinite" restart="never" nodeType="tmRoot"/>
+      </p:par>
+    </p:tnLst>
+  </p:timing>
+</p:sld>
+</file>
+
+<file path=ppt/slides/slide7.xml><?xml version="1.0" encoding="utf-8"?>
 <p:sld xmlns:a="http://schemas.openxmlformats.org/drawingml/2006/main" xmlns:r="http://schemas.openxmlformats.org/officeDocument/2006/relationships" xmlns:p="http://schemas.openxmlformats.org/presentationml/2006/main">
   <p:cSld>
     <p:spTree>
@@ -16350,7 +16647,7 @@
 </p:sld>
 </file>
 
-<file path=ppt/slides/slide7.xml><?xml version="1.0" encoding="utf-8"?>
+<file path=ppt/slides/slide8.xml><?xml version="1.0" encoding="utf-8"?>
 <p:sld xmlns:a="http://schemas.openxmlformats.org/drawingml/2006/main" xmlns:r="http://schemas.openxmlformats.org/officeDocument/2006/relationships" xmlns:p="http://schemas.openxmlformats.org/presentationml/2006/main">
   <p:cSld>
     <p:spTree>
@@ -16439,7 +16736,7 @@
 </p:sld>
 </file>
 
-<file path=ppt/slides/slide8.xml><?xml version="1.0" encoding="utf-8"?>
+<file path=ppt/slides/slide9.xml><?xml version="1.0" encoding="utf-8"?>
 <p:sld xmlns:a="http://schemas.openxmlformats.org/drawingml/2006/main" xmlns:r="http://schemas.openxmlformats.org/officeDocument/2006/relationships" xmlns:p="http://schemas.openxmlformats.org/presentationml/2006/main">
   <p:cSld>
     <p:spTree>
@@ -16632,95 +16929,6 @@
     <p:extLst>
       <p:ext uri="{BB962C8B-B14F-4D97-AF65-F5344CB8AC3E}">
         <p14:creationId xmlns:p14="http://schemas.microsoft.com/office/powerpoint/2010/main" val="2719320111"/>
-      </p:ext>
-    </p:extLst>
-  </p:cSld>
-  <p:clrMapOvr>
-    <a:masterClrMapping/>
-  </p:clrMapOvr>
-  <p:timing>
-    <p:tnLst>
-      <p:par>
-        <p:cTn id="1" dur="indefinite" restart="never" nodeType="tmRoot"/>
-      </p:par>
-    </p:tnLst>
-  </p:timing>
-</p:sld>
-</file>
-
-<file path=ppt/slides/slide9.xml><?xml version="1.0" encoding="utf-8"?>
-<p:sld xmlns:a="http://schemas.openxmlformats.org/drawingml/2006/main" xmlns:r="http://schemas.openxmlformats.org/officeDocument/2006/relationships" xmlns:p="http://schemas.openxmlformats.org/presentationml/2006/main">
-  <p:cSld>
-    <p:spTree>
-      <p:nvGrpSpPr>
-        <p:cNvPr id="1" name=""/>
-        <p:cNvGrpSpPr/>
-        <p:nvPr/>
-      </p:nvGrpSpPr>
-      <p:grpSpPr>
-        <a:xfrm>
-          <a:off x="0" y="0"/>
-          <a:ext cx="0" cy="0"/>
-          <a:chOff x="0" y="0"/>
-          <a:chExt cx="0" cy="0"/>
-        </a:xfrm>
-      </p:grpSpPr>
-      <p:sp>
-        <p:nvSpPr>
-          <p:cNvPr id="2" name="Title 1"/>
-          <p:cNvSpPr>
-            <a:spLocks noGrp="1"/>
-          </p:cNvSpPr>
-          <p:nvPr>
-            <p:ph type="title"/>
-          </p:nvPr>
-        </p:nvSpPr>
-        <p:spPr/>
-        <p:txBody>
-          <a:bodyPr/>
-          <a:lstStyle/>
-          <a:p>
-            <a:r>
-              <a:rPr lang="en-US" dirty="0" smtClean="0"/>
-              <a:t>Gang of Four</a:t>
-            </a:r>
-            <a:endParaRPr lang="en-US" dirty="0"/>
-          </a:p>
-        </p:txBody>
-      </p:sp>
-      <p:pic>
-        <p:nvPicPr>
-          <p:cNvPr id="4" name="Content Placeholder 3"/>
-          <p:cNvPicPr>
-            <a:picLocks noGrp="1" noChangeAspect="1"/>
-          </p:cNvPicPr>
-          <p:nvPr>
-            <p:ph idx="1"/>
-          </p:nvPr>
-        </p:nvPicPr>
-        <p:blipFill>
-          <a:blip r:embed="rId3" cstate="print">
-            <a:extLst>
-              <a:ext uri="{28A0092B-C50C-407E-A947-70E740481C1C}">
-                <a14:useLocalDpi xmlns:a14="http://schemas.microsoft.com/office/drawing/2010/main" val="0"/>
-              </a:ext>
-            </a:extLst>
-          </a:blip>
-          <a:stretch>
-            <a:fillRect/>
-          </a:stretch>
-        </p:blipFill>
-        <p:spPr>
-          <a:xfrm>
-            <a:off x="6482861" y="389103"/>
-            <a:ext cx="4384431" cy="5459856"/>
-          </a:xfrm>
-        </p:spPr>
-      </p:pic>
-    </p:spTree>
-    <p:extLst>
-      <p:ext uri="{BB962C8B-B14F-4D97-AF65-F5344CB8AC3E}">
-        <p14:creationId xmlns:p14="http://schemas.microsoft.com/office/powerpoint/2010/main" val="3273657973"/>
       </p:ext>
     </p:extLst>
   </p:cSld>
